--- a/api-engineering-cloud-computing/comp306_classactivity_06_asp.net-core-authentication.pptx
+++ b/api-engineering-cloud-computing/comp306_classactivity_06_asp.net-core-authentication.pptx
@@ -5,10 +5,55 @@
     <p:sldMasterId id="2147483648" r:id="rId1"/>
   </p:sldMasterIdLst>
   <p:notesMasterIdLst>
-    <p:notesMasterId r:id="rId3"/>
+    <p:notesMasterId r:id="rId48"/>
   </p:notesMasterIdLst>
   <p:sldIdLst>
     <p:sldId id="256" r:id="rId2"/>
+    <p:sldId id="257" r:id="rId3"/>
+    <p:sldId id="258" r:id="rId4"/>
+    <p:sldId id="259" r:id="rId5"/>
+    <p:sldId id="260" r:id="rId6"/>
+    <p:sldId id="261" r:id="rId7"/>
+    <p:sldId id="263" r:id="rId8"/>
+    <p:sldId id="264" r:id="rId9"/>
+    <p:sldId id="265" r:id="rId10"/>
+    <p:sldId id="266" r:id="rId11"/>
+    <p:sldId id="267" r:id="rId12"/>
+    <p:sldId id="268" r:id="rId13"/>
+    <p:sldId id="269" r:id="rId14"/>
+    <p:sldId id="270" r:id="rId15"/>
+    <p:sldId id="271" r:id="rId16"/>
+    <p:sldId id="272" r:id="rId17"/>
+    <p:sldId id="275" r:id="rId18"/>
+    <p:sldId id="276" r:id="rId19"/>
+    <p:sldId id="277" r:id="rId20"/>
+    <p:sldId id="279" r:id="rId21"/>
+    <p:sldId id="280" r:id="rId22"/>
+    <p:sldId id="281" r:id="rId23"/>
+    <p:sldId id="282" r:id="rId24"/>
+    <p:sldId id="283" r:id="rId25"/>
+    <p:sldId id="284" r:id="rId26"/>
+    <p:sldId id="285" r:id="rId27"/>
+    <p:sldId id="286" r:id="rId28"/>
+    <p:sldId id="287" r:id="rId29"/>
+    <p:sldId id="288" r:id="rId30"/>
+    <p:sldId id="289" r:id="rId31"/>
+    <p:sldId id="290" r:id="rId32"/>
+    <p:sldId id="291" r:id="rId33"/>
+    <p:sldId id="292" r:id="rId34"/>
+    <p:sldId id="293" r:id="rId35"/>
+    <p:sldId id="295" r:id="rId36"/>
+    <p:sldId id="296" r:id="rId37"/>
+    <p:sldId id="298" r:id="rId38"/>
+    <p:sldId id="299" r:id="rId39"/>
+    <p:sldId id="300" r:id="rId40"/>
+    <p:sldId id="301" r:id="rId41"/>
+    <p:sldId id="302" r:id="rId42"/>
+    <p:sldId id="303" r:id="rId43"/>
+    <p:sldId id="304" r:id="rId44"/>
+    <p:sldId id="305" r:id="rId45"/>
+    <p:sldId id="306" r:id="rId46"/>
+    <p:sldId id="307" r:id="rId47"/>
   </p:sldIdLst>
   <p:sldSz cx="12192000" cy="6858000"/>
   <p:notesSz cx="6858000" cy="9144000"/>
@@ -197,7 +242,7 @@
           <a:p>
             <a:fld id="{B9D115DF-F8A8-4A29-83C9-AA018FE5093D}" type="datetimeFigureOut">
               <a:rPr lang="en-CA" smtClean="0"/>
-              <a:t>2018-10-28</a:t>
+              <a:t>2018-11-02</a:t>
             </a:fld>
             <a:endParaRPr lang="en-CA" dirty="0"/>
           </a:p>
@@ -515,7 +560,7 @@
           <a:noFill/>
           <a:extLst>
             <a:ext uri="{909E8E84-426E-40dd-AFC4-6F175D3DCCD1}">
-              <a14:hiddenFill xmlns="" xmlns:a14="http://schemas.microsoft.com/office/drawing/2010/main">
+              <a14:hiddenFill xmlns:a14="http://schemas.microsoft.com/office/drawing/2010/main" xmlns="">
                 <a:solidFill>
                   <a:srgbClr val="FFFFFF"/>
                 </a:solidFill>
@@ -575,7 +620,7 @@
             </a:ln>
             <a:extLst>
               <a:ext uri="{91240B29-F687-4f45-9708-019B960494DF}">
-                <a14:hiddenLine xmlns="" xmlns:a14="http://schemas.microsoft.com/office/drawing/2010/main" w="9525">
+                <a14:hiddenLine xmlns:a14="http://schemas.microsoft.com/office/drawing/2010/main" xmlns="" w="9525">
                   <a:solidFill>
                     <a:srgbClr val="000000"/>
                   </a:solidFill>
@@ -665,7 +710,7 @@
             </a:ln>
             <a:extLst>
               <a:ext uri="{91240B29-F687-4f45-9708-019B960494DF}">
-                <a14:hiddenLine xmlns="" xmlns:a14="http://schemas.microsoft.com/office/drawing/2010/main" w="9525">
+                <a14:hiddenLine xmlns:a14="http://schemas.microsoft.com/office/drawing/2010/main" xmlns="" w="9525">
                   <a:solidFill>
                     <a:srgbClr val="000000"/>
                   </a:solidFill>
@@ -755,7 +800,7 @@
             </a:ln>
             <a:extLst>
               <a:ext uri="{91240B29-F687-4f45-9708-019B960494DF}">
-                <a14:hiddenLine xmlns="" xmlns:a14="http://schemas.microsoft.com/office/drawing/2010/main" w="9525">
+                <a14:hiddenLine xmlns:a14="http://schemas.microsoft.com/office/drawing/2010/main" xmlns="" w="9525">
                   <a:solidFill>
                     <a:srgbClr val="000000"/>
                   </a:solidFill>
@@ -789,7 +834,7 @@
             </a:ln>
             <a:extLst>
               <a:ext uri="{91240B29-F687-4f45-9708-019B960494DF}">
-                <a14:hiddenLine xmlns="" xmlns:a14="http://schemas.microsoft.com/office/drawing/2010/main" w="9525">
+                <a14:hiddenLine xmlns:a14="http://schemas.microsoft.com/office/drawing/2010/main" xmlns="" w="9525">
                   <a:solidFill>
                     <a:srgbClr val="000000"/>
                   </a:solidFill>
@@ -879,7 +924,7 @@
             </a:ln>
             <a:extLst>
               <a:ext uri="{91240B29-F687-4f45-9708-019B960494DF}">
-                <a14:hiddenLine xmlns="" xmlns:a14="http://schemas.microsoft.com/office/drawing/2010/main" w="9525">
+                <a14:hiddenLine xmlns:a14="http://schemas.microsoft.com/office/drawing/2010/main" xmlns="" w="9525">
                   <a:solidFill>
                     <a:srgbClr val="000000"/>
                   </a:solidFill>
@@ -941,7 +986,7 @@
             </a:ln>
             <a:extLst>
               <a:ext uri="{91240B29-F687-4f45-9708-019B960494DF}">
-                <a14:hiddenLine xmlns="" xmlns:a14="http://schemas.microsoft.com/office/drawing/2010/main" w="9525">
+                <a14:hiddenLine xmlns:a14="http://schemas.microsoft.com/office/drawing/2010/main" xmlns="" w="9525">
                   <a:solidFill>
                     <a:srgbClr val="000000"/>
                   </a:solidFill>
@@ -1003,7 +1048,7 @@
             </a:ln>
             <a:extLst>
               <a:ext uri="{91240B29-F687-4f45-9708-019B960494DF}">
-                <a14:hiddenLine xmlns="" xmlns:a14="http://schemas.microsoft.com/office/drawing/2010/main" w="9525">
+                <a14:hiddenLine xmlns:a14="http://schemas.microsoft.com/office/drawing/2010/main" xmlns="" w="9525">
                   <a:solidFill>
                     <a:srgbClr val="000000"/>
                   </a:solidFill>
@@ -1093,7 +1138,7 @@
             </a:ln>
             <a:extLst>
               <a:ext uri="{91240B29-F687-4f45-9708-019B960494DF}">
-                <a14:hiddenLine xmlns="" xmlns:a14="http://schemas.microsoft.com/office/drawing/2010/main" w="9525">
+                <a14:hiddenLine xmlns:a14="http://schemas.microsoft.com/office/drawing/2010/main" xmlns="" w="9525">
                   <a:solidFill>
                     <a:srgbClr val="000000"/>
                   </a:solidFill>
@@ -1155,7 +1200,7 @@
             </a:ln>
             <a:extLst>
               <a:ext uri="{91240B29-F687-4f45-9708-019B960494DF}">
-                <a14:hiddenLine xmlns="" xmlns:a14="http://schemas.microsoft.com/office/drawing/2010/main" w="9525">
+                <a14:hiddenLine xmlns:a14="http://schemas.microsoft.com/office/drawing/2010/main" xmlns="" w="9525">
                   <a:solidFill>
                     <a:srgbClr val="000000"/>
                   </a:solidFill>
@@ -1217,7 +1262,7 @@
             </a:ln>
             <a:extLst>
               <a:ext uri="{91240B29-F687-4f45-9708-019B960494DF}">
-                <a14:hiddenLine xmlns="" xmlns:a14="http://schemas.microsoft.com/office/drawing/2010/main" w="9525">
+                <a14:hiddenLine xmlns:a14="http://schemas.microsoft.com/office/drawing/2010/main" xmlns="" w="9525">
                   <a:solidFill>
                     <a:srgbClr val="000000"/>
                   </a:solidFill>
@@ -1307,7 +1352,7 @@
             </a:ln>
             <a:extLst>
               <a:ext uri="{91240B29-F687-4f45-9708-019B960494DF}">
-                <a14:hiddenLine xmlns="" xmlns:a14="http://schemas.microsoft.com/office/drawing/2010/main" w="9525">
+                <a14:hiddenLine xmlns:a14="http://schemas.microsoft.com/office/drawing/2010/main" xmlns="" w="9525">
                   <a:solidFill>
                     <a:srgbClr val="000000"/>
                   </a:solidFill>
@@ -1397,7 +1442,7 @@
             </a:ln>
             <a:extLst>
               <a:ext uri="{91240B29-F687-4f45-9708-019B960494DF}">
-                <a14:hiddenLine xmlns="" xmlns:a14="http://schemas.microsoft.com/office/drawing/2010/main" w="9525">
+                <a14:hiddenLine xmlns:a14="http://schemas.microsoft.com/office/drawing/2010/main" xmlns="" w="9525">
                   <a:solidFill>
                     <a:srgbClr val="000000"/>
                   </a:solidFill>
@@ -1459,7 +1504,7 @@
             </a:ln>
             <a:extLst>
               <a:ext uri="{91240B29-F687-4f45-9708-019B960494DF}">
-                <a14:hiddenLine xmlns="" xmlns:a14="http://schemas.microsoft.com/office/drawing/2010/main" w="9525">
+                <a14:hiddenLine xmlns:a14="http://schemas.microsoft.com/office/drawing/2010/main" xmlns="" w="9525">
                   <a:solidFill>
                     <a:srgbClr val="000000"/>
                   </a:solidFill>
@@ -1569,7 +1614,7 @@
             </a:ln>
             <a:extLst>
               <a:ext uri="{91240B29-F687-4f45-9708-019B960494DF}">
-                <a14:hiddenLine xmlns="" xmlns:a14="http://schemas.microsoft.com/office/drawing/2010/main" w="9525">
+                <a14:hiddenLine xmlns:a14="http://schemas.microsoft.com/office/drawing/2010/main" xmlns="" w="9525">
                   <a:solidFill>
                     <a:srgbClr val="000000"/>
                   </a:solidFill>
@@ -1631,7 +1676,7 @@
             </a:ln>
             <a:extLst>
               <a:ext uri="{91240B29-F687-4f45-9708-019B960494DF}">
-                <a14:hiddenLine xmlns="" xmlns:a14="http://schemas.microsoft.com/office/drawing/2010/main" w="9525">
+                <a14:hiddenLine xmlns:a14="http://schemas.microsoft.com/office/drawing/2010/main" xmlns="" w="9525">
                   <a:solidFill>
                     <a:srgbClr val="000000"/>
                   </a:solidFill>
@@ -1721,7 +1766,7 @@
             </a:ln>
             <a:extLst>
               <a:ext uri="{91240B29-F687-4f45-9708-019B960494DF}">
-                <a14:hiddenLine xmlns="" xmlns:a14="http://schemas.microsoft.com/office/drawing/2010/main" w="9525">
+                <a14:hiddenLine xmlns:a14="http://schemas.microsoft.com/office/drawing/2010/main" xmlns="" w="9525">
                   <a:solidFill>
                     <a:srgbClr val="000000"/>
                   </a:solidFill>
@@ -1811,7 +1856,7 @@
             </a:ln>
             <a:extLst>
               <a:ext uri="{91240B29-F687-4f45-9708-019B960494DF}">
-                <a14:hiddenLine xmlns="" xmlns:a14="http://schemas.microsoft.com/office/drawing/2010/main" w="9525">
+                <a14:hiddenLine xmlns:a14="http://schemas.microsoft.com/office/drawing/2010/main" xmlns="" w="9525">
                   <a:solidFill>
                     <a:srgbClr val="000000"/>
                   </a:solidFill>
@@ -1873,7 +1918,7 @@
             </a:ln>
             <a:extLst>
               <a:ext uri="{91240B29-F687-4f45-9708-019B960494DF}">
-                <a14:hiddenLine xmlns="" xmlns:a14="http://schemas.microsoft.com/office/drawing/2010/main" w="9525">
+                <a14:hiddenLine xmlns:a14="http://schemas.microsoft.com/office/drawing/2010/main" xmlns="" w="9525">
                   <a:solidFill>
                     <a:srgbClr val="000000"/>
                   </a:solidFill>
@@ -1963,7 +2008,7 @@
             </a:ln>
             <a:extLst>
               <a:ext uri="{91240B29-F687-4f45-9708-019B960494DF}">
-                <a14:hiddenLine xmlns="" xmlns:a14="http://schemas.microsoft.com/office/drawing/2010/main" w="9525">
+                <a14:hiddenLine xmlns:a14="http://schemas.microsoft.com/office/drawing/2010/main" xmlns="" w="9525">
                   <a:solidFill>
                     <a:srgbClr val="000000"/>
                   </a:solidFill>
@@ -2053,7 +2098,7 @@
             </a:ln>
             <a:extLst>
               <a:ext uri="{91240B29-F687-4f45-9708-019B960494DF}">
-                <a14:hiddenLine xmlns="" xmlns:a14="http://schemas.microsoft.com/office/drawing/2010/main" w="9525">
+                <a14:hiddenLine xmlns:a14="http://schemas.microsoft.com/office/drawing/2010/main" xmlns="" w="9525">
                   <a:solidFill>
                     <a:srgbClr val="000000"/>
                   </a:solidFill>
@@ -2109,7 +2154,7 @@
             </a:ln>
             <a:extLst>
               <a:ext uri="{91240B29-F687-4f45-9708-019B960494DF}">
-                <a14:hiddenLine xmlns="" xmlns:a14="http://schemas.microsoft.com/office/drawing/2010/main" w="9525">
+                <a14:hiddenLine xmlns:a14="http://schemas.microsoft.com/office/drawing/2010/main" xmlns="" w="9525">
                   <a:solidFill>
                     <a:srgbClr val="000000"/>
                   </a:solidFill>
@@ -2199,7 +2244,7 @@
             </a:ln>
             <a:extLst>
               <a:ext uri="{91240B29-F687-4f45-9708-019B960494DF}">
-                <a14:hiddenLine xmlns="" xmlns:a14="http://schemas.microsoft.com/office/drawing/2010/main" w="9525">
+                <a14:hiddenLine xmlns:a14="http://schemas.microsoft.com/office/drawing/2010/main" xmlns="" w="9525">
                   <a:solidFill>
                     <a:srgbClr val="000000"/>
                   </a:solidFill>
@@ -2255,7 +2300,7 @@
             </a:ln>
             <a:extLst>
               <a:ext uri="{91240B29-F687-4f45-9708-019B960494DF}">
-                <a14:hiddenLine xmlns="" xmlns:a14="http://schemas.microsoft.com/office/drawing/2010/main" w="9525">
+                <a14:hiddenLine xmlns:a14="http://schemas.microsoft.com/office/drawing/2010/main" xmlns="" w="9525">
                   <a:solidFill>
                     <a:srgbClr val="000000"/>
                   </a:solidFill>
@@ -2345,7 +2390,7 @@
             </a:ln>
             <a:extLst>
               <a:ext uri="{91240B29-F687-4f45-9708-019B960494DF}">
-                <a14:hiddenLine xmlns="" xmlns:a14="http://schemas.microsoft.com/office/drawing/2010/main" w="9525">
+                <a14:hiddenLine xmlns:a14="http://schemas.microsoft.com/office/drawing/2010/main" xmlns="" w="9525">
                   <a:solidFill>
                     <a:srgbClr val="000000"/>
                   </a:solidFill>
@@ -2413,7 +2458,7 @@
             </a:ln>
             <a:extLst>
               <a:ext uri="{91240B29-F687-4f45-9708-019B960494DF}">
-                <a14:hiddenLine xmlns="" xmlns:a14="http://schemas.microsoft.com/office/drawing/2010/main" w="9525">
+                <a14:hiddenLine xmlns:a14="http://schemas.microsoft.com/office/drawing/2010/main" xmlns="" w="9525">
                   <a:solidFill>
                     <a:srgbClr val="000000"/>
                   </a:solidFill>
@@ -2503,7 +2548,7 @@
             </a:ln>
             <a:extLst>
               <a:ext uri="{91240B29-F687-4f45-9708-019B960494DF}">
-                <a14:hiddenLine xmlns="" xmlns:a14="http://schemas.microsoft.com/office/drawing/2010/main" w="9525">
+                <a14:hiddenLine xmlns:a14="http://schemas.microsoft.com/office/drawing/2010/main" xmlns="" w="9525">
                   <a:solidFill>
                     <a:srgbClr val="000000"/>
                   </a:solidFill>
@@ -2571,7 +2616,7 @@
             </a:ln>
             <a:extLst>
               <a:ext uri="{91240B29-F687-4f45-9708-019B960494DF}">
-                <a14:hiddenLine xmlns="" xmlns:a14="http://schemas.microsoft.com/office/drawing/2010/main" w="9525">
+                <a14:hiddenLine xmlns:a14="http://schemas.microsoft.com/office/drawing/2010/main" xmlns="" w="9525">
                   <a:solidFill>
                     <a:srgbClr val="000000"/>
                   </a:solidFill>
@@ -2661,7 +2706,7 @@
             </a:ln>
             <a:extLst>
               <a:ext uri="{91240B29-F687-4f45-9708-019B960494DF}">
-                <a14:hiddenLine xmlns="" xmlns:a14="http://schemas.microsoft.com/office/drawing/2010/main" w="9525">
+                <a14:hiddenLine xmlns:a14="http://schemas.microsoft.com/office/drawing/2010/main" xmlns="" w="9525">
                   <a:solidFill>
                     <a:srgbClr val="000000"/>
                   </a:solidFill>
@@ -2695,7 +2740,7 @@
             </a:ln>
             <a:extLst>
               <a:ext uri="{91240B29-F687-4f45-9708-019B960494DF}">
-                <a14:hiddenLine xmlns="" xmlns:a14="http://schemas.microsoft.com/office/drawing/2010/main" w="9525">
+                <a14:hiddenLine xmlns:a14="http://schemas.microsoft.com/office/drawing/2010/main" xmlns="" w="9525">
                   <a:solidFill>
                     <a:srgbClr val="000000"/>
                   </a:solidFill>
@@ -2785,7 +2830,7 @@
             </a:ln>
             <a:extLst>
               <a:ext uri="{91240B29-F687-4f45-9708-019B960494DF}">
-                <a14:hiddenLine xmlns="" xmlns:a14="http://schemas.microsoft.com/office/drawing/2010/main" w="9525">
+                <a14:hiddenLine xmlns:a14="http://schemas.microsoft.com/office/drawing/2010/main" xmlns="" w="9525">
                   <a:solidFill>
                     <a:srgbClr val="000000"/>
                   </a:solidFill>
@@ -2847,7 +2892,7 @@
             </a:ln>
             <a:extLst>
               <a:ext uri="{91240B29-F687-4f45-9708-019B960494DF}">
-                <a14:hiddenLine xmlns="" xmlns:a14="http://schemas.microsoft.com/office/drawing/2010/main" w="9525">
+                <a14:hiddenLine xmlns:a14="http://schemas.microsoft.com/office/drawing/2010/main" xmlns="" w="9525">
                   <a:solidFill>
                     <a:srgbClr val="000000"/>
                   </a:solidFill>
@@ -2909,7 +2954,7 @@
             </a:ln>
             <a:extLst>
               <a:ext uri="{91240B29-F687-4f45-9708-019B960494DF}">
-                <a14:hiddenLine xmlns="" xmlns:a14="http://schemas.microsoft.com/office/drawing/2010/main" w="9525">
+                <a14:hiddenLine xmlns:a14="http://schemas.microsoft.com/office/drawing/2010/main" xmlns="" w="9525">
                   <a:solidFill>
                     <a:srgbClr val="000000"/>
                   </a:solidFill>
@@ -2999,7 +3044,7 @@
             </a:ln>
             <a:extLst>
               <a:ext uri="{91240B29-F687-4f45-9708-019B960494DF}">
-                <a14:hiddenLine xmlns="" xmlns:a14="http://schemas.microsoft.com/office/drawing/2010/main" w="9525">
+                <a14:hiddenLine xmlns:a14="http://schemas.microsoft.com/office/drawing/2010/main" xmlns="" w="9525">
                   <a:solidFill>
                     <a:srgbClr val="000000"/>
                   </a:solidFill>
@@ -3067,7 +3112,7 @@
             </a:ln>
             <a:extLst>
               <a:ext uri="{91240B29-F687-4f45-9708-019B960494DF}">
-                <a14:hiddenLine xmlns="" xmlns:a14="http://schemas.microsoft.com/office/drawing/2010/main" w="9525">
+                <a14:hiddenLine xmlns:a14="http://schemas.microsoft.com/office/drawing/2010/main" xmlns="" w="9525">
                   <a:solidFill>
                     <a:srgbClr val="000000"/>
                   </a:solidFill>
@@ -3129,7 +3174,7 @@
             </a:ln>
             <a:extLst>
               <a:ext uri="{91240B29-F687-4f45-9708-019B960494DF}">
-                <a14:hiddenLine xmlns="" xmlns:a14="http://schemas.microsoft.com/office/drawing/2010/main" w="9525">
+                <a14:hiddenLine xmlns:a14="http://schemas.microsoft.com/office/drawing/2010/main" xmlns="" w="9525">
                   <a:solidFill>
                     <a:srgbClr val="000000"/>
                   </a:solidFill>
@@ -3219,7 +3264,7 @@
             </a:ln>
             <a:extLst>
               <a:ext uri="{91240B29-F687-4f45-9708-019B960494DF}">
-                <a14:hiddenLine xmlns="" xmlns:a14="http://schemas.microsoft.com/office/drawing/2010/main" w="9525">
+                <a14:hiddenLine xmlns:a14="http://schemas.microsoft.com/office/drawing/2010/main" xmlns="" w="9525">
                   <a:solidFill>
                     <a:srgbClr val="000000"/>
                   </a:solidFill>
@@ -3281,7 +3326,7 @@
             </a:ln>
             <a:extLst>
               <a:ext uri="{91240B29-F687-4f45-9708-019B960494DF}">
-                <a14:hiddenLine xmlns="" xmlns:a14="http://schemas.microsoft.com/office/drawing/2010/main" w="9525">
+                <a14:hiddenLine xmlns:a14="http://schemas.microsoft.com/office/drawing/2010/main" xmlns="" w="9525">
                   <a:solidFill>
                     <a:srgbClr val="000000"/>
                   </a:solidFill>
@@ -3371,7 +3416,7 @@
             </a:ln>
             <a:extLst>
               <a:ext uri="{91240B29-F687-4f45-9708-019B960494DF}">
-                <a14:hiddenLine xmlns="" xmlns:a14="http://schemas.microsoft.com/office/drawing/2010/main" w="9525">
+                <a14:hiddenLine xmlns:a14="http://schemas.microsoft.com/office/drawing/2010/main" xmlns="" w="9525">
                   <a:solidFill>
                     <a:srgbClr val="000000"/>
                   </a:solidFill>
@@ -3433,7 +3478,7 @@
             </a:ln>
             <a:extLst>
               <a:ext uri="{91240B29-F687-4f45-9708-019B960494DF}">
-                <a14:hiddenLine xmlns="" xmlns:a14="http://schemas.microsoft.com/office/drawing/2010/main" w="9525">
+                <a14:hiddenLine xmlns:a14="http://schemas.microsoft.com/office/drawing/2010/main" xmlns="" w="9525">
                   <a:solidFill>
                     <a:srgbClr val="000000"/>
                   </a:solidFill>
@@ -3523,7 +3568,7 @@
             </a:ln>
             <a:extLst>
               <a:ext uri="{91240B29-F687-4f45-9708-019B960494DF}">
-                <a14:hiddenLine xmlns="" xmlns:a14="http://schemas.microsoft.com/office/drawing/2010/main" w="9525">
+                <a14:hiddenLine xmlns:a14="http://schemas.microsoft.com/office/drawing/2010/main" xmlns="" w="9525">
                   <a:solidFill>
                     <a:srgbClr val="000000"/>
                   </a:solidFill>
@@ -3557,7 +3602,7 @@
             </a:ln>
             <a:extLst>
               <a:ext uri="{91240B29-F687-4f45-9708-019B960494DF}">
-                <a14:hiddenLine xmlns="" xmlns:a14="http://schemas.microsoft.com/office/drawing/2010/main" w="9525">
+                <a14:hiddenLine xmlns:a14="http://schemas.microsoft.com/office/drawing/2010/main" xmlns="" w="9525">
                   <a:solidFill>
                     <a:srgbClr val="000000"/>
                   </a:solidFill>
@@ -3622,7 +3667,7 @@
             </a:ln>
             <a:extLst>
               <a:ext uri="{91240B29-F687-4f45-9708-019B960494DF}">
-                <a14:hiddenLine xmlns="" xmlns:a14="http://schemas.microsoft.com/office/drawing/2010/main" w="9525">
+                <a14:hiddenLine xmlns:a14="http://schemas.microsoft.com/office/drawing/2010/main" xmlns="" w="9525">
                   <a:solidFill>
                     <a:srgbClr val="000000"/>
                   </a:solidFill>
@@ -3712,7 +3757,7 @@
             </a:ln>
             <a:extLst>
               <a:ext uri="{91240B29-F687-4f45-9708-019B960494DF}">
-                <a14:hiddenLine xmlns="" xmlns:a14="http://schemas.microsoft.com/office/drawing/2010/main" w="9525">
+                <a14:hiddenLine xmlns:a14="http://schemas.microsoft.com/office/drawing/2010/main" xmlns="" w="9525">
                   <a:solidFill>
                     <a:srgbClr val="000000"/>
                   </a:solidFill>
@@ -3774,7 +3819,7 @@
             </a:ln>
             <a:extLst>
               <a:ext uri="{91240B29-F687-4f45-9708-019B960494DF}">
-                <a14:hiddenLine xmlns="" xmlns:a14="http://schemas.microsoft.com/office/drawing/2010/main" w="9525">
+                <a14:hiddenLine xmlns:a14="http://schemas.microsoft.com/office/drawing/2010/main" xmlns="" w="9525">
                   <a:solidFill>
                     <a:srgbClr val="000000"/>
                   </a:solidFill>
@@ -3864,7 +3909,7 @@
             </a:ln>
             <a:extLst>
               <a:ext uri="{91240B29-F687-4f45-9708-019B960494DF}">
-                <a14:hiddenLine xmlns="" xmlns:a14="http://schemas.microsoft.com/office/drawing/2010/main" w="9525">
+                <a14:hiddenLine xmlns:a14="http://schemas.microsoft.com/office/drawing/2010/main" xmlns="" w="9525">
                   <a:solidFill>
                     <a:srgbClr val="000000"/>
                   </a:solidFill>
@@ -3954,7 +3999,7 @@
             </a:ln>
             <a:extLst>
               <a:ext uri="{91240B29-F687-4f45-9708-019B960494DF}">
-                <a14:hiddenLine xmlns="" xmlns:a14="http://schemas.microsoft.com/office/drawing/2010/main" w="9525">
+                <a14:hiddenLine xmlns:a14="http://schemas.microsoft.com/office/drawing/2010/main" xmlns="" w="9525">
                   <a:solidFill>
                     <a:srgbClr val="000000"/>
                   </a:solidFill>
@@ -4019,7 +4064,7 @@
             </a:ln>
             <a:extLst>
               <a:ext uri="{91240B29-F687-4f45-9708-019B960494DF}">
-                <a14:hiddenLine xmlns="" xmlns:a14="http://schemas.microsoft.com/office/drawing/2010/main" w="9525">
+                <a14:hiddenLine xmlns:a14="http://schemas.microsoft.com/office/drawing/2010/main" xmlns="" w="9525">
                   <a:solidFill>
                     <a:srgbClr val="000000"/>
                   </a:solidFill>
@@ -4081,7 +4126,7 @@
             </a:ln>
             <a:extLst>
               <a:ext uri="{91240B29-F687-4f45-9708-019B960494DF}">
-                <a14:hiddenLine xmlns="" xmlns:a14="http://schemas.microsoft.com/office/drawing/2010/main" w="9525">
+                <a14:hiddenLine xmlns:a14="http://schemas.microsoft.com/office/drawing/2010/main" xmlns="" w="9525">
                   <a:solidFill>
                     <a:srgbClr val="000000"/>
                   </a:solidFill>
@@ -4171,7 +4216,7 @@
             </a:ln>
             <a:extLst>
               <a:ext uri="{91240B29-F687-4f45-9708-019B960494DF}">
-                <a14:hiddenLine xmlns="" xmlns:a14="http://schemas.microsoft.com/office/drawing/2010/main" w="9525">
+                <a14:hiddenLine xmlns:a14="http://schemas.microsoft.com/office/drawing/2010/main" xmlns="" w="9525">
                   <a:solidFill>
                     <a:srgbClr val="000000"/>
                   </a:solidFill>
@@ -4261,7 +4306,7 @@
             </a:ln>
             <a:extLst>
               <a:ext uri="{91240B29-F687-4f45-9708-019B960494DF}">
-                <a14:hiddenLine xmlns="" xmlns:a14="http://schemas.microsoft.com/office/drawing/2010/main" w="9525">
+                <a14:hiddenLine xmlns:a14="http://schemas.microsoft.com/office/drawing/2010/main" xmlns="" w="9525">
                   <a:solidFill>
                     <a:srgbClr val="000000"/>
                   </a:solidFill>
@@ -4323,7 +4368,7 @@
             </a:ln>
             <a:extLst>
               <a:ext uri="{91240B29-F687-4f45-9708-019B960494DF}">
-                <a14:hiddenLine xmlns="" xmlns:a14="http://schemas.microsoft.com/office/drawing/2010/main" w="9525">
+                <a14:hiddenLine xmlns:a14="http://schemas.microsoft.com/office/drawing/2010/main" xmlns="" w="9525">
                   <a:solidFill>
                     <a:srgbClr val="000000"/>
                   </a:solidFill>
@@ -4443,7 +4488,7 @@
             </a:ln>
             <a:extLst>
               <a:ext uri="{91240B29-F687-4f45-9708-019B960494DF}">
-                <a14:hiddenLine xmlns="" xmlns:a14="http://schemas.microsoft.com/office/drawing/2010/main" w="9525">
+                <a14:hiddenLine xmlns:a14="http://schemas.microsoft.com/office/drawing/2010/main" xmlns="" w="9525">
                   <a:solidFill>
                     <a:srgbClr val="000000"/>
                   </a:solidFill>
@@ -4511,7 +4556,7 @@
             </a:ln>
             <a:extLst>
               <a:ext uri="{91240B29-F687-4f45-9708-019B960494DF}">
-                <a14:hiddenLine xmlns="" xmlns:a14="http://schemas.microsoft.com/office/drawing/2010/main" w="9525">
+                <a14:hiddenLine xmlns:a14="http://schemas.microsoft.com/office/drawing/2010/main" xmlns="" w="9525">
                   <a:solidFill>
                     <a:srgbClr val="000000"/>
                   </a:solidFill>
@@ -4601,7 +4646,7 @@
             </a:ln>
             <a:extLst>
               <a:ext uri="{91240B29-F687-4f45-9708-019B960494DF}">
-                <a14:hiddenLine xmlns="" xmlns:a14="http://schemas.microsoft.com/office/drawing/2010/main" w="9525">
+                <a14:hiddenLine xmlns:a14="http://schemas.microsoft.com/office/drawing/2010/main" xmlns="" w="9525">
                   <a:solidFill>
                     <a:srgbClr val="000000"/>
                   </a:solidFill>
@@ -4741,7 +4786,7 @@
           <a:p>
             <a:fld id="{48A87A34-81AB-432B-8DAE-1953F412C126}" type="datetimeFigureOut">
               <a:rPr lang="en-US" dirty="0"/>
-              <a:t>10/28/2018</a:t>
+              <a:t>11/2/2018</a:t>
             </a:fld>
             <a:endParaRPr lang="en-US" dirty="0"/>
           </a:p>
@@ -5002,7 +5047,7 @@
           <a:p>
             <a:fld id="{48A87A34-81AB-432B-8DAE-1953F412C126}" type="datetimeFigureOut">
               <a:rPr lang="en-US" dirty="0"/>
-              <a:t>10/28/2018</a:t>
+              <a:t>11/2/2018</a:t>
             </a:fld>
             <a:endParaRPr lang="en-US" dirty="0"/>
           </a:p>
@@ -5193,7 +5238,7 @@
           <a:p>
             <a:fld id="{48A87A34-81AB-432B-8DAE-1953F412C126}" type="datetimeFigureOut">
               <a:rPr lang="en-US" dirty="0"/>
-              <a:t>10/28/2018</a:t>
+              <a:t>11/2/2018</a:t>
             </a:fld>
             <a:endParaRPr lang="en-US" dirty="0"/>
           </a:p>
@@ -5451,7 +5496,7 @@
           <a:p>
             <a:fld id="{48A87A34-81AB-432B-8DAE-1953F412C126}" type="datetimeFigureOut">
               <a:rPr lang="en-US" dirty="0"/>
-              <a:t>10/28/2018</a:t>
+              <a:t>11/2/2018</a:t>
             </a:fld>
             <a:endParaRPr lang="en-US" dirty="0"/>
           </a:p>
@@ -5880,7 +5925,7 @@
           <a:p>
             <a:fld id="{48A87A34-81AB-432B-8DAE-1953F412C126}" type="datetimeFigureOut">
               <a:rPr lang="en-US" dirty="0"/>
-              <a:t>10/28/2018</a:t>
+              <a:t>11/2/2018</a:t>
             </a:fld>
             <a:endParaRPr lang="en-US" dirty="0"/>
           </a:p>
@@ -6421,7 +6466,7 @@
           <a:p>
             <a:fld id="{48A87A34-81AB-432B-8DAE-1953F412C126}" type="datetimeFigureOut">
               <a:rPr lang="en-US" dirty="0"/>
-              <a:t>10/28/2018</a:t>
+              <a:t>11/2/2018</a:t>
             </a:fld>
             <a:endParaRPr lang="en-US" dirty="0"/>
           </a:p>
@@ -7133,7 +7178,7 @@
           <a:p>
             <a:fld id="{48A87A34-81AB-432B-8DAE-1953F412C126}" type="datetimeFigureOut">
               <a:rPr lang="en-US" dirty="0"/>
-              <a:t>10/28/2018</a:t>
+              <a:t>11/2/2018</a:t>
             </a:fld>
             <a:endParaRPr lang="en-US" dirty="0"/>
           </a:p>
@@ -7298,7 +7343,7 @@
           <a:p>
             <a:fld id="{48A87A34-81AB-432B-8DAE-1953F412C126}" type="datetimeFigureOut">
               <a:rPr lang="en-US" dirty="0"/>
-              <a:t>10/28/2018</a:t>
+              <a:t>11/2/2018</a:t>
             </a:fld>
             <a:endParaRPr lang="en-US" dirty="0"/>
           </a:p>
@@ -7473,7 +7518,7 @@
           <a:p>
             <a:fld id="{48A87A34-81AB-432B-8DAE-1953F412C126}" type="datetimeFigureOut">
               <a:rPr lang="en-US" dirty="0"/>
-              <a:t>10/28/2018</a:t>
+              <a:t>11/2/2018</a:t>
             </a:fld>
             <a:endParaRPr lang="en-US" dirty="0"/>
           </a:p>
@@ -7638,7 +7683,7 @@
           <a:p>
             <a:fld id="{48A87A34-81AB-432B-8DAE-1953F412C126}" type="datetimeFigureOut">
               <a:rPr lang="en-US" dirty="0"/>
-              <a:t>10/28/2018</a:t>
+              <a:t>11/2/2018</a:t>
             </a:fld>
             <a:endParaRPr lang="en-US" dirty="0"/>
           </a:p>
@@ -7883,7 +7928,7 @@
           <a:p>
             <a:fld id="{48A87A34-81AB-432B-8DAE-1953F412C126}" type="datetimeFigureOut">
               <a:rPr lang="en-US" dirty="0"/>
-              <a:t>10/28/2018</a:t>
+              <a:t>11/2/2018</a:t>
             </a:fld>
             <a:endParaRPr lang="en-US" dirty="0"/>
           </a:p>
@@ -8110,7 +8155,7 @@
           <a:p>
             <a:fld id="{48A87A34-81AB-432B-8DAE-1953F412C126}" type="datetimeFigureOut">
               <a:rPr lang="en-US" dirty="0"/>
-              <a:t>10/28/2018</a:t>
+              <a:t>11/2/2018</a:t>
             </a:fld>
             <a:endParaRPr lang="en-US" dirty="0"/>
           </a:p>
@@ -8486,7 +8531,7 @@
           <a:p>
             <a:fld id="{48A87A34-81AB-432B-8DAE-1953F412C126}" type="datetimeFigureOut">
               <a:rPr lang="en-US" dirty="0"/>
-              <a:t>10/28/2018</a:t>
+              <a:t>11/2/2018</a:t>
             </a:fld>
             <a:endParaRPr lang="en-US" dirty="0"/>
           </a:p>
@@ -8599,7 +8644,7 @@
           <a:p>
             <a:fld id="{48A87A34-81AB-432B-8DAE-1953F412C126}" type="datetimeFigureOut">
               <a:rPr lang="en-US" dirty="0"/>
-              <a:t>10/28/2018</a:t>
+              <a:t>11/2/2018</a:t>
             </a:fld>
             <a:endParaRPr lang="en-US" dirty="0"/>
           </a:p>
@@ -8689,7 +8734,7 @@
           <a:p>
             <a:fld id="{48A87A34-81AB-432B-8DAE-1953F412C126}" type="datetimeFigureOut">
               <a:rPr lang="en-US" dirty="0"/>
-              <a:t>10/28/2018</a:t>
+              <a:t>11/2/2018</a:t>
             </a:fld>
             <a:endParaRPr lang="en-US" dirty="0"/>
           </a:p>
@@ -8933,7 +8978,7 @@
           <a:p>
             <a:fld id="{48A87A34-81AB-432B-8DAE-1953F412C126}" type="datetimeFigureOut">
               <a:rPr lang="en-US" dirty="0"/>
-              <a:t>10/28/2018</a:t>
+              <a:t>11/2/2018</a:t>
             </a:fld>
             <a:endParaRPr lang="en-US" dirty="0"/>
           </a:p>
@@ -9207,7 +9252,7 @@
           <a:p>
             <a:fld id="{48A87A34-81AB-432B-8DAE-1953F412C126}" type="datetimeFigureOut">
               <a:rPr lang="en-US" dirty="0"/>
-              <a:t>10/28/2018</a:t>
+              <a:t>11/2/2018</a:t>
             </a:fld>
             <a:endParaRPr lang="en-US" dirty="0"/>
           </a:p>
@@ -9318,7 +9363,7 @@
           <a:noFill/>
           <a:extLst>
             <a:ext uri="{909E8E84-426E-40dd-AFC4-6F175D3DCCD1}">
-              <a14:hiddenFill xmlns="" xmlns:a14="http://schemas.microsoft.com/office/drawing/2010/main">
+              <a14:hiddenFill xmlns:a14="http://schemas.microsoft.com/office/drawing/2010/main" xmlns="">
                 <a:solidFill>
                   <a:srgbClr val="FFFFFF"/>
                 </a:solidFill>
@@ -9392,7 +9437,7 @@
               </a:ln>
               <a:extLst>
                 <a:ext uri="{91240B29-F687-4f45-9708-019B960494DF}">
-                  <a14:hiddenLine xmlns="" xmlns:a14="http://schemas.microsoft.com/office/drawing/2010/main" w="9525">
+                  <a14:hiddenLine xmlns:a14="http://schemas.microsoft.com/office/drawing/2010/main" xmlns="" w="9525">
                     <a:solidFill>
                       <a:srgbClr val="000000"/>
                     </a:solidFill>
@@ -9482,7 +9527,7 @@
               </a:ln>
               <a:extLst>
                 <a:ext uri="{91240B29-F687-4f45-9708-019B960494DF}">
-                  <a14:hiddenLine xmlns="" xmlns:a14="http://schemas.microsoft.com/office/drawing/2010/main" w="9525">
+                  <a14:hiddenLine xmlns:a14="http://schemas.microsoft.com/office/drawing/2010/main" xmlns="" w="9525">
                     <a:solidFill>
                       <a:srgbClr val="000000"/>
                     </a:solidFill>
@@ -9572,7 +9617,7 @@
               </a:ln>
               <a:extLst>
                 <a:ext uri="{91240B29-F687-4f45-9708-019B960494DF}">
-                  <a14:hiddenLine xmlns="" xmlns:a14="http://schemas.microsoft.com/office/drawing/2010/main" w="9525">
+                  <a14:hiddenLine xmlns:a14="http://schemas.microsoft.com/office/drawing/2010/main" xmlns="" w="9525">
                     <a:solidFill>
                       <a:srgbClr val="000000"/>
                     </a:solidFill>
@@ -9634,7 +9679,7 @@
               </a:ln>
               <a:extLst>
                 <a:ext uri="{91240B29-F687-4f45-9708-019B960494DF}">
-                  <a14:hiddenLine xmlns="" xmlns:a14="http://schemas.microsoft.com/office/drawing/2010/main" w="9525">
+                  <a14:hiddenLine xmlns:a14="http://schemas.microsoft.com/office/drawing/2010/main" xmlns="" w="9525">
                     <a:solidFill>
                       <a:srgbClr val="000000"/>
                     </a:solidFill>
@@ -9724,7 +9769,7 @@
               </a:ln>
               <a:extLst>
                 <a:ext uri="{91240B29-F687-4f45-9708-019B960494DF}">
-                  <a14:hiddenLine xmlns="" xmlns:a14="http://schemas.microsoft.com/office/drawing/2010/main" w="9525">
+                  <a14:hiddenLine xmlns:a14="http://schemas.microsoft.com/office/drawing/2010/main" xmlns="" w="9525">
                     <a:solidFill>
                       <a:srgbClr val="000000"/>
                     </a:solidFill>
@@ -9786,7 +9831,7 @@
               </a:ln>
               <a:extLst>
                 <a:ext uri="{91240B29-F687-4f45-9708-019B960494DF}">
-                  <a14:hiddenLine xmlns="" xmlns:a14="http://schemas.microsoft.com/office/drawing/2010/main" w="9525">
+                  <a14:hiddenLine xmlns:a14="http://schemas.microsoft.com/office/drawing/2010/main" xmlns="" w="9525">
                     <a:solidFill>
                       <a:srgbClr val="000000"/>
                     </a:solidFill>
@@ -9848,7 +9893,7 @@
               </a:ln>
               <a:extLst>
                 <a:ext uri="{91240B29-F687-4f45-9708-019B960494DF}">
-                  <a14:hiddenLine xmlns="" xmlns:a14="http://schemas.microsoft.com/office/drawing/2010/main" w="9525">
+                  <a14:hiddenLine xmlns:a14="http://schemas.microsoft.com/office/drawing/2010/main" xmlns="" w="9525">
                     <a:solidFill>
                       <a:srgbClr val="000000"/>
                     </a:solidFill>
@@ -9938,7 +9983,7 @@
               </a:ln>
               <a:extLst>
                 <a:ext uri="{91240B29-F687-4f45-9708-019B960494DF}">
-                  <a14:hiddenLine xmlns="" xmlns:a14="http://schemas.microsoft.com/office/drawing/2010/main" w="9525">
+                  <a14:hiddenLine xmlns:a14="http://schemas.microsoft.com/office/drawing/2010/main" xmlns="" w="9525">
                     <a:solidFill>
                       <a:srgbClr val="000000"/>
                     </a:solidFill>
@@ -10028,7 +10073,7 @@
               </a:ln>
               <a:extLst>
                 <a:ext uri="{91240B29-F687-4f45-9708-019B960494DF}">
-                  <a14:hiddenLine xmlns="" xmlns:a14="http://schemas.microsoft.com/office/drawing/2010/main" w="9525">
+                  <a14:hiddenLine xmlns:a14="http://schemas.microsoft.com/office/drawing/2010/main" xmlns="" w="9525">
                     <a:solidFill>
                       <a:srgbClr val="000000"/>
                     </a:solidFill>
@@ -10090,7 +10135,7 @@
               </a:ln>
               <a:extLst>
                 <a:ext uri="{91240B29-F687-4f45-9708-019B960494DF}">
-                  <a14:hiddenLine xmlns="" xmlns:a14="http://schemas.microsoft.com/office/drawing/2010/main" w="9525">
+                  <a14:hiddenLine xmlns:a14="http://schemas.microsoft.com/office/drawing/2010/main" xmlns="" w="9525">
                     <a:solidFill>
                       <a:srgbClr val="000000"/>
                     </a:solidFill>
@@ -10200,7 +10245,7 @@
               </a:ln>
               <a:extLst>
                 <a:ext uri="{91240B29-F687-4f45-9708-019B960494DF}">
-                  <a14:hiddenLine xmlns="" xmlns:a14="http://schemas.microsoft.com/office/drawing/2010/main" w="9525">
+                  <a14:hiddenLine xmlns:a14="http://schemas.microsoft.com/office/drawing/2010/main" xmlns="" w="9525">
                     <a:solidFill>
                       <a:srgbClr val="000000"/>
                     </a:solidFill>
@@ -10284,7 +10329,7 @@
               </a:ln>
               <a:extLst>
                 <a:ext uri="{91240B29-F687-4f45-9708-019B960494DF}">
-                  <a14:hiddenLine xmlns="" xmlns:a14="http://schemas.microsoft.com/office/drawing/2010/main" w="9525">
+                  <a14:hiddenLine xmlns:a14="http://schemas.microsoft.com/office/drawing/2010/main" xmlns="" w="9525">
                     <a:solidFill>
                       <a:srgbClr val="000000"/>
                     </a:solidFill>
@@ -10346,7 +10391,7 @@
               </a:ln>
               <a:extLst>
                 <a:ext uri="{91240B29-F687-4f45-9708-019B960494DF}">
-                  <a14:hiddenLine xmlns="" xmlns:a14="http://schemas.microsoft.com/office/drawing/2010/main" w="9525">
+                  <a14:hiddenLine xmlns:a14="http://schemas.microsoft.com/office/drawing/2010/main" xmlns="" w="9525">
                     <a:solidFill>
                       <a:srgbClr val="000000"/>
                     </a:solidFill>
@@ -10408,7 +10453,7 @@
               </a:ln>
               <a:extLst>
                 <a:ext uri="{91240B29-F687-4f45-9708-019B960494DF}">
-                  <a14:hiddenLine xmlns="" xmlns:a14="http://schemas.microsoft.com/office/drawing/2010/main" w="9525">
+                  <a14:hiddenLine xmlns:a14="http://schemas.microsoft.com/office/drawing/2010/main" xmlns="" w="9525">
                     <a:solidFill>
                       <a:srgbClr val="000000"/>
                     </a:solidFill>
@@ -10498,7 +10543,7 @@
               </a:ln>
               <a:extLst>
                 <a:ext uri="{91240B29-F687-4f45-9708-019B960494DF}">
-                  <a14:hiddenLine xmlns="" xmlns:a14="http://schemas.microsoft.com/office/drawing/2010/main" w="9525">
+                  <a14:hiddenLine xmlns:a14="http://schemas.microsoft.com/office/drawing/2010/main" xmlns="" w="9525">
                     <a:solidFill>
                       <a:srgbClr val="000000"/>
                     </a:solidFill>
@@ -10532,7 +10577,7 @@
               </a:ln>
               <a:extLst>
                 <a:ext uri="{91240B29-F687-4f45-9708-019B960494DF}">
-                  <a14:hiddenLine xmlns="" xmlns:a14="http://schemas.microsoft.com/office/drawing/2010/main" w="9525">
+                  <a14:hiddenLine xmlns:a14="http://schemas.microsoft.com/office/drawing/2010/main" xmlns="" w="9525">
                     <a:solidFill>
                       <a:srgbClr val="000000"/>
                     </a:solidFill>
@@ -10597,7 +10642,7 @@
               </a:ln>
               <a:extLst>
                 <a:ext uri="{91240B29-F687-4f45-9708-019B960494DF}">
-                  <a14:hiddenLine xmlns="" xmlns:a14="http://schemas.microsoft.com/office/drawing/2010/main" w="9525">
+                  <a14:hiddenLine xmlns:a14="http://schemas.microsoft.com/office/drawing/2010/main" xmlns="" w="9525">
                     <a:solidFill>
                       <a:srgbClr val="000000"/>
                     </a:solidFill>
@@ -10687,7 +10732,7 @@
               </a:ln>
               <a:extLst>
                 <a:ext uri="{91240B29-F687-4f45-9708-019B960494DF}">
-                  <a14:hiddenLine xmlns="" xmlns:a14="http://schemas.microsoft.com/office/drawing/2010/main" w="9525">
+                  <a14:hiddenLine xmlns:a14="http://schemas.microsoft.com/office/drawing/2010/main" xmlns="" w="9525">
                     <a:solidFill>
                       <a:srgbClr val="000000"/>
                     </a:solidFill>
@@ -10749,7 +10794,7 @@
               </a:ln>
               <a:extLst>
                 <a:ext uri="{91240B29-F687-4f45-9708-019B960494DF}">
-                  <a14:hiddenLine xmlns="" xmlns:a14="http://schemas.microsoft.com/office/drawing/2010/main" w="9525">
+                  <a14:hiddenLine xmlns:a14="http://schemas.microsoft.com/office/drawing/2010/main" xmlns="" w="9525">
                     <a:solidFill>
                       <a:srgbClr val="000000"/>
                     </a:solidFill>
@@ -10839,7 +10884,7 @@
               </a:ln>
               <a:extLst>
                 <a:ext uri="{91240B29-F687-4f45-9708-019B960494DF}">
-                  <a14:hiddenLine xmlns="" xmlns:a14="http://schemas.microsoft.com/office/drawing/2010/main" w="9525">
+                  <a14:hiddenLine xmlns:a14="http://schemas.microsoft.com/office/drawing/2010/main" xmlns="" w="9525">
                     <a:solidFill>
                       <a:srgbClr val="000000"/>
                     </a:solidFill>
@@ -10904,7 +10949,7 @@
               </a:ln>
               <a:extLst>
                 <a:ext uri="{91240B29-F687-4f45-9708-019B960494DF}">
-                  <a14:hiddenLine xmlns="" xmlns:a14="http://schemas.microsoft.com/office/drawing/2010/main" w="9525">
+                  <a14:hiddenLine xmlns:a14="http://schemas.microsoft.com/office/drawing/2010/main" xmlns="" w="9525">
                     <a:solidFill>
                       <a:srgbClr val="000000"/>
                     </a:solidFill>
@@ -10966,7 +11011,7 @@
               </a:ln>
               <a:extLst>
                 <a:ext uri="{91240B29-F687-4f45-9708-019B960494DF}">
-                  <a14:hiddenLine xmlns="" xmlns:a14="http://schemas.microsoft.com/office/drawing/2010/main" w="9525">
+                  <a14:hiddenLine xmlns:a14="http://schemas.microsoft.com/office/drawing/2010/main" xmlns="" w="9525">
                     <a:solidFill>
                       <a:srgbClr val="000000"/>
                     </a:solidFill>
@@ -11056,7 +11101,7 @@
               </a:ln>
               <a:extLst>
                 <a:ext uri="{91240B29-F687-4f45-9708-019B960494DF}">
-                  <a14:hiddenLine xmlns="" xmlns:a14="http://schemas.microsoft.com/office/drawing/2010/main" w="9525">
+                  <a14:hiddenLine xmlns:a14="http://schemas.microsoft.com/office/drawing/2010/main" xmlns="" w="9525">
                     <a:solidFill>
                       <a:srgbClr val="000000"/>
                     </a:solidFill>
@@ -11146,7 +11191,7 @@
               </a:ln>
               <a:extLst>
                 <a:ext uri="{91240B29-F687-4f45-9708-019B960494DF}">
-                  <a14:hiddenLine xmlns="" xmlns:a14="http://schemas.microsoft.com/office/drawing/2010/main" w="9525">
+                  <a14:hiddenLine xmlns:a14="http://schemas.microsoft.com/office/drawing/2010/main" xmlns="" w="9525">
                     <a:solidFill>
                       <a:srgbClr val="000000"/>
                     </a:solidFill>
@@ -11211,7 +11256,7 @@
               </a:ln>
               <a:extLst>
                 <a:ext uri="{91240B29-F687-4f45-9708-019B960494DF}">
-                  <a14:hiddenLine xmlns="" xmlns:a14="http://schemas.microsoft.com/office/drawing/2010/main" w="9525">
+                  <a14:hiddenLine xmlns:a14="http://schemas.microsoft.com/office/drawing/2010/main" xmlns="" w="9525">
                     <a:solidFill>
                       <a:srgbClr val="000000"/>
                     </a:solidFill>
@@ -11331,7 +11376,7 @@
               </a:ln>
               <a:extLst>
                 <a:ext uri="{91240B29-F687-4f45-9708-019B960494DF}">
-                  <a14:hiddenLine xmlns="" xmlns:a14="http://schemas.microsoft.com/office/drawing/2010/main" w="9525">
+                  <a14:hiddenLine xmlns:a14="http://schemas.microsoft.com/office/drawing/2010/main" xmlns="" w="9525">
                     <a:solidFill>
                       <a:srgbClr val="000000"/>
                     </a:solidFill>
@@ -11429,7 +11474,7 @@
               </a:ln>
               <a:extLst>
                 <a:ext uri="{91240B29-F687-4f45-9708-019B960494DF}">
-                  <a14:hiddenLine xmlns="" xmlns:a14="http://schemas.microsoft.com/office/drawing/2010/main" w="9525">
+                  <a14:hiddenLine xmlns:a14="http://schemas.microsoft.com/office/drawing/2010/main" xmlns="" w="9525">
                     <a:solidFill>
                       <a:srgbClr val="000000"/>
                     </a:solidFill>
@@ -11544,7 +11589,7 @@
               </a:ln>
               <a:extLst>
                 <a:ext uri="{91240B29-F687-4f45-9708-019B960494DF}">
-                  <a14:hiddenLine xmlns="" xmlns:a14="http://schemas.microsoft.com/office/drawing/2010/main" w="9525">
+                  <a14:hiddenLine xmlns:a14="http://schemas.microsoft.com/office/drawing/2010/main" xmlns="" w="9525">
                     <a:solidFill>
                       <a:srgbClr val="000000"/>
                     </a:solidFill>
@@ -11634,7 +11679,7 @@
               </a:ln>
               <a:extLst>
                 <a:ext uri="{91240B29-F687-4f45-9708-019B960494DF}">
-                  <a14:hiddenLine xmlns="" xmlns:a14="http://schemas.microsoft.com/office/drawing/2010/main" w="9525">
+                  <a14:hiddenLine xmlns:a14="http://schemas.microsoft.com/office/drawing/2010/main" xmlns="" w="9525">
                     <a:solidFill>
                       <a:srgbClr val="000000"/>
                     </a:solidFill>
@@ -11699,7 +11744,7 @@
               </a:ln>
               <a:extLst>
                 <a:ext uri="{91240B29-F687-4f45-9708-019B960494DF}">
-                  <a14:hiddenLine xmlns="" xmlns:a14="http://schemas.microsoft.com/office/drawing/2010/main" w="9525">
+                  <a14:hiddenLine xmlns:a14="http://schemas.microsoft.com/office/drawing/2010/main" xmlns="" w="9525">
                     <a:solidFill>
                       <a:srgbClr val="000000"/>
                     </a:solidFill>
@@ -11789,7 +11834,7 @@
               </a:ln>
               <a:extLst>
                 <a:ext uri="{91240B29-F687-4f45-9708-019B960494DF}">
-                  <a14:hiddenLine xmlns="" xmlns:a14="http://schemas.microsoft.com/office/drawing/2010/main" w="9525">
+                  <a14:hiddenLine xmlns:a14="http://schemas.microsoft.com/office/drawing/2010/main" xmlns="" w="9525">
                     <a:solidFill>
                       <a:srgbClr val="000000"/>
                     </a:solidFill>
@@ -11857,7 +11902,7 @@
               </a:ln>
               <a:extLst>
                 <a:ext uri="{91240B29-F687-4f45-9708-019B960494DF}">
-                  <a14:hiddenLine xmlns="" xmlns:a14="http://schemas.microsoft.com/office/drawing/2010/main" w="9525">
+                  <a14:hiddenLine xmlns:a14="http://schemas.microsoft.com/office/drawing/2010/main" xmlns="" w="9525">
                     <a:solidFill>
                       <a:srgbClr val="000000"/>
                     </a:solidFill>
@@ -11947,7 +11992,7 @@
               </a:ln>
               <a:extLst>
                 <a:ext uri="{91240B29-F687-4f45-9708-019B960494DF}">
-                  <a14:hiddenLine xmlns="" xmlns:a14="http://schemas.microsoft.com/office/drawing/2010/main" w="9525">
+                  <a14:hiddenLine xmlns:a14="http://schemas.microsoft.com/office/drawing/2010/main" xmlns="" w="9525">
                     <a:solidFill>
                       <a:srgbClr val="000000"/>
                     </a:solidFill>
@@ -12015,7 +12060,7 @@
               </a:ln>
               <a:extLst>
                 <a:ext uri="{91240B29-F687-4f45-9708-019B960494DF}">
-                  <a14:hiddenLine xmlns="" xmlns:a14="http://schemas.microsoft.com/office/drawing/2010/main" w="9525">
+                  <a14:hiddenLine xmlns:a14="http://schemas.microsoft.com/office/drawing/2010/main" xmlns="" w="9525">
                     <a:solidFill>
                       <a:srgbClr val="000000"/>
                     </a:solidFill>
@@ -12105,7 +12150,7 @@
               </a:ln>
               <a:extLst>
                 <a:ext uri="{91240B29-F687-4f45-9708-019B960494DF}">
-                  <a14:hiddenLine xmlns="" xmlns:a14="http://schemas.microsoft.com/office/drawing/2010/main" w="9525">
+                  <a14:hiddenLine xmlns:a14="http://schemas.microsoft.com/office/drawing/2010/main" xmlns="" w="9525">
                     <a:solidFill>
                       <a:srgbClr val="000000"/>
                     </a:solidFill>
@@ -12139,7 +12184,7 @@
               </a:ln>
               <a:extLst>
                 <a:ext uri="{91240B29-F687-4f45-9708-019B960494DF}">
-                  <a14:hiddenLine xmlns="" xmlns:a14="http://schemas.microsoft.com/office/drawing/2010/main" w="9525">
+                  <a14:hiddenLine xmlns:a14="http://schemas.microsoft.com/office/drawing/2010/main" xmlns="" w="9525">
                     <a:solidFill>
                       <a:srgbClr val="000000"/>
                     </a:solidFill>
@@ -12280,7 +12325,7 @@
             <a:fld id="{48A87A34-81AB-432B-8DAE-1953F412C126}" type="datetimeFigureOut">
               <a:rPr lang="en-US" dirty="0"/>
               <a:pPr/>
-              <a:t>10/28/2018</a:t>
+              <a:t>11/2/2018</a:t>
             </a:fld>
             <a:endParaRPr lang="en-US" dirty="0"/>
           </a:p>
@@ -12777,6 +12822,4936 @@
     <p:extLst>
       <p:ext uri="{BB962C8B-B14F-4D97-AF65-F5344CB8AC3E}">
         <p14:creationId xmlns:p14="http://schemas.microsoft.com/office/powerpoint/2010/main" val="61950215"/>
+      </p:ext>
+    </p:extLst>
+  </p:cSld>
+  <p:clrMapOvr>
+    <a:masterClrMapping/>
+  </p:clrMapOvr>
+</p:sld>
+</file>
+
+<file path=ppt/slides/slide10.xml><?xml version="1.0" encoding="utf-8"?>
+<p:sld xmlns:a="http://schemas.openxmlformats.org/drawingml/2006/main" xmlns:r="http://schemas.openxmlformats.org/officeDocument/2006/relationships" xmlns:p="http://schemas.openxmlformats.org/presentationml/2006/main">
+  <p:cSld>
+    <p:spTree>
+      <p:nvGrpSpPr>
+        <p:cNvPr id="1" name=""/>
+        <p:cNvGrpSpPr/>
+        <p:nvPr/>
+      </p:nvGrpSpPr>
+      <p:grpSpPr>
+        <a:xfrm>
+          <a:off x="0" y="0"/>
+          <a:ext cx="0" cy="0"/>
+          <a:chOff x="0" y="0"/>
+          <a:chExt cx="0" cy="0"/>
+        </a:xfrm>
+      </p:grpSpPr>
+      <p:sp>
+        <p:nvSpPr>
+          <p:cNvPr id="2" name="Title 1">
+            <a:extLst>
+              <a:ext uri="{FF2B5EF4-FFF2-40B4-BE49-F238E27FC236}">
+                <a16:creationId xmlns:a16="http://schemas.microsoft.com/office/drawing/2014/main" id="{870DCF92-EF91-4B14-813B-AB01571E4752}"/>
+              </a:ext>
+            </a:extLst>
+          </p:cNvPr>
+          <p:cNvSpPr>
+            <a:spLocks noGrp="1"/>
+          </p:cNvSpPr>
+          <p:nvPr>
+            <p:ph type="title"/>
+          </p:nvPr>
+        </p:nvSpPr>
+        <p:spPr/>
+        <p:txBody>
+          <a:bodyPr/>
+          <a:lstStyle/>
+          <a:p>
+            <a:r>
+              <a:rPr lang="en-US" dirty="0"/>
+              <a:t>Entity Framework Core Migrations</a:t>
+            </a:r>
+            <a:endParaRPr lang="en-CA" dirty="0"/>
+          </a:p>
+        </p:txBody>
+      </p:sp>
+      <p:sp>
+        <p:nvSpPr>
+          <p:cNvPr id="5" name="Content Placeholder 4">
+            <a:extLst>
+              <a:ext uri="{FF2B5EF4-FFF2-40B4-BE49-F238E27FC236}">
+                <a16:creationId xmlns:a16="http://schemas.microsoft.com/office/drawing/2014/main" id="{06835CDE-BBDC-4CEF-826D-E92CAF523147}"/>
+              </a:ext>
+            </a:extLst>
+          </p:cNvPr>
+          <p:cNvSpPr>
+            <a:spLocks noGrp="1"/>
+          </p:cNvSpPr>
+          <p:nvPr>
+            <p:ph idx="1"/>
+          </p:nvPr>
+        </p:nvSpPr>
+        <p:spPr/>
+        <p:txBody>
+          <a:bodyPr/>
+          <a:lstStyle/>
+          <a:p>
+            <a:r>
+              <a:rPr lang="en-US" dirty="0"/>
+              <a:t>A data model changes during development and gets out of sync with the database. </a:t>
+            </a:r>
+          </a:p>
+          <a:p>
+            <a:r>
+              <a:rPr lang="en-US" dirty="0"/>
+              <a:t>The migrations feature in EF Core provides a way to incrementally update the database schema to keep it in sync with the application’s data model while preserving existing data in the database</a:t>
+            </a:r>
+            <a:endParaRPr lang="en-CA" dirty="0"/>
+          </a:p>
+        </p:txBody>
+      </p:sp>
+    </p:spTree>
+    <p:extLst>
+      <p:ext uri="{BB962C8B-B14F-4D97-AF65-F5344CB8AC3E}">
+        <p14:creationId xmlns:p14="http://schemas.microsoft.com/office/powerpoint/2010/main" val="714974200"/>
+      </p:ext>
+    </p:extLst>
+  </p:cSld>
+  <p:clrMapOvr>
+    <a:masterClrMapping/>
+  </p:clrMapOvr>
+</p:sld>
+</file>
+
+<file path=ppt/slides/slide11.xml><?xml version="1.0" encoding="utf-8"?>
+<p:sld xmlns:a="http://schemas.openxmlformats.org/drawingml/2006/main" xmlns:r="http://schemas.openxmlformats.org/officeDocument/2006/relationships" xmlns:p="http://schemas.openxmlformats.org/presentationml/2006/main">
+  <p:cSld>
+    <p:spTree>
+      <p:nvGrpSpPr>
+        <p:cNvPr id="1" name=""/>
+        <p:cNvGrpSpPr/>
+        <p:nvPr/>
+      </p:nvGrpSpPr>
+      <p:grpSpPr>
+        <a:xfrm>
+          <a:off x="0" y="0"/>
+          <a:ext cx="0" cy="0"/>
+          <a:chOff x="0" y="0"/>
+          <a:chExt cx="0" cy="0"/>
+        </a:xfrm>
+      </p:grpSpPr>
+      <p:sp>
+        <p:nvSpPr>
+          <p:cNvPr id="2" name="Title 1">
+            <a:extLst>
+              <a:ext uri="{FF2B5EF4-FFF2-40B4-BE49-F238E27FC236}">
+                <a16:creationId xmlns:a16="http://schemas.microsoft.com/office/drawing/2014/main" id="{870DCF92-EF91-4B14-813B-AB01571E4752}"/>
+              </a:ext>
+            </a:extLst>
+          </p:cNvPr>
+          <p:cNvSpPr>
+            <a:spLocks noGrp="1"/>
+          </p:cNvSpPr>
+          <p:nvPr>
+            <p:ph type="title"/>
+          </p:nvPr>
+        </p:nvSpPr>
+        <p:spPr/>
+        <p:txBody>
+          <a:bodyPr/>
+          <a:lstStyle/>
+          <a:p>
+            <a:r>
+              <a:rPr lang="en-US" dirty="0"/>
+              <a:t>Entity Framework Core Migrations</a:t>
+            </a:r>
+            <a:endParaRPr lang="en-CA" dirty="0"/>
+          </a:p>
+        </p:txBody>
+      </p:sp>
+      <p:sp>
+        <p:nvSpPr>
+          <p:cNvPr id="5" name="Content Placeholder 4">
+            <a:extLst>
+              <a:ext uri="{FF2B5EF4-FFF2-40B4-BE49-F238E27FC236}">
+                <a16:creationId xmlns:a16="http://schemas.microsoft.com/office/drawing/2014/main" id="{06835CDE-BBDC-4CEF-826D-E92CAF523147}"/>
+              </a:ext>
+            </a:extLst>
+          </p:cNvPr>
+          <p:cNvSpPr>
+            <a:spLocks noGrp="1"/>
+          </p:cNvSpPr>
+          <p:nvPr>
+            <p:ph idx="1"/>
+          </p:nvPr>
+        </p:nvSpPr>
+        <p:spPr/>
+        <p:txBody>
+          <a:bodyPr/>
+          <a:lstStyle/>
+          <a:p>
+            <a:r>
+              <a:rPr lang="en-US" dirty="0"/>
+              <a:t>Migrations includes CLI tools and APIs to do the following tasks:</a:t>
+            </a:r>
+          </a:p>
+          <a:p>
+            <a:pPr lvl="1"/>
+            <a:r>
+              <a:rPr lang="en-US" dirty="0"/>
+              <a:t>Create migration</a:t>
+            </a:r>
+          </a:p>
+          <a:p>
+            <a:pPr lvl="1"/>
+            <a:r>
+              <a:rPr lang="en-US" dirty="0"/>
+              <a:t>Update the database</a:t>
+            </a:r>
+          </a:p>
+          <a:p>
+            <a:pPr lvl="1"/>
+            <a:r>
+              <a:rPr lang="en-US" dirty="0"/>
+              <a:t>Customize migration code</a:t>
+            </a:r>
+          </a:p>
+          <a:p>
+            <a:pPr lvl="1"/>
+            <a:r>
+              <a:rPr lang="en-US" dirty="0"/>
+              <a:t>Remove a migration</a:t>
+            </a:r>
+          </a:p>
+          <a:p>
+            <a:pPr lvl="1"/>
+            <a:r>
+              <a:rPr lang="en-US" dirty="0"/>
+              <a:t>Revert a migration</a:t>
+            </a:r>
+          </a:p>
+          <a:p>
+            <a:pPr lvl="1"/>
+            <a:r>
+              <a:rPr lang="en-US" dirty="0"/>
+              <a:t>Generate SQL scripts</a:t>
+            </a:r>
+          </a:p>
+        </p:txBody>
+      </p:sp>
+    </p:spTree>
+    <p:extLst>
+      <p:ext uri="{BB962C8B-B14F-4D97-AF65-F5344CB8AC3E}">
+        <p14:creationId xmlns:p14="http://schemas.microsoft.com/office/powerpoint/2010/main" val="2007510887"/>
+      </p:ext>
+    </p:extLst>
+  </p:cSld>
+  <p:clrMapOvr>
+    <a:masterClrMapping/>
+  </p:clrMapOvr>
+</p:sld>
+</file>
+
+<file path=ppt/slides/slide12.xml><?xml version="1.0" encoding="utf-8"?>
+<p:sld xmlns:a="http://schemas.openxmlformats.org/drawingml/2006/main" xmlns:r="http://schemas.openxmlformats.org/officeDocument/2006/relationships" xmlns:p="http://schemas.openxmlformats.org/presentationml/2006/main">
+  <p:cSld>
+    <p:spTree>
+      <p:nvGrpSpPr>
+        <p:cNvPr id="1" name=""/>
+        <p:cNvGrpSpPr/>
+        <p:nvPr/>
+      </p:nvGrpSpPr>
+      <p:grpSpPr>
+        <a:xfrm>
+          <a:off x="0" y="0"/>
+          <a:ext cx="0" cy="0"/>
+          <a:chOff x="0" y="0"/>
+          <a:chExt cx="0" cy="0"/>
+        </a:xfrm>
+      </p:grpSpPr>
+      <p:sp>
+        <p:nvSpPr>
+          <p:cNvPr id="2" name="Title 1">
+            <a:extLst>
+              <a:ext uri="{FF2B5EF4-FFF2-40B4-BE49-F238E27FC236}">
+                <a16:creationId xmlns:a16="http://schemas.microsoft.com/office/drawing/2014/main" id="{870DCF92-EF91-4B14-813B-AB01571E4752}"/>
+              </a:ext>
+            </a:extLst>
+          </p:cNvPr>
+          <p:cNvSpPr>
+            <a:spLocks noGrp="1"/>
+          </p:cNvSpPr>
+          <p:nvPr>
+            <p:ph type="title"/>
+          </p:nvPr>
+        </p:nvSpPr>
+        <p:spPr/>
+        <p:txBody>
+          <a:bodyPr/>
+          <a:lstStyle/>
+          <a:p>
+            <a:r>
+              <a:rPr lang="en-US" dirty="0"/>
+              <a:t>Entity Framework Core Migrations</a:t>
+            </a:r>
+            <a:endParaRPr lang="en-CA" dirty="0"/>
+          </a:p>
+        </p:txBody>
+      </p:sp>
+      <p:sp>
+        <p:nvSpPr>
+          <p:cNvPr id="5" name="Content Placeholder 4">
+            <a:extLst>
+              <a:ext uri="{FF2B5EF4-FFF2-40B4-BE49-F238E27FC236}">
+                <a16:creationId xmlns:a16="http://schemas.microsoft.com/office/drawing/2014/main" id="{06835CDE-BBDC-4CEF-826D-E92CAF523147}"/>
+              </a:ext>
+            </a:extLst>
+          </p:cNvPr>
+          <p:cNvSpPr>
+            <a:spLocks noGrp="1"/>
+          </p:cNvSpPr>
+          <p:nvPr>
+            <p:ph sz="half" idx="1"/>
+          </p:nvPr>
+        </p:nvSpPr>
+        <p:spPr/>
+        <p:txBody>
+          <a:bodyPr>
+            <a:normAutofit fontScale="77500" lnSpcReduction="20000"/>
+          </a:bodyPr>
+          <a:lstStyle/>
+          <a:p>
+            <a:r>
+              <a:rPr lang="en-US" dirty="0"/>
+              <a:t>Create migration</a:t>
+            </a:r>
+          </a:p>
+          <a:p>
+            <a:pPr lvl="1"/>
+            <a:r>
+              <a:rPr lang="en-US" dirty="0"/>
+              <a:t>Add-Migration </a:t>
+            </a:r>
+            <a:r>
+              <a:rPr lang="en-US" dirty="0" err="1"/>
+              <a:t>InitialCreate</a:t>
+            </a:r>
+            <a:r>
+              <a:rPr lang="en-US" dirty="0"/>
+              <a:t> (PMC)</a:t>
+            </a:r>
+          </a:p>
+          <a:p>
+            <a:pPr lvl="1"/>
+            <a:r>
+              <a:rPr lang="en-US" dirty="0"/>
+              <a:t>Dotnet </a:t>
+            </a:r>
+            <a:r>
+              <a:rPr lang="en-US" dirty="0" err="1"/>
+              <a:t>ef</a:t>
+            </a:r>
+            <a:r>
+              <a:rPr lang="en-US" dirty="0"/>
+              <a:t> migrations add </a:t>
+            </a:r>
+            <a:r>
+              <a:rPr lang="en-US" dirty="0" err="1"/>
+              <a:t>InitialCreate</a:t>
+            </a:r>
+            <a:r>
+              <a:rPr lang="en-US" dirty="0"/>
+              <a:t> (Console)</a:t>
+            </a:r>
+          </a:p>
+          <a:p>
+            <a:r>
+              <a:rPr lang="en-US" dirty="0"/>
+              <a:t>Update the database</a:t>
+            </a:r>
+          </a:p>
+          <a:p>
+            <a:pPr lvl="1"/>
+            <a:r>
+              <a:rPr lang="en-US" dirty="0"/>
+              <a:t>Update-database (PMC)</a:t>
+            </a:r>
+          </a:p>
+          <a:p>
+            <a:pPr lvl="1"/>
+            <a:r>
+              <a:rPr lang="en-US" dirty="0"/>
+              <a:t>Dotnet </a:t>
+            </a:r>
+            <a:r>
+              <a:rPr lang="en-US" dirty="0" err="1"/>
+              <a:t>ef</a:t>
+            </a:r>
+            <a:r>
+              <a:rPr lang="en-US" dirty="0"/>
+              <a:t> database update (Console)</a:t>
+            </a:r>
+          </a:p>
+          <a:p>
+            <a:r>
+              <a:rPr lang="en-US" dirty="0"/>
+              <a:t>Customize migration code</a:t>
+            </a:r>
+          </a:p>
+          <a:p>
+            <a:pPr lvl="1"/>
+            <a:r>
+              <a:rPr lang="en-US" dirty="0"/>
+              <a:t>Add-Migration </a:t>
+            </a:r>
+            <a:r>
+              <a:rPr lang="en-US" dirty="0" err="1"/>
+              <a:t>AddProductReview</a:t>
+            </a:r>
+            <a:r>
+              <a:rPr lang="en-US" dirty="0"/>
+              <a:t> (PMC)</a:t>
+            </a:r>
+          </a:p>
+          <a:p>
+            <a:pPr lvl="1"/>
+            <a:r>
+              <a:rPr lang="en-US" dirty="0"/>
+              <a:t>Dotnet </a:t>
+            </a:r>
+            <a:r>
+              <a:rPr lang="en-US" dirty="0" err="1"/>
+              <a:t>ef</a:t>
+            </a:r>
+            <a:r>
+              <a:rPr lang="en-US" dirty="0"/>
+              <a:t> migration add </a:t>
+            </a:r>
+            <a:r>
+              <a:rPr lang="en-US" dirty="0" err="1"/>
+              <a:t>AddProductReview</a:t>
+            </a:r>
+            <a:r>
+              <a:rPr lang="en-US" dirty="0"/>
+              <a:t> (Console)</a:t>
+            </a:r>
+          </a:p>
+        </p:txBody>
+      </p:sp>
+      <p:sp>
+        <p:nvSpPr>
+          <p:cNvPr id="3" name="Content Placeholder 2">
+            <a:extLst>
+              <a:ext uri="{FF2B5EF4-FFF2-40B4-BE49-F238E27FC236}">
+                <a16:creationId xmlns:a16="http://schemas.microsoft.com/office/drawing/2014/main" id="{287AF72F-EB7D-4A25-A078-DFF176908C45}"/>
+              </a:ext>
+            </a:extLst>
+          </p:cNvPr>
+          <p:cNvSpPr>
+            <a:spLocks noGrp="1"/>
+          </p:cNvSpPr>
+          <p:nvPr>
+            <p:ph sz="half" idx="2"/>
+          </p:nvPr>
+        </p:nvSpPr>
+        <p:spPr/>
+        <p:txBody>
+          <a:bodyPr>
+            <a:normAutofit fontScale="77500" lnSpcReduction="20000"/>
+          </a:bodyPr>
+          <a:lstStyle/>
+          <a:p>
+            <a:r>
+              <a:rPr lang="en-US" dirty="0"/>
+              <a:t>Remove a migration</a:t>
+            </a:r>
+          </a:p>
+          <a:p>
+            <a:pPr lvl="1"/>
+            <a:r>
+              <a:rPr lang="en-US" dirty="0"/>
+              <a:t>Remove-migration (PMC)</a:t>
+            </a:r>
+          </a:p>
+          <a:p>
+            <a:pPr lvl="1"/>
+            <a:r>
+              <a:rPr lang="en-US" dirty="0"/>
+              <a:t>Dotnet </a:t>
+            </a:r>
+            <a:r>
+              <a:rPr lang="en-US" dirty="0" err="1"/>
+              <a:t>ef</a:t>
+            </a:r>
+            <a:r>
+              <a:rPr lang="en-US" dirty="0"/>
+              <a:t> migration remove (console)</a:t>
+            </a:r>
+          </a:p>
+          <a:p>
+            <a:r>
+              <a:rPr lang="en-US" dirty="0"/>
+              <a:t>Revert a migration</a:t>
+            </a:r>
+          </a:p>
+          <a:p>
+            <a:pPr lvl="1"/>
+            <a:r>
+              <a:rPr lang="en-US" dirty="0"/>
+              <a:t>Update-database </a:t>
+            </a:r>
+            <a:r>
+              <a:rPr lang="en-US" dirty="0" err="1"/>
+              <a:t>lastgoodmigration</a:t>
+            </a:r>
+            <a:r>
+              <a:rPr lang="en-US" dirty="0"/>
+              <a:t> (PMC)</a:t>
+            </a:r>
+          </a:p>
+          <a:p>
+            <a:pPr lvl="1"/>
+            <a:r>
+              <a:rPr lang="en-US" dirty="0"/>
+              <a:t>Dotnet </a:t>
+            </a:r>
+            <a:r>
+              <a:rPr lang="en-US" dirty="0" err="1"/>
+              <a:t>ef</a:t>
+            </a:r>
+            <a:r>
+              <a:rPr lang="en-US" dirty="0"/>
+              <a:t> database update </a:t>
+            </a:r>
+            <a:r>
+              <a:rPr lang="en-US" dirty="0" err="1"/>
+              <a:t>lastgoodmigration</a:t>
+            </a:r>
+            <a:r>
+              <a:rPr lang="en-US" dirty="0"/>
+              <a:t> (console)</a:t>
+            </a:r>
+          </a:p>
+          <a:p>
+            <a:r>
+              <a:rPr lang="en-US" dirty="0"/>
+              <a:t>Generate SQL scripts</a:t>
+            </a:r>
+          </a:p>
+          <a:p>
+            <a:pPr lvl="1"/>
+            <a:r>
+              <a:rPr lang="en-US" dirty="0"/>
+              <a:t>Script-migration (PMC)</a:t>
+            </a:r>
+          </a:p>
+          <a:p>
+            <a:pPr lvl="1"/>
+            <a:r>
+              <a:rPr lang="en-US" dirty="0"/>
+              <a:t>Dotnet </a:t>
+            </a:r>
+            <a:r>
+              <a:rPr lang="en-US" dirty="0" err="1"/>
+              <a:t>ef</a:t>
+            </a:r>
+            <a:r>
+              <a:rPr lang="en-US" dirty="0"/>
+              <a:t> migrations script (console)</a:t>
+            </a:r>
+            <a:endParaRPr lang="en-CA" dirty="0"/>
+          </a:p>
+        </p:txBody>
+      </p:sp>
+    </p:spTree>
+    <p:extLst>
+      <p:ext uri="{BB962C8B-B14F-4D97-AF65-F5344CB8AC3E}">
+        <p14:creationId xmlns:p14="http://schemas.microsoft.com/office/powerpoint/2010/main" val="3013791072"/>
+      </p:ext>
+    </p:extLst>
+  </p:cSld>
+  <p:clrMapOvr>
+    <a:masterClrMapping/>
+  </p:clrMapOvr>
+</p:sld>
+</file>
+
+<file path=ppt/slides/slide13.xml><?xml version="1.0" encoding="utf-8"?>
+<p:sld xmlns:a="http://schemas.openxmlformats.org/drawingml/2006/main" xmlns:r="http://schemas.openxmlformats.org/officeDocument/2006/relationships" xmlns:p="http://schemas.openxmlformats.org/presentationml/2006/main">
+  <p:cSld>
+    <p:spTree>
+      <p:nvGrpSpPr>
+        <p:cNvPr id="1" name=""/>
+        <p:cNvGrpSpPr/>
+        <p:nvPr/>
+      </p:nvGrpSpPr>
+      <p:grpSpPr>
+        <a:xfrm>
+          <a:off x="0" y="0"/>
+          <a:ext cx="0" cy="0"/>
+          <a:chOff x="0" y="0"/>
+          <a:chExt cx="0" cy="0"/>
+        </a:xfrm>
+      </p:grpSpPr>
+      <p:sp>
+        <p:nvSpPr>
+          <p:cNvPr id="2" name="Title 1">
+            <a:extLst>
+              <a:ext uri="{FF2B5EF4-FFF2-40B4-BE49-F238E27FC236}">
+                <a16:creationId xmlns:a16="http://schemas.microsoft.com/office/drawing/2014/main" id="{870DCF92-EF91-4B14-813B-AB01571E4752}"/>
+              </a:ext>
+            </a:extLst>
+          </p:cNvPr>
+          <p:cNvSpPr>
+            <a:spLocks noGrp="1"/>
+          </p:cNvSpPr>
+          <p:nvPr>
+            <p:ph type="title"/>
+          </p:nvPr>
+        </p:nvSpPr>
+        <p:spPr/>
+        <p:txBody>
+          <a:bodyPr/>
+          <a:lstStyle/>
+          <a:p>
+            <a:r>
+              <a:rPr lang="en-US" dirty="0"/>
+              <a:t>Creating Database</a:t>
+            </a:r>
+            <a:endParaRPr lang="en-CA" dirty="0"/>
+          </a:p>
+        </p:txBody>
+      </p:sp>
+      <p:sp>
+        <p:nvSpPr>
+          <p:cNvPr id="5" name="Content Placeholder 4">
+            <a:extLst>
+              <a:ext uri="{FF2B5EF4-FFF2-40B4-BE49-F238E27FC236}">
+                <a16:creationId xmlns:a16="http://schemas.microsoft.com/office/drawing/2014/main" id="{06835CDE-BBDC-4CEF-826D-E92CAF523147}"/>
+              </a:ext>
+            </a:extLst>
+          </p:cNvPr>
+          <p:cNvSpPr>
+            <a:spLocks noGrp="1"/>
+          </p:cNvSpPr>
+          <p:nvPr>
+            <p:ph idx="1"/>
+          </p:nvPr>
+        </p:nvSpPr>
+        <p:spPr/>
+        <p:txBody>
+          <a:bodyPr>
+            <a:normAutofit/>
+          </a:bodyPr>
+          <a:lstStyle/>
+          <a:p>
+            <a:r>
+              <a:rPr lang="en-US" dirty="0"/>
+              <a:t>Before running the application, apply migrations to the application</a:t>
+            </a:r>
+          </a:p>
+          <a:p>
+            <a:r>
+              <a:rPr lang="en-US" dirty="0"/>
+              <a:t>At the beginning, update the database using the Entity Framework Core Migration by using </a:t>
+            </a:r>
+            <a:r>
+              <a:rPr lang="en-US" b="1" i="1" dirty="0"/>
+              <a:t>Update-Database</a:t>
+            </a:r>
+            <a:r>
+              <a:rPr lang="en-US" i="1" dirty="0"/>
+              <a:t> </a:t>
+            </a:r>
+            <a:r>
+              <a:rPr lang="en-US" dirty="0"/>
+              <a:t>command</a:t>
+            </a:r>
+          </a:p>
+        </p:txBody>
+      </p:sp>
+    </p:spTree>
+    <p:extLst>
+      <p:ext uri="{BB962C8B-B14F-4D97-AF65-F5344CB8AC3E}">
+        <p14:creationId xmlns:p14="http://schemas.microsoft.com/office/powerpoint/2010/main" val="4109617209"/>
+      </p:ext>
+    </p:extLst>
+  </p:cSld>
+  <p:clrMapOvr>
+    <a:masterClrMapping/>
+  </p:clrMapOvr>
+</p:sld>
+</file>
+
+<file path=ppt/slides/slide14.xml><?xml version="1.0" encoding="utf-8"?>
+<p:sld xmlns:a="http://schemas.openxmlformats.org/drawingml/2006/main" xmlns:r="http://schemas.openxmlformats.org/officeDocument/2006/relationships" xmlns:p="http://schemas.openxmlformats.org/presentationml/2006/main">
+  <p:cSld>
+    <p:spTree>
+      <p:nvGrpSpPr>
+        <p:cNvPr id="1" name=""/>
+        <p:cNvGrpSpPr/>
+        <p:nvPr/>
+      </p:nvGrpSpPr>
+      <p:grpSpPr>
+        <a:xfrm>
+          <a:off x="0" y="0"/>
+          <a:ext cx="0" cy="0"/>
+          <a:chOff x="0" y="0"/>
+          <a:chExt cx="0" cy="0"/>
+        </a:xfrm>
+      </p:grpSpPr>
+      <p:sp>
+        <p:nvSpPr>
+          <p:cNvPr id="2" name="Title 1">
+            <a:extLst>
+              <a:ext uri="{FF2B5EF4-FFF2-40B4-BE49-F238E27FC236}">
+                <a16:creationId xmlns:a16="http://schemas.microsoft.com/office/drawing/2014/main" id="{870DCF92-EF91-4B14-813B-AB01571E4752}"/>
+              </a:ext>
+            </a:extLst>
+          </p:cNvPr>
+          <p:cNvSpPr>
+            <a:spLocks noGrp="1"/>
+          </p:cNvSpPr>
+          <p:nvPr>
+            <p:ph type="title"/>
+          </p:nvPr>
+        </p:nvSpPr>
+        <p:spPr/>
+        <p:txBody>
+          <a:bodyPr/>
+          <a:lstStyle/>
+          <a:p>
+            <a:r>
+              <a:rPr lang="en-US" dirty="0"/>
+              <a:t>Creating Database – Opening PMC</a:t>
+            </a:r>
+            <a:endParaRPr lang="en-CA" dirty="0"/>
+          </a:p>
+        </p:txBody>
+      </p:sp>
+      <p:pic>
+        <p:nvPicPr>
+          <p:cNvPr id="3" name="Content Placeholder 2">
+            <a:extLst>
+              <a:ext uri="{FF2B5EF4-FFF2-40B4-BE49-F238E27FC236}">
+                <a16:creationId xmlns:a16="http://schemas.microsoft.com/office/drawing/2014/main" id="{621A78BF-76CE-4070-B76E-DB69CFDF8B9D}"/>
+              </a:ext>
+            </a:extLst>
+          </p:cNvPr>
+          <p:cNvPicPr>
+            <a:picLocks noGrp="1" noChangeAspect="1"/>
+          </p:cNvPicPr>
+          <p:nvPr>
+            <p:ph idx="1"/>
+          </p:nvPr>
+        </p:nvPicPr>
+        <p:blipFill>
+          <a:blip r:embed="rId2"/>
+          <a:stretch>
+            <a:fillRect/>
+          </a:stretch>
+        </p:blipFill>
+        <p:spPr>
+          <a:xfrm>
+            <a:off x="1568194" y="1562894"/>
+            <a:ext cx="9052435" cy="4990306"/>
+          </a:xfrm>
+          <a:prstGeom prst="rect">
+            <a:avLst/>
+          </a:prstGeom>
+        </p:spPr>
+      </p:pic>
+    </p:spTree>
+    <p:extLst>
+      <p:ext uri="{BB962C8B-B14F-4D97-AF65-F5344CB8AC3E}">
+        <p14:creationId xmlns:p14="http://schemas.microsoft.com/office/powerpoint/2010/main" val="656874447"/>
+      </p:ext>
+    </p:extLst>
+  </p:cSld>
+  <p:clrMapOvr>
+    <a:masterClrMapping/>
+  </p:clrMapOvr>
+</p:sld>
+</file>
+
+<file path=ppt/slides/slide15.xml><?xml version="1.0" encoding="utf-8"?>
+<p:sld xmlns:a="http://schemas.openxmlformats.org/drawingml/2006/main" xmlns:r="http://schemas.openxmlformats.org/officeDocument/2006/relationships" xmlns:p="http://schemas.openxmlformats.org/presentationml/2006/main">
+  <p:cSld>
+    <p:spTree>
+      <p:nvGrpSpPr>
+        <p:cNvPr id="1" name=""/>
+        <p:cNvGrpSpPr/>
+        <p:nvPr/>
+      </p:nvGrpSpPr>
+      <p:grpSpPr>
+        <a:xfrm>
+          <a:off x="0" y="0"/>
+          <a:ext cx="0" cy="0"/>
+          <a:chOff x="0" y="0"/>
+          <a:chExt cx="0" cy="0"/>
+        </a:xfrm>
+      </p:grpSpPr>
+      <p:sp>
+        <p:nvSpPr>
+          <p:cNvPr id="2" name="Title 1">
+            <a:extLst>
+              <a:ext uri="{FF2B5EF4-FFF2-40B4-BE49-F238E27FC236}">
+                <a16:creationId xmlns:a16="http://schemas.microsoft.com/office/drawing/2014/main" id="{870DCF92-EF91-4B14-813B-AB01571E4752}"/>
+              </a:ext>
+            </a:extLst>
+          </p:cNvPr>
+          <p:cNvSpPr>
+            <a:spLocks noGrp="1"/>
+          </p:cNvSpPr>
+          <p:nvPr>
+            <p:ph type="title"/>
+          </p:nvPr>
+        </p:nvSpPr>
+        <p:spPr/>
+        <p:txBody>
+          <a:bodyPr/>
+          <a:lstStyle/>
+          <a:p>
+            <a:r>
+              <a:rPr lang="en-US" dirty="0"/>
+              <a:t>Creating Database – Updating Database</a:t>
+            </a:r>
+            <a:endParaRPr lang="en-CA" dirty="0"/>
+          </a:p>
+        </p:txBody>
+      </p:sp>
+      <p:pic>
+        <p:nvPicPr>
+          <p:cNvPr id="3" name="Content Placeholder 2">
+            <a:extLst>
+              <a:ext uri="{FF2B5EF4-FFF2-40B4-BE49-F238E27FC236}">
+                <a16:creationId xmlns:a16="http://schemas.microsoft.com/office/drawing/2014/main" id="{621A78BF-76CE-4070-B76E-DB69CFDF8B9D}"/>
+              </a:ext>
+            </a:extLst>
+          </p:cNvPr>
+          <p:cNvPicPr>
+            <a:picLocks noGrp="1" noChangeAspect="1"/>
+          </p:cNvPicPr>
+          <p:nvPr>
+            <p:ph idx="1"/>
+          </p:nvPr>
+        </p:nvPicPr>
+        <p:blipFill>
+          <a:blip r:embed="rId2"/>
+          <a:stretch>
+            <a:fillRect/>
+          </a:stretch>
+        </p:blipFill>
+        <p:spPr>
+          <a:xfrm>
+            <a:off x="1568194" y="1562894"/>
+            <a:ext cx="9052435" cy="4990305"/>
+          </a:xfrm>
+          <a:prstGeom prst="rect">
+            <a:avLst/>
+          </a:prstGeom>
+        </p:spPr>
+      </p:pic>
+    </p:spTree>
+    <p:extLst>
+      <p:ext uri="{BB962C8B-B14F-4D97-AF65-F5344CB8AC3E}">
+        <p14:creationId xmlns:p14="http://schemas.microsoft.com/office/powerpoint/2010/main" val="2073077596"/>
+      </p:ext>
+    </p:extLst>
+  </p:cSld>
+  <p:clrMapOvr>
+    <a:masterClrMapping/>
+  </p:clrMapOvr>
+</p:sld>
+</file>
+
+<file path=ppt/slides/slide16.xml><?xml version="1.0" encoding="utf-8"?>
+<p:sld xmlns:a="http://schemas.openxmlformats.org/drawingml/2006/main" xmlns:r="http://schemas.openxmlformats.org/officeDocument/2006/relationships" xmlns:p="http://schemas.openxmlformats.org/presentationml/2006/main">
+  <p:cSld>
+    <p:spTree>
+      <p:nvGrpSpPr>
+        <p:cNvPr id="1" name=""/>
+        <p:cNvGrpSpPr/>
+        <p:nvPr/>
+      </p:nvGrpSpPr>
+      <p:grpSpPr>
+        <a:xfrm>
+          <a:off x="0" y="0"/>
+          <a:ext cx="0" cy="0"/>
+          <a:chOff x="0" y="0"/>
+          <a:chExt cx="0" cy="0"/>
+        </a:xfrm>
+      </p:grpSpPr>
+      <p:sp>
+        <p:nvSpPr>
+          <p:cNvPr id="2" name="Title 1">
+            <a:extLst>
+              <a:ext uri="{FF2B5EF4-FFF2-40B4-BE49-F238E27FC236}">
+                <a16:creationId xmlns:a16="http://schemas.microsoft.com/office/drawing/2014/main" id="{870DCF92-EF91-4B14-813B-AB01571E4752}"/>
+              </a:ext>
+            </a:extLst>
+          </p:cNvPr>
+          <p:cNvSpPr>
+            <a:spLocks noGrp="1"/>
+          </p:cNvSpPr>
+          <p:nvPr>
+            <p:ph type="title"/>
+          </p:nvPr>
+        </p:nvSpPr>
+        <p:spPr/>
+        <p:txBody>
+          <a:bodyPr/>
+          <a:lstStyle/>
+          <a:p>
+            <a:r>
+              <a:rPr lang="en-US" dirty="0"/>
+              <a:t>Creating Database – Updating Database</a:t>
+            </a:r>
+            <a:endParaRPr lang="en-CA" dirty="0"/>
+          </a:p>
+        </p:txBody>
+      </p:sp>
+      <p:pic>
+        <p:nvPicPr>
+          <p:cNvPr id="3" name="Content Placeholder 2">
+            <a:extLst>
+              <a:ext uri="{FF2B5EF4-FFF2-40B4-BE49-F238E27FC236}">
+                <a16:creationId xmlns:a16="http://schemas.microsoft.com/office/drawing/2014/main" id="{621A78BF-76CE-4070-B76E-DB69CFDF8B9D}"/>
+              </a:ext>
+            </a:extLst>
+          </p:cNvPr>
+          <p:cNvPicPr>
+            <a:picLocks noGrp="1" noChangeAspect="1"/>
+          </p:cNvPicPr>
+          <p:nvPr>
+            <p:ph idx="1"/>
+          </p:nvPr>
+        </p:nvPicPr>
+        <p:blipFill>
+          <a:blip r:embed="rId2"/>
+          <a:stretch>
+            <a:fillRect/>
+          </a:stretch>
+        </p:blipFill>
+        <p:spPr>
+          <a:xfrm>
+            <a:off x="1568194" y="1562894"/>
+            <a:ext cx="9052435" cy="4990305"/>
+          </a:xfrm>
+          <a:prstGeom prst="rect">
+            <a:avLst/>
+          </a:prstGeom>
+        </p:spPr>
+      </p:pic>
+    </p:spTree>
+    <p:extLst>
+      <p:ext uri="{BB962C8B-B14F-4D97-AF65-F5344CB8AC3E}">
+        <p14:creationId xmlns:p14="http://schemas.microsoft.com/office/powerpoint/2010/main" val="2150664540"/>
+      </p:ext>
+    </p:extLst>
+  </p:cSld>
+  <p:clrMapOvr>
+    <a:masterClrMapping/>
+  </p:clrMapOvr>
+</p:sld>
+</file>
+
+<file path=ppt/slides/slide17.xml><?xml version="1.0" encoding="utf-8"?>
+<p:sld xmlns:a="http://schemas.openxmlformats.org/drawingml/2006/main" xmlns:r="http://schemas.openxmlformats.org/officeDocument/2006/relationships" xmlns:p="http://schemas.openxmlformats.org/presentationml/2006/main">
+  <p:cSld>
+    <p:spTree>
+      <p:nvGrpSpPr>
+        <p:cNvPr id="1" name=""/>
+        <p:cNvGrpSpPr/>
+        <p:nvPr/>
+      </p:nvGrpSpPr>
+      <p:grpSpPr>
+        <a:xfrm>
+          <a:off x="0" y="0"/>
+          <a:ext cx="0" cy="0"/>
+          <a:chOff x="0" y="0"/>
+          <a:chExt cx="0" cy="0"/>
+        </a:xfrm>
+      </p:grpSpPr>
+      <p:sp>
+        <p:nvSpPr>
+          <p:cNvPr id="2" name="Title 1">
+            <a:extLst>
+              <a:ext uri="{FF2B5EF4-FFF2-40B4-BE49-F238E27FC236}">
+                <a16:creationId xmlns:a16="http://schemas.microsoft.com/office/drawing/2014/main" id="{870DCF92-EF91-4B14-813B-AB01571E4752}"/>
+              </a:ext>
+            </a:extLst>
+          </p:cNvPr>
+          <p:cNvSpPr>
+            <a:spLocks noGrp="1"/>
+          </p:cNvSpPr>
+          <p:nvPr>
+            <p:ph type="title"/>
+          </p:nvPr>
+        </p:nvSpPr>
+        <p:spPr/>
+        <p:txBody>
+          <a:bodyPr/>
+          <a:lstStyle/>
+          <a:p>
+            <a:r>
+              <a:rPr lang="en-US" dirty="0"/>
+              <a:t>Creating Database – SQL Server Object Explorer</a:t>
+            </a:r>
+            <a:endParaRPr lang="en-CA" dirty="0"/>
+          </a:p>
+        </p:txBody>
+      </p:sp>
+      <p:pic>
+        <p:nvPicPr>
+          <p:cNvPr id="3" name="Content Placeholder 2">
+            <a:extLst>
+              <a:ext uri="{FF2B5EF4-FFF2-40B4-BE49-F238E27FC236}">
+                <a16:creationId xmlns:a16="http://schemas.microsoft.com/office/drawing/2014/main" id="{621A78BF-76CE-4070-B76E-DB69CFDF8B9D}"/>
+              </a:ext>
+            </a:extLst>
+          </p:cNvPr>
+          <p:cNvPicPr>
+            <a:picLocks noGrp="1" noChangeAspect="1"/>
+          </p:cNvPicPr>
+          <p:nvPr>
+            <p:ph idx="1"/>
+          </p:nvPr>
+        </p:nvPicPr>
+        <p:blipFill>
+          <a:blip r:embed="rId2"/>
+          <a:stretch>
+            <a:fillRect/>
+          </a:stretch>
+        </p:blipFill>
+        <p:spPr>
+          <a:xfrm>
+            <a:off x="1568194" y="1562894"/>
+            <a:ext cx="9052434" cy="4990305"/>
+          </a:xfrm>
+          <a:prstGeom prst="rect">
+            <a:avLst/>
+          </a:prstGeom>
+        </p:spPr>
+      </p:pic>
+    </p:spTree>
+    <p:extLst>
+      <p:ext uri="{BB962C8B-B14F-4D97-AF65-F5344CB8AC3E}">
+        <p14:creationId xmlns:p14="http://schemas.microsoft.com/office/powerpoint/2010/main" val="2323548131"/>
+      </p:ext>
+    </p:extLst>
+  </p:cSld>
+  <p:clrMapOvr>
+    <a:masterClrMapping/>
+  </p:clrMapOvr>
+</p:sld>
+</file>
+
+<file path=ppt/slides/slide18.xml><?xml version="1.0" encoding="utf-8"?>
+<p:sld xmlns:a="http://schemas.openxmlformats.org/drawingml/2006/main" xmlns:r="http://schemas.openxmlformats.org/officeDocument/2006/relationships" xmlns:p="http://schemas.openxmlformats.org/presentationml/2006/main">
+  <p:cSld>
+    <p:spTree>
+      <p:nvGrpSpPr>
+        <p:cNvPr id="1" name=""/>
+        <p:cNvGrpSpPr/>
+        <p:nvPr/>
+      </p:nvGrpSpPr>
+      <p:grpSpPr>
+        <a:xfrm>
+          <a:off x="0" y="0"/>
+          <a:ext cx="0" cy="0"/>
+          <a:chOff x="0" y="0"/>
+          <a:chExt cx="0" cy="0"/>
+        </a:xfrm>
+      </p:grpSpPr>
+      <p:sp>
+        <p:nvSpPr>
+          <p:cNvPr id="2" name="Title 1">
+            <a:extLst>
+              <a:ext uri="{FF2B5EF4-FFF2-40B4-BE49-F238E27FC236}">
+                <a16:creationId xmlns:a16="http://schemas.microsoft.com/office/drawing/2014/main" id="{870DCF92-EF91-4B14-813B-AB01571E4752}"/>
+              </a:ext>
+            </a:extLst>
+          </p:cNvPr>
+          <p:cNvSpPr>
+            <a:spLocks noGrp="1"/>
+          </p:cNvSpPr>
+          <p:nvPr>
+            <p:ph type="title"/>
+          </p:nvPr>
+        </p:nvSpPr>
+        <p:spPr/>
+        <p:txBody>
+          <a:bodyPr/>
+          <a:lstStyle/>
+          <a:p>
+            <a:r>
+              <a:rPr lang="en-US" dirty="0"/>
+              <a:t>Creating Database – SQL Server Object Explorer</a:t>
+            </a:r>
+            <a:endParaRPr lang="en-CA" dirty="0"/>
+          </a:p>
+        </p:txBody>
+      </p:sp>
+      <p:pic>
+        <p:nvPicPr>
+          <p:cNvPr id="3" name="Content Placeholder 2">
+            <a:extLst>
+              <a:ext uri="{FF2B5EF4-FFF2-40B4-BE49-F238E27FC236}">
+                <a16:creationId xmlns:a16="http://schemas.microsoft.com/office/drawing/2014/main" id="{621A78BF-76CE-4070-B76E-DB69CFDF8B9D}"/>
+              </a:ext>
+            </a:extLst>
+          </p:cNvPr>
+          <p:cNvPicPr>
+            <a:picLocks noGrp="1" noChangeAspect="1"/>
+          </p:cNvPicPr>
+          <p:nvPr>
+            <p:ph idx="1"/>
+          </p:nvPr>
+        </p:nvPicPr>
+        <p:blipFill>
+          <a:blip r:embed="rId2"/>
+          <a:stretch>
+            <a:fillRect/>
+          </a:stretch>
+        </p:blipFill>
+        <p:spPr>
+          <a:xfrm>
+            <a:off x="1568194" y="1562894"/>
+            <a:ext cx="9052434" cy="4990304"/>
+          </a:xfrm>
+          <a:prstGeom prst="rect">
+            <a:avLst/>
+          </a:prstGeom>
+        </p:spPr>
+      </p:pic>
+    </p:spTree>
+    <p:extLst>
+      <p:ext uri="{BB962C8B-B14F-4D97-AF65-F5344CB8AC3E}">
+        <p14:creationId xmlns:p14="http://schemas.microsoft.com/office/powerpoint/2010/main" val="3484016844"/>
+      </p:ext>
+    </p:extLst>
+  </p:cSld>
+  <p:clrMapOvr>
+    <a:masterClrMapping/>
+  </p:clrMapOvr>
+</p:sld>
+</file>
+
+<file path=ppt/slides/slide19.xml><?xml version="1.0" encoding="utf-8"?>
+<p:sld xmlns:a="http://schemas.openxmlformats.org/drawingml/2006/main" xmlns:r="http://schemas.openxmlformats.org/officeDocument/2006/relationships" xmlns:p="http://schemas.openxmlformats.org/presentationml/2006/main">
+  <p:cSld>
+    <p:spTree>
+      <p:nvGrpSpPr>
+        <p:cNvPr id="1" name=""/>
+        <p:cNvGrpSpPr/>
+        <p:nvPr/>
+      </p:nvGrpSpPr>
+      <p:grpSpPr>
+        <a:xfrm>
+          <a:off x="0" y="0"/>
+          <a:ext cx="0" cy="0"/>
+          <a:chOff x="0" y="0"/>
+          <a:chExt cx="0" cy="0"/>
+        </a:xfrm>
+      </p:grpSpPr>
+      <p:sp>
+        <p:nvSpPr>
+          <p:cNvPr id="2" name="Title 1">
+            <a:extLst>
+              <a:ext uri="{FF2B5EF4-FFF2-40B4-BE49-F238E27FC236}">
+                <a16:creationId xmlns:a16="http://schemas.microsoft.com/office/drawing/2014/main" id="{870DCF92-EF91-4B14-813B-AB01571E4752}"/>
+              </a:ext>
+            </a:extLst>
+          </p:cNvPr>
+          <p:cNvSpPr>
+            <a:spLocks noGrp="1"/>
+          </p:cNvSpPr>
+          <p:nvPr>
+            <p:ph type="title"/>
+          </p:nvPr>
+        </p:nvSpPr>
+        <p:spPr/>
+        <p:txBody>
+          <a:bodyPr/>
+          <a:lstStyle/>
+          <a:p>
+            <a:r>
+              <a:rPr lang="en-US" dirty="0"/>
+              <a:t>Running the Application</a:t>
+            </a:r>
+            <a:endParaRPr lang="en-CA" dirty="0"/>
+          </a:p>
+        </p:txBody>
+      </p:sp>
+      <p:pic>
+        <p:nvPicPr>
+          <p:cNvPr id="3" name="Content Placeholder 2">
+            <a:extLst>
+              <a:ext uri="{FF2B5EF4-FFF2-40B4-BE49-F238E27FC236}">
+                <a16:creationId xmlns:a16="http://schemas.microsoft.com/office/drawing/2014/main" id="{621A78BF-76CE-4070-B76E-DB69CFDF8B9D}"/>
+              </a:ext>
+            </a:extLst>
+          </p:cNvPr>
+          <p:cNvPicPr>
+            <a:picLocks noGrp="1" noChangeAspect="1"/>
+          </p:cNvPicPr>
+          <p:nvPr>
+            <p:ph idx="1"/>
+          </p:nvPr>
+        </p:nvPicPr>
+        <p:blipFill>
+          <a:blip r:embed="rId2"/>
+          <a:stretch>
+            <a:fillRect/>
+          </a:stretch>
+        </p:blipFill>
+        <p:spPr>
+          <a:xfrm>
+            <a:off x="1568194" y="1778223"/>
+            <a:ext cx="9052434" cy="4559645"/>
+          </a:xfrm>
+          <a:prstGeom prst="rect">
+            <a:avLst/>
+          </a:prstGeom>
+        </p:spPr>
+      </p:pic>
+    </p:spTree>
+    <p:extLst>
+      <p:ext uri="{BB962C8B-B14F-4D97-AF65-F5344CB8AC3E}">
+        <p14:creationId xmlns:p14="http://schemas.microsoft.com/office/powerpoint/2010/main" val="1566288138"/>
+      </p:ext>
+    </p:extLst>
+  </p:cSld>
+  <p:clrMapOvr>
+    <a:masterClrMapping/>
+  </p:clrMapOvr>
+</p:sld>
+</file>
+
+<file path=ppt/slides/slide2.xml><?xml version="1.0" encoding="utf-8"?>
+<p:sld xmlns:a="http://schemas.openxmlformats.org/drawingml/2006/main" xmlns:r="http://schemas.openxmlformats.org/officeDocument/2006/relationships" xmlns:p="http://schemas.openxmlformats.org/presentationml/2006/main">
+  <p:cSld>
+    <p:spTree>
+      <p:nvGrpSpPr>
+        <p:cNvPr id="1" name=""/>
+        <p:cNvGrpSpPr/>
+        <p:nvPr/>
+      </p:nvGrpSpPr>
+      <p:grpSpPr>
+        <a:xfrm>
+          <a:off x="0" y="0"/>
+          <a:ext cx="0" cy="0"/>
+          <a:chOff x="0" y="0"/>
+          <a:chExt cx="0" cy="0"/>
+        </a:xfrm>
+      </p:grpSpPr>
+      <p:sp>
+        <p:nvSpPr>
+          <p:cNvPr id="2" name="Title 1">
+            <a:extLst>
+              <a:ext uri="{FF2B5EF4-FFF2-40B4-BE49-F238E27FC236}">
+                <a16:creationId xmlns:a16="http://schemas.microsoft.com/office/drawing/2014/main" id="{18EBDD01-5BA4-4B39-80BA-2637F82E1281}"/>
+              </a:ext>
+            </a:extLst>
+          </p:cNvPr>
+          <p:cNvSpPr>
+            <a:spLocks noGrp="1"/>
+          </p:cNvSpPr>
+          <p:nvPr>
+            <p:ph type="title"/>
+          </p:nvPr>
+        </p:nvSpPr>
+        <p:spPr/>
+        <p:txBody>
+          <a:bodyPr/>
+          <a:lstStyle/>
+          <a:p>
+            <a:r>
+              <a:rPr lang="en-US" dirty="0"/>
+              <a:t>Identity on ASP.NET Core</a:t>
+            </a:r>
+            <a:endParaRPr lang="en-CA" dirty="0"/>
+          </a:p>
+        </p:txBody>
+      </p:sp>
+      <p:sp>
+        <p:nvSpPr>
+          <p:cNvPr id="3" name="Content Placeholder 2">
+            <a:extLst>
+              <a:ext uri="{FF2B5EF4-FFF2-40B4-BE49-F238E27FC236}">
+                <a16:creationId xmlns:a16="http://schemas.microsoft.com/office/drawing/2014/main" id="{A0CB043C-FF81-406C-9867-94441F7E453F}"/>
+              </a:ext>
+            </a:extLst>
+          </p:cNvPr>
+          <p:cNvSpPr>
+            <a:spLocks noGrp="1"/>
+          </p:cNvSpPr>
+          <p:nvPr>
+            <p:ph idx="1"/>
+          </p:nvPr>
+        </p:nvSpPr>
+        <p:spPr/>
+        <p:txBody>
+          <a:bodyPr/>
+          <a:lstStyle/>
+          <a:p>
+            <a:r>
+              <a:rPr lang="en-US" dirty="0"/>
+              <a:t>ASP.NET Core Identity is a membership to allow login functionality to be </a:t>
+            </a:r>
+            <a:r>
+              <a:rPr lang="en-US" dirty="0" err="1"/>
+              <a:t>addd</a:t>
+            </a:r>
+            <a:r>
+              <a:rPr lang="en-US" dirty="0"/>
+              <a:t> to an application</a:t>
+            </a:r>
+          </a:p>
+          <a:p>
+            <a:pPr lvl="1"/>
+            <a:r>
+              <a:rPr lang="en-US" dirty="0"/>
+              <a:t>Users can create an acc and login w/an username and password</a:t>
+            </a:r>
+          </a:p>
+          <a:p>
+            <a:pPr lvl="1"/>
+            <a:r>
+              <a:rPr lang="en-US" dirty="0"/>
+              <a:t>Users can login by using an external login provider such as Facebook, Google, Microsoft account, Twitter or others</a:t>
+            </a:r>
+            <a:endParaRPr lang="en-CA" dirty="0"/>
+          </a:p>
+        </p:txBody>
+      </p:sp>
+    </p:spTree>
+    <p:extLst>
+      <p:ext uri="{BB962C8B-B14F-4D97-AF65-F5344CB8AC3E}">
+        <p14:creationId xmlns:p14="http://schemas.microsoft.com/office/powerpoint/2010/main" val="3570633074"/>
+      </p:ext>
+    </p:extLst>
+  </p:cSld>
+  <p:clrMapOvr>
+    <a:masterClrMapping/>
+  </p:clrMapOvr>
+</p:sld>
+</file>
+
+<file path=ppt/slides/slide20.xml><?xml version="1.0" encoding="utf-8"?>
+<p:sld xmlns:a="http://schemas.openxmlformats.org/drawingml/2006/main" xmlns:r="http://schemas.openxmlformats.org/officeDocument/2006/relationships" xmlns:p="http://schemas.openxmlformats.org/presentationml/2006/main">
+  <p:cSld>
+    <p:spTree>
+      <p:nvGrpSpPr>
+        <p:cNvPr id="1" name=""/>
+        <p:cNvGrpSpPr/>
+        <p:nvPr/>
+      </p:nvGrpSpPr>
+      <p:grpSpPr>
+        <a:xfrm>
+          <a:off x="0" y="0"/>
+          <a:ext cx="0" cy="0"/>
+          <a:chOff x="0" y="0"/>
+          <a:chExt cx="0" cy="0"/>
+        </a:xfrm>
+      </p:grpSpPr>
+      <p:sp>
+        <p:nvSpPr>
+          <p:cNvPr id="2" name="Title 1">
+            <a:extLst>
+              <a:ext uri="{FF2B5EF4-FFF2-40B4-BE49-F238E27FC236}">
+                <a16:creationId xmlns:a16="http://schemas.microsoft.com/office/drawing/2014/main" id="{870DCF92-EF91-4B14-813B-AB01571E4752}"/>
+              </a:ext>
+            </a:extLst>
+          </p:cNvPr>
+          <p:cNvSpPr>
+            <a:spLocks noGrp="1"/>
+          </p:cNvSpPr>
+          <p:nvPr>
+            <p:ph type="title"/>
+          </p:nvPr>
+        </p:nvSpPr>
+        <p:spPr/>
+        <p:txBody>
+          <a:bodyPr/>
+          <a:lstStyle/>
+          <a:p>
+            <a:r>
+              <a:rPr lang="en-US" dirty="0"/>
+              <a:t>Creating a Google Application</a:t>
+            </a:r>
+            <a:endParaRPr lang="en-CA" dirty="0"/>
+          </a:p>
+        </p:txBody>
+      </p:sp>
+      <p:pic>
+        <p:nvPicPr>
+          <p:cNvPr id="3" name="Content Placeholder 2">
+            <a:extLst>
+              <a:ext uri="{FF2B5EF4-FFF2-40B4-BE49-F238E27FC236}">
+                <a16:creationId xmlns:a16="http://schemas.microsoft.com/office/drawing/2014/main" id="{621A78BF-76CE-4070-B76E-DB69CFDF8B9D}"/>
+              </a:ext>
+            </a:extLst>
+          </p:cNvPr>
+          <p:cNvPicPr>
+            <a:picLocks noGrp="1" noChangeAspect="1"/>
+          </p:cNvPicPr>
+          <p:nvPr>
+            <p:ph idx="1"/>
+          </p:nvPr>
+        </p:nvPicPr>
+        <p:blipFill>
+          <a:blip r:embed="rId2"/>
+          <a:stretch>
+            <a:fillRect/>
+          </a:stretch>
+        </p:blipFill>
+        <p:spPr>
+          <a:xfrm>
+            <a:off x="1141413" y="1874886"/>
+            <a:ext cx="9407515" cy="4747856"/>
+          </a:xfrm>
+          <a:prstGeom prst="rect">
+            <a:avLst/>
+          </a:prstGeom>
+        </p:spPr>
+      </p:pic>
+      <p:sp>
+        <p:nvSpPr>
+          <p:cNvPr id="5" name="Rectangle 4">
+            <a:extLst>
+              <a:ext uri="{FF2B5EF4-FFF2-40B4-BE49-F238E27FC236}">
+                <a16:creationId xmlns:a16="http://schemas.microsoft.com/office/drawing/2014/main" id="{458F1169-789D-4D06-9B3A-099BDADD16C0}"/>
+              </a:ext>
+            </a:extLst>
+          </p:cNvPr>
+          <p:cNvSpPr/>
+          <p:nvPr/>
+        </p:nvSpPr>
+        <p:spPr>
+          <a:xfrm>
+            <a:off x="1141413" y="1505554"/>
+            <a:ext cx="7454284" cy="369332"/>
+          </a:xfrm>
+          <a:prstGeom prst="rect">
+            <a:avLst/>
+          </a:prstGeom>
+        </p:spPr>
+        <p:txBody>
+          <a:bodyPr wrap="square">
+            <a:spAutoFit/>
+          </a:bodyPr>
+          <a:lstStyle/>
+          <a:p>
+            <a:r>
+              <a:rPr lang="en-CA" dirty="0"/>
+              <a:t>Visit </a:t>
+            </a:r>
+            <a:r>
+              <a:rPr lang="en-CA" dirty="0">
+                <a:hlinkClick r:id="rId3"/>
+              </a:rPr>
+              <a:t>https://console.developers.google.com/projectselector/apis/library</a:t>
+            </a:r>
+            <a:r>
+              <a:rPr lang="en-CA" dirty="0"/>
+              <a:t> </a:t>
+            </a:r>
+          </a:p>
+        </p:txBody>
+      </p:sp>
+    </p:spTree>
+    <p:extLst>
+      <p:ext uri="{BB962C8B-B14F-4D97-AF65-F5344CB8AC3E}">
+        <p14:creationId xmlns:p14="http://schemas.microsoft.com/office/powerpoint/2010/main" val="4096040405"/>
+      </p:ext>
+    </p:extLst>
+  </p:cSld>
+  <p:clrMapOvr>
+    <a:masterClrMapping/>
+  </p:clrMapOvr>
+</p:sld>
+</file>
+
+<file path=ppt/slides/slide21.xml><?xml version="1.0" encoding="utf-8"?>
+<p:sld xmlns:a="http://schemas.openxmlformats.org/drawingml/2006/main" xmlns:r="http://schemas.openxmlformats.org/officeDocument/2006/relationships" xmlns:p="http://schemas.openxmlformats.org/presentationml/2006/main">
+  <p:cSld>
+    <p:spTree>
+      <p:nvGrpSpPr>
+        <p:cNvPr id="1" name=""/>
+        <p:cNvGrpSpPr/>
+        <p:nvPr/>
+      </p:nvGrpSpPr>
+      <p:grpSpPr>
+        <a:xfrm>
+          <a:off x="0" y="0"/>
+          <a:ext cx="0" cy="0"/>
+          <a:chOff x="0" y="0"/>
+          <a:chExt cx="0" cy="0"/>
+        </a:xfrm>
+      </p:grpSpPr>
+      <p:sp>
+        <p:nvSpPr>
+          <p:cNvPr id="2" name="Title 1">
+            <a:extLst>
+              <a:ext uri="{FF2B5EF4-FFF2-40B4-BE49-F238E27FC236}">
+                <a16:creationId xmlns:a16="http://schemas.microsoft.com/office/drawing/2014/main" id="{870DCF92-EF91-4B14-813B-AB01571E4752}"/>
+              </a:ext>
+            </a:extLst>
+          </p:cNvPr>
+          <p:cNvSpPr>
+            <a:spLocks noGrp="1"/>
+          </p:cNvSpPr>
+          <p:nvPr>
+            <p:ph type="title"/>
+          </p:nvPr>
+        </p:nvSpPr>
+        <p:spPr/>
+        <p:txBody>
+          <a:bodyPr/>
+          <a:lstStyle/>
+          <a:p>
+            <a:r>
+              <a:rPr lang="en-US" dirty="0"/>
+              <a:t>Creating a Google Application</a:t>
+            </a:r>
+            <a:endParaRPr lang="en-CA" dirty="0"/>
+          </a:p>
+        </p:txBody>
+      </p:sp>
+      <p:pic>
+        <p:nvPicPr>
+          <p:cNvPr id="3" name="Content Placeholder 2">
+            <a:extLst>
+              <a:ext uri="{FF2B5EF4-FFF2-40B4-BE49-F238E27FC236}">
+                <a16:creationId xmlns:a16="http://schemas.microsoft.com/office/drawing/2014/main" id="{621A78BF-76CE-4070-B76E-DB69CFDF8B9D}"/>
+              </a:ext>
+            </a:extLst>
+          </p:cNvPr>
+          <p:cNvPicPr>
+            <a:picLocks noGrp="1" noChangeAspect="1"/>
+          </p:cNvPicPr>
+          <p:nvPr>
+            <p:ph idx="1"/>
+          </p:nvPr>
+        </p:nvPicPr>
+        <p:blipFill>
+          <a:blip r:embed="rId2"/>
+          <a:stretch>
+            <a:fillRect/>
+          </a:stretch>
+        </p:blipFill>
+        <p:spPr>
+          <a:xfrm>
+            <a:off x="1141413" y="1879566"/>
+            <a:ext cx="9407515" cy="4738496"/>
+          </a:xfrm>
+          <a:prstGeom prst="rect">
+            <a:avLst/>
+          </a:prstGeom>
+        </p:spPr>
+      </p:pic>
+      <p:sp>
+        <p:nvSpPr>
+          <p:cNvPr id="5" name="Rectangle 4">
+            <a:extLst>
+              <a:ext uri="{FF2B5EF4-FFF2-40B4-BE49-F238E27FC236}">
+                <a16:creationId xmlns:a16="http://schemas.microsoft.com/office/drawing/2014/main" id="{458F1169-789D-4D06-9B3A-099BDADD16C0}"/>
+              </a:ext>
+            </a:extLst>
+          </p:cNvPr>
+          <p:cNvSpPr/>
+          <p:nvPr/>
+        </p:nvSpPr>
+        <p:spPr>
+          <a:xfrm>
+            <a:off x="1141413" y="1505554"/>
+            <a:ext cx="7454284" cy="369332"/>
+          </a:xfrm>
+          <a:prstGeom prst="rect">
+            <a:avLst/>
+          </a:prstGeom>
+        </p:spPr>
+        <p:txBody>
+          <a:bodyPr wrap="square">
+            <a:spAutoFit/>
+          </a:bodyPr>
+          <a:lstStyle/>
+          <a:p>
+            <a:r>
+              <a:rPr lang="en-CA" dirty="0"/>
+              <a:t>Visit </a:t>
+            </a:r>
+            <a:r>
+              <a:rPr lang="en-CA" dirty="0">
+                <a:hlinkClick r:id="rId3"/>
+              </a:rPr>
+              <a:t>https://console.developers.google.com/projectselector/apis/library</a:t>
+            </a:r>
+            <a:r>
+              <a:rPr lang="en-CA" dirty="0"/>
+              <a:t> </a:t>
+            </a:r>
+          </a:p>
+        </p:txBody>
+      </p:sp>
+    </p:spTree>
+    <p:extLst>
+      <p:ext uri="{BB962C8B-B14F-4D97-AF65-F5344CB8AC3E}">
+        <p14:creationId xmlns:p14="http://schemas.microsoft.com/office/powerpoint/2010/main" val="273885653"/>
+      </p:ext>
+    </p:extLst>
+  </p:cSld>
+  <p:clrMapOvr>
+    <a:masterClrMapping/>
+  </p:clrMapOvr>
+</p:sld>
+</file>
+
+<file path=ppt/slides/slide22.xml><?xml version="1.0" encoding="utf-8"?>
+<p:sld xmlns:a="http://schemas.openxmlformats.org/drawingml/2006/main" xmlns:r="http://schemas.openxmlformats.org/officeDocument/2006/relationships" xmlns:p="http://schemas.openxmlformats.org/presentationml/2006/main">
+  <p:cSld>
+    <p:spTree>
+      <p:nvGrpSpPr>
+        <p:cNvPr id="1" name=""/>
+        <p:cNvGrpSpPr/>
+        <p:nvPr/>
+      </p:nvGrpSpPr>
+      <p:grpSpPr>
+        <a:xfrm>
+          <a:off x="0" y="0"/>
+          <a:ext cx="0" cy="0"/>
+          <a:chOff x="0" y="0"/>
+          <a:chExt cx="0" cy="0"/>
+        </a:xfrm>
+      </p:grpSpPr>
+      <p:sp>
+        <p:nvSpPr>
+          <p:cNvPr id="2" name="Title 1">
+            <a:extLst>
+              <a:ext uri="{FF2B5EF4-FFF2-40B4-BE49-F238E27FC236}">
+                <a16:creationId xmlns:a16="http://schemas.microsoft.com/office/drawing/2014/main" id="{870DCF92-EF91-4B14-813B-AB01571E4752}"/>
+              </a:ext>
+            </a:extLst>
+          </p:cNvPr>
+          <p:cNvSpPr>
+            <a:spLocks noGrp="1"/>
+          </p:cNvSpPr>
+          <p:nvPr>
+            <p:ph type="title"/>
+          </p:nvPr>
+        </p:nvSpPr>
+        <p:spPr/>
+        <p:txBody>
+          <a:bodyPr/>
+          <a:lstStyle/>
+          <a:p>
+            <a:r>
+              <a:rPr lang="en-US" dirty="0"/>
+              <a:t>Creating a Google Application</a:t>
+            </a:r>
+            <a:endParaRPr lang="en-CA" dirty="0"/>
+          </a:p>
+        </p:txBody>
+      </p:sp>
+      <p:pic>
+        <p:nvPicPr>
+          <p:cNvPr id="3" name="Content Placeholder 2">
+            <a:extLst>
+              <a:ext uri="{FF2B5EF4-FFF2-40B4-BE49-F238E27FC236}">
+                <a16:creationId xmlns:a16="http://schemas.microsoft.com/office/drawing/2014/main" id="{621A78BF-76CE-4070-B76E-DB69CFDF8B9D}"/>
+              </a:ext>
+            </a:extLst>
+          </p:cNvPr>
+          <p:cNvPicPr>
+            <a:picLocks noGrp="1" noChangeAspect="1"/>
+          </p:cNvPicPr>
+          <p:nvPr>
+            <p:ph idx="1"/>
+          </p:nvPr>
+        </p:nvPicPr>
+        <p:blipFill>
+          <a:blip r:embed="rId2"/>
+          <a:stretch>
+            <a:fillRect/>
+          </a:stretch>
+        </p:blipFill>
+        <p:spPr>
+          <a:xfrm>
+            <a:off x="1141414" y="1879566"/>
+            <a:ext cx="9407513" cy="4738496"/>
+          </a:xfrm>
+          <a:prstGeom prst="rect">
+            <a:avLst/>
+          </a:prstGeom>
+        </p:spPr>
+      </p:pic>
+      <p:sp>
+        <p:nvSpPr>
+          <p:cNvPr id="5" name="Rectangle 4">
+            <a:extLst>
+              <a:ext uri="{FF2B5EF4-FFF2-40B4-BE49-F238E27FC236}">
+                <a16:creationId xmlns:a16="http://schemas.microsoft.com/office/drawing/2014/main" id="{458F1169-789D-4D06-9B3A-099BDADD16C0}"/>
+              </a:ext>
+            </a:extLst>
+          </p:cNvPr>
+          <p:cNvSpPr/>
+          <p:nvPr/>
+        </p:nvSpPr>
+        <p:spPr>
+          <a:xfrm>
+            <a:off x="1141413" y="1505554"/>
+            <a:ext cx="7454284" cy="369332"/>
+          </a:xfrm>
+          <a:prstGeom prst="rect">
+            <a:avLst/>
+          </a:prstGeom>
+        </p:spPr>
+        <p:txBody>
+          <a:bodyPr wrap="square">
+            <a:spAutoFit/>
+          </a:bodyPr>
+          <a:lstStyle/>
+          <a:p>
+            <a:r>
+              <a:rPr lang="en-CA" dirty="0"/>
+              <a:t>Visit </a:t>
+            </a:r>
+            <a:r>
+              <a:rPr lang="en-CA" dirty="0">
+                <a:hlinkClick r:id="rId3"/>
+              </a:rPr>
+              <a:t>https://console.developers.google.com/projectselector/apis/library</a:t>
+            </a:r>
+            <a:r>
+              <a:rPr lang="en-CA" dirty="0"/>
+              <a:t> </a:t>
+            </a:r>
+          </a:p>
+        </p:txBody>
+      </p:sp>
+    </p:spTree>
+    <p:extLst>
+      <p:ext uri="{BB962C8B-B14F-4D97-AF65-F5344CB8AC3E}">
+        <p14:creationId xmlns:p14="http://schemas.microsoft.com/office/powerpoint/2010/main" val="3828430492"/>
+      </p:ext>
+    </p:extLst>
+  </p:cSld>
+  <p:clrMapOvr>
+    <a:masterClrMapping/>
+  </p:clrMapOvr>
+</p:sld>
+</file>
+
+<file path=ppt/slides/slide23.xml><?xml version="1.0" encoding="utf-8"?>
+<p:sld xmlns:a="http://schemas.openxmlformats.org/drawingml/2006/main" xmlns:r="http://schemas.openxmlformats.org/officeDocument/2006/relationships" xmlns:p="http://schemas.openxmlformats.org/presentationml/2006/main">
+  <p:cSld>
+    <p:spTree>
+      <p:nvGrpSpPr>
+        <p:cNvPr id="1" name=""/>
+        <p:cNvGrpSpPr/>
+        <p:nvPr/>
+      </p:nvGrpSpPr>
+      <p:grpSpPr>
+        <a:xfrm>
+          <a:off x="0" y="0"/>
+          <a:ext cx="0" cy="0"/>
+          <a:chOff x="0" y="0"/>
+          <a:chExt cx="0" cy="0"/>
+        </a:xfrm>
+      </p:grpSpPr>
+      <p:sp>
+        <p:nvSpPr>
+          <p:cNvPr id="2" name="Title 1">
+            <a:extLst>
+              <a:ext uri="{FF2B5EF4-FFF2-40B4-BE49-F238E27FC236}">
+                <a16:creationId xmlns:a16="http://schemas.microsoft.com/office/drawing/2014/main" id="{870DCF92-EF91-4B14-813B-AB01571E4752}"/>
+              </a:ext>
+            </a:extLst>
+          </p:cNvPr>
+          <p:cNvSpPr>
+            <a:spLocks noGrp="1"/>
+          </p:cNvSpPr>
+          <p:nvPr>
+            <p:ph type="title"/>
+          </p:nvPr>
+        </p:nvSpPr>
+        <p:spPr/>
+        <p:txBody>
+          <a:bodyPr/>
+          <a:lstStyle/>
+          <a:p>
+            <a:r>
+              <a:rPr lang="en-US" dirty="0"/>
+              <a:t>Creating a Google Application</a:t>
+            </a:r>
+            <a:endParaRPr lang="en-CA" dirty="0"/>
+          </a:p>
+        </p:txBody>
+      </p:sp>
+      <p:pic>
+        <p:nvPicPr>
+          <p:cNvPr id="3" name="Content Placeholder 2">
+            <a:extLst>
+              <a:ext uri="{FF2B5EF4-FFF2-40B4-BE49-F238E27FC236}">
+                <a16:creationId xmlns:a16="http://schemas.microsoft.com/office/drawing/2014/main" id="{621A78BF-76CE-4070-B76E-DB69CFDF8B9D}"/>
+              </a:ext>
+            </a:extLst>
+          </p:cNvPr>
+          <p:cNvPicPr>
+            <a:picLocks noGrp="1" noChangeAspect="1"/>
+          </p:cNvPicPr>
+          <p:nvPr>
+            <p:ph idx="1"/>
+          </p:nvPr>
+        </p:nvPicPr>
+        <p:blipFill>
+          <a:blip r:embed="rId2"/>
+          <a:stretch>
+            <a:fillRect/>
+          </a:stretch>
+        </p:blipFill>
+        <p:spPr>
+          <a:xfrm>
+            <a:off x="1141414" y="1879566"/>
+            <a:ext cx="9407513" cy="4738495"/>
+          </a:xfrm>
+          <a:prstGeom prst="rect">
+            <a:avLst/>
+          </a:prstGeom>
+        </p:spPr>
+      </p:pic>
+      <p:sp>
+        <p:nvSpPr>
+          <p:cNvPr id="5" name="Rectangle 4">
+            <a:extLst>
+              <a:ext uri="{FF2B5EF4-FFF2-40B4-BE49-F238E27FC236}">
+                <a16:creationId xmlns:a16="http://schemas.microsoft.com/office/drawing/2014/main" id="{458F1169-789D-4D06-9B3A-099BDADD16C0}"/>
+              </a:ext>
+            </a:extLst>
+          </p:cNvPr>
+          <p:cNvSpPr/>
+          <p:nvPr/>
+        </p:nvSpPr>
+        <p:spPr>
+          <a:xfrm>
+            <a:off x="1141413" y="1505554"/>
+            <a:ext cx="7454284" cy="369332"/>
+          </a:xfrm>
+          <a:prstGeom prst="rect">
+            <a:avLst/>
+          </a:prstGeom>
+        </p:spPr>
+        <p:txBody>
+          <a:bodyPr wrap="square">
+            <a:spAutoFit/>
+          </a:bodyPr>
+          <a:lstStyle/>
+          <a:p>
+            <a:r>
+              <a:rPr lang="en-CA" dirty="0"/>
+              <a:t>Visit </a:t>
+            </a:r>
+            <a:r>
+              <a:rPr lang="en-CA" dirty="0">
+                <a:hlinkClick r:id="rId3"/>
+              </a:rPr>
+              <a:t>https://console.developers.google.com/projectselector/apis/library</a:t>
+            </a:r>
+            <a:r>
+              <a:rPr lang="en-CA" dirty="0"/>
+              <a:t> </a:t>
+            </a:r>
+          </a:p>
+        </p:txBody>
+      </p:sp>
+    </p:spTree>
+    <p:extLst>
+      <p:ext uri="{BB962C8B-B14F-4D97-AF65-F5344CB8AC3E}">
+        <p14:creationId xmlns:p14="http://schemas.microsoft.com/office/powerpoint/2010/main" val="3088704269"/>
+      </p:ext>
+    </p:extLst>
+  </p:cSld>
+  <p:clrMapOvr>
+    <a:masterClrMapping/>
+  </p:clrMapOvr>
+</p:sld>
+</file>
+
+<file path=ppt/slides/slide24.xml><?xml version="1.0" encoding="utf-8"?>
+<p:sld xmlns:a="http://schemas.openxmlformats.org/drawingml/2006/main" xmlns:r="http://schemas.openxmlformats.org/officeDocument/2006/relationships" xmlns:p="http://schemas.openxmlformats.org/presentationml/2006/main">
+  <p:cSld>
+    <p:spTree>
+      <p:nvGrpSpPr>
+        <p:cNvPr id="1" name=""/>
+        <p:cNvGrpSpPr/>
+        <p:nvPr/>
+      </p:nvGrpSpPr>
+      <p:grpSpPr>
+        <a:xfrm>
+          <a:off x="0" y="0"/>
+          <a:ext cx="0" cy="0"/>
+          <a:chOff x="0" y="0"/>
+          <a:chExt cx="0" cy="0"/>
+        </a:xfrm>
+      </p:grpSpPr>
+      <p:sp>
+        <p:nvSpPr>
+          <p:cNvPr id="2" name="Title 1">
+            <a:extLst>
+              <a:ext uri="{FF2B5EF4-FFF2-40B4-BE49-F238E27FC236}">
+                <a16:creationId xmlns:a16="http://schemas.microsoft.com/office/drawing/2014/main" id="{870DCF92-EF91-4B14-813B-AB01571E4752}"/>
+              </a:ext>
+            </a:extLst>
+          </p:cNvPr>
+          <p:cNvSpPr>
+            <a:spLocks noGrp="1"/>
+          </p:cNvSpPr>
+          <p:nvPr>
+            <p:ph type="title"/>
+          </p:nvPr>
+        </p:nvSpPr>
+        <p:spPr/>
+        <p:txBody>
+          <a:bodyPr/>
+          <a:lstStyle/>
+          <a:p>
+            <a:r>
+              <a:rPr lang="en-US" dirty="0"/>
+              <a:t>Creating a Google Application</a:t>
+            </a:r>
+            <a:endParaRPr lang="en-CA" dirty="0"/>
+          </a:p>
+        </p:txBody>
+      </p:sp>
+      <p:pic>
+        <p:nvPicPr>
+          <p:cNvPr id="3" name="Content Placeholder 2">
+            <a:extLst>
+              <a:ext uri="{FF2B5EF4-FFF2-40B4-BE49-F238E27FC236}">
+                <a16:creationId xmlns:a16="http://schemas.microsoft.com/office/drawing/2014/main" id="{621A78BF-76CE-4070-B76E-DB69CFDF8B9D}"/>
+              </a:ext>
+            </a:extLst>
+          </p:cNvPr>
+          <p:cNvPicPr>
+            <a:picLocks noGrp="1" noChangeAspect="1"/>
+          </p:cNvPicPr>
+          <p:nvPr>
+            <p:ph idx="1"/>
+          </p:nvPr>
+        </p:nvPicPr>
+        <p:blipFill>
+          <a:blip r:embed="rId2"/>
+          <a:stretch>
+            <a:fillRect/>
+          </a:stretch>
+        </p:blipFill>
+        <p:spPr>
+          <a:xfrm>
+            <a:off x="1141415" y="1879566"/>
+            <a:ext cx="9407511" cy="4738495"/>
+          </a:xfrm>
+          <a:prstGeom prst="rect">
+            <a:avLst/>
+          </a:prstGeom>
+        </p:spPr>
+      </p:pic>
+      <p:sp>
+        <p:nvSpPr>
+          <p:cNvPr id="5" name="Rectangle 4">
+            <a:extLst>
+              <a:ext uri="{FF2B5EF4-FFF2-40B4-BE49-F238E27FC236}">
+                <a16:creationId xmlns:a16="http://schemas.microsoft.com/office/drawing/2014/main" id="{458F1169-789D-4D06-9B3A-099BDADD16C0}"/>
+              </a:ext>
+            </a:extLst>
+          </p:cNvPr>
+          <p:cNvSpPr/>
+          <p:nvPr/>
+        </p:nvSpPr>
+        <p:spPr>
+          <a:xfrm>
+            <a:off x="1141413" y="1505554"/>
+            <a:ext cx="7454284" cy="369332"/>
+          </a:xfrm>
+          <a:prstGeom prst="rect">
+            <a:avLst/>
+          </a:prstGeom>
+        </p:spPr>
+        <p:txBody>
+          <a:bodyPr wrap="square">
+            <a:spAutoFit/>
+          </a:bodyPr>
+          <a:lstStyle/>
+          <a:p>
+            <a:r>
+              <a:rPr lang="en-CA" dirty="0"/>
+              <a:t>Visit </a:t>
+            </a:r>
+            <a:r>
+              <a:rPr lang="en-CA" dirty="0">
+                <a:hlinkClick r:id="rId3"/>
+              </a:rPr>
+              <a:t>https://console.developers.google.com/projectselector/apis/library</a:t>
+            </a:r>
+            <a:r>
+              <a:rPr lang="en-CA" dirty="0"/>
+              <a:t> </a:t>
+            </a:r>
+          </a:p>
+        </p:txBody>
+      </p:sp>
+    </p:spTree>
+    <p:extLst>
+      <p:ext uri="{BB962C8B-B14F-4D97-AF65-F5344CB8AC3E}">
+        <p14:creationId xmlns:p14="http://schemas.microsoft.com/office/powerpoint/2010/main" val="2115939842"/>
+      </p:ext>
+    </p:extLst>
+  </p:cSld>
+  <p:clrMapOvr>
+    <a:masterClrMapping/>
+  </p:clrMapOvr>
+</p:sld>
+</file>
+
+<file path=ppt/slides/slide25.xml><?xml version="1.0" encoding="utf-8"?>
+<p:sld xmlns:a="http://schemas.openxmlformats.org/drawingml/2006/main" xmlns:r="http://schemas.openxmlformats.org/officeDocument/2006/relationships" xmlns:p="http://schemas.openxmlformats.org/presentationml/2006/main">
+  <p:cSld>
+    <p:spTree>
+      <p:nvGrpSpPr>
+        <p:cNvPr id="1" name=""/>
+        <p:cNvGrpSpPr/>
+        <p:nvPr/>
+      </p:nvGrpSpPr>
+      <p:grpSpPr>
+        <a:xfrm>
+          <a:off x="0" y="0"/>
+          <a:ext cx="0" cy="0"/>
+          <a:chOff x="0" y="0"/>
+          <a:chExt cx="0" cy="0"/>
+        </a:xfrm>
+      </p:grpSpPr>
+      <p:sp>
+        <p:nvSpPr>
+          <p:cNvPr id="2" name="Title 1">
+            <a:extLst>
+              <a:ext uri="{FF2B5EF4-FFF2-40B4-BE49-F238E27FC236}">
+                <a16:creationId xmlns:a16="http://schemas.microsoft.com/office/drawing/2014/main" id="{870DCF92-EF91-4B14-813B-AB01571E4752}"/>
+              </a:ext>
+            </a:extLst>
+          </p:cNvPr>
+          <p:cNvSpPr>
+            <a:spLocks noGrp="1"/>
+          </p:cNvSpPr>
+          <p:nvPr>
+            <p:ph type="title"/>
+          </p:nvPr>
+        </p:nvSpPr>
+        <p:spPr/>
+        <p:txBody>
+          <a:bodyPr/>
+          <a:lstStyle/>
+          <a:p>
+            <a:r>
+              <a:rPr lang="en-US" dirty="0"/>
+              <a:t>Creating a Google Application</a:t>
+            </a:r>
+            <a:endParaRPr lang="en-CA" dirty="0"/>
+          </a:p>
+        </p:txBody>
+      </p:sp>
+      <p:pic>
+        <p:nvPicPr>
+          <p:cNvPr id="3" name="Content Placeholder 2">
+            <a:extLst>
+              <a:ext uri="{FF2B5EF4-FFF2-40B4-BE49-F238E27FC236}">
+                <a16:creationId xmlns:a16="http://schemas.microsoft.com/office/drawing/2014/main" id="{621A78BF-76CE-4070-B76E-DB69CFDF8B9D}"/>
+              </a:ext>
+            </a:extLst>
+          </p:cNvPr>
+          <p:cNvPicPr>
+            <a:picLocks noGrp="1" noChangeAspect="1"/>
+          </p:cNvPicPr>
+          <p:nvPr>
+            <p:ph idx="1"/>
+          </p:nvPr>
+        </p:nvPicPr>
+        <p:blipFill>
+          <a:blip r:embed="rId2"/>
+          <a:stretch>
+            <a:fillRect/>
+          </a:stretch>
+        </p:blipFill>
+        <p:spPr>
+          <a:xfrm>
+            <a:off x="1141415" y="1879566"/>
+            <a:ext cx="9407511" cy="4738494"/>
+          </a:xfrm>
+          <a:prstGeom prst="rect">
+            <a:avLst/>
+          </a:prstGeom>
+        </p:spPr>
+      </p:pic>
+      <p:sp>
+        <p:nvSpPr>
+          <p:cNvPr id="5" name="Rectangle 4">
+            <a:extLst>
+              <a:ext uri="{FF2B5EF4-FFF2-40B4-BE49-F238E27FC236}">
+                <a16:creationId xmlns:a16="http://schemas.microsoft.com/office/drawing/2014/main" id="{458F1169-789D-4D06-9B3A-099BDADD16C0}"/>
+              </a:ext>
+            </a:extLst>
+          </p:cNvPr>
+          <p:cNvSpPr/>
+          <p:nvPr/>
+        </p:nvSpPr>
+        <p:spPr>
+          <a:xfrm>
+            <a:off x="1141413" y="1505554"/>
+            <a:ext cx="7454284" cy="369332"/>
+          </a:xfrm>
+          <a:prstGeom prst="rect">
+            <a:avLst/>
+          </a:prstGeom>
+        </p:spPr>
+        <p:txBody>
+          <a:bodyPr wrap="square">
+            <a:spAutoFit/>
+          </a:bodyPr>
+          <a:lstStyle/>
+          <a:p>
+            <a:r>
+              <a:rPr lang="en-CA" dirty="0"/>
+              <a:t>Visit </a:t>
+            </a:r>
+            <a:r>
+              <a:rPr lang="en-CA" dirty="0">
+                <a:hlinkClick r:id="rId3"/>
+              </a:rPr>
+              <a:t>https://console.developers.google.com/projectselector/apis/library</a:t>
+            </a:r>
+            <a:r>
+              <a:rPr lang="en-CA" dirty="0"/>
+              <a:t> </a:t>
+            </a:r>
+          </a:p>
+        </p:txBody>
+      </p:sp>
+    </p:spTree>
+    <p:extLst>
+      <p:ext uri="{BB962C8B-B14F-4D97-AF65-F5344CB8AC3E}">
+        <p14:creationId xmlns:p14="http://schemas.microsoft.com/office/powerpoint/2010/main" val="2423879350"/>
+      </p:ext>
+    </p:extLst>
+  </p:cSld>
+  <p:clrMapOvr>
+    <a:masterClrMapping/>
+  </p:clrMapOvr>
+</p:sld>
+</file>
+
+<file path=ppt/slides/slide26.xml><?xml version="1.0" encoding="utf-8"?>
+<p:sld xmlns:a="http://schemas.openxmlformats.org/drawingml/2006/main" xmlns:r="http://schemas.openxmlformats.org/officeDocument/2006/relationships" xmlns:p="http://schemas.openxmlformats.org/presentationml/2006/main">
+  <p:cSld>
+    <p:spTree>
+      <p:nvGrpSpPr>
+        <p:cNvPr id="1" name=""/>
+        <p:cNvGrpSpPr/>
+        <p:nvPr/>
+      </p:nvGrpSpPr>
+      <p:grpSpPr>
+        <a:xfrm>
+          <a:off x="0" y="0"/>
+          <a:ext cx="0" cy="0"/>
+          <a:chOff x="0" y="0"/>
+          <a:chExt cx="0" cy="0"/>
+        </a:xfrm>
+      </p:grpSpPr>
+      <p:sp>
+        <p:nvSpPr>
+          <p:cNvPr id="2" name="Title 1">
+            <a:extLst>
+              <a:ext uri="{FF2B5EF4-FFF2-40B4-BE49-F238E27FC236}">
+                <a16:creationId xmlns:a16="http://schemas.microsoft.com/office/drawing/2014/main" id="{870DCF92-EF91-4B14-813B-AB01571E4752}"/>
+              </a:ext>
+            </a:extLst>
+          </p:cNvPr>
+          <p:cNvSpPr>
+            <a:spLocks noGrp="1"/>
+          </p:cNvSpPr>
+          <p:nvPr>
+            <p:ph type="title"/>
+          </p:nvPr>
+        </p:nvSpPr>
+        <p:spPr/>
+        <p:txBody>
+          <a:bodyPr/>
+          <a:lstStyle/>
+          <a:p>
+            <a:r>
+              <a:rPr lang="en-US" dirty="0"/>
+              <a:t>Creating a Google Application</a:t>
+            </a:r>
+            <a:endParaRPr lang="en-CA" dirty="0"/>
+          </a:p>
+        </p:txBody>
+      </p:sp>
+      <p:pic>
+        <p:nvPicPr>
+          <p:cNvPr id="3" name="Content Placeholder 2">
+            <a:extLst>
+              <a:ext uri="{FF2B5EF4-FFF2-40B4-BE49-F238E27FC236}">
+                <a16:creationId xmlns:a16="http://schemas.microsoft.com/office/drawing/2014/main" id="{621A78BF-76CE-4070-B76E-DB69CFDF8B9D}"/>
+              </a:ext>
+            </a:extLst>
+          </p:cNvPr>
+          <p:cNvPicPr>
+            <a:picLocks noGrp="1" noChangeAspect="1"/>
+          </p:cNvPicPr>
+          <p:nvPr>
+            <p:ph idx="1"/>
+          </p:nvPr>
+        </p:nvPicPr>
+        <p:blipFill>
+          <a:blip r:embed="rId2"/>
+          <a:stretch>
+            <a:fillRect/>
+          </a:stretch>
+        </p:blipFill>
+        <p:spPr>
+          <a:xfrm>
+            <a:off x="1141416" y="1879566"/>
+            <a:ext cx="9407509" cy="4738494"/>
+          </a:xfrm>
+          <a:prstGeom prst="rect">
+            <a:avLst/>
+          </a:prstGeom>
+        </p:spPr>
+      </p:pic>
+      <p:sp>
+        <p:nvSpPr>
+          <p:cNvPr id="5" name="Rectangle 4">
+            <a:extLst>
+              <a:ext uri="{FF2B5EF4-FFF2-40B4-BE49-F238E27FC236}">
+                <a16:creationId xmlns:a16="http://schemas.microsoft.com/office/drawing/2014/main" id="{458F1169-789D-4D06-9B3A-099BDADD16C0}"/>
+              </a:ext>
+            </a:extLst>
+          </p:cNvPr>
+          <p:cNvSpPr/>
+          <p:nvPr/>
+        </p:nvSpPr>
+        <p:spPr>
+          <a:xfrm>
+            <a:off x="1141413" y="1505554"/>
+            <a:ext cx="7454284" cy="369332"/>
+          </a:xfrm>
+          <a:prstGeom prst="rect">
+            <a:avLst/>
+          </a:prstGeom>
+        </p:spPr>
+        <p:txBody>
+          <a:bodyPr wrap="square">
+            <a:spAutoFit/>
+          </a:bodyPr>
+          <a:lstStyle/>
+          <a:p>
+            <a:r>
+              <a:rPr lang="en-CA" dirty="0"/>
+              <a:t>Visit </a:t>
+            </a:r>
+            <a:r>
+              <a:rPr lang="en-CA" dirty="0">
+                <a:hlinkClick r:id="rId3"/>
+              </a:rPr>
+              <a:t>https://console.developers.google.com/projectselector/apis/library</a:t>
+            </a:r>
+            <a:r>
+              <a:rPr lang="en-CA" dirty="0"/>
+              <a:t> </a:t>
+            </a:r>
+          </a:p>
+        </p:txBody>
+      </p:sp>
+    </p:spTree>
+    <p:extLst>
+      <p:ext uri="{BB962C8B-B14F-4D97-AF65-F5344CB8AC3E}">
+        <p14:creationId xmlns:p14="http://schemas.microsoft.com/office/powerpoint/2010/main" val="3616150889"/>
+      </p:ext>
+    </p:extLst>
+  </p:cSld>
+  <p:clrMapOvr>
+    <a:masterClrMapping/>
+  </p:clrMapOvr>
+</p:sld>
+</file>
+
+<file path=ppt/slides/slide27.xml><?xml version="1.0" encoding="utf-8"?>
+<p:sld xmlns:a="http://schemas.openxmlformats.org/drawingml/2006/main" xmlns:r="http://schemas.openxmlformats.org/officeDocument/2006/relationships" xmlns:p="http://schemas.openxmlformats.org/presentationml/2006/main">
+  <p:cSld>
+    <p:spTree>
+      <p:nvGrpSpPr>
+        <p:cNvPr id="1" name=""/>
+        <p:cNvGrpSpPr/>
+        <p:nvPr/>
+      </p:nvGrpSpPr>
+      <p:grpSpPr>
+        <a:xfrm>
+          <a:off x="0" y="0"/>
+          <a:ext cx="0" cy="0"/>
+          <a:chOff x="0" y="0"/>
+          <a:chExt cx="0" cy="0"/>
+        </a:xfrm>
+      </p:grpSpPr>
+      <p:sp>
+        <p:nvSpPr>
+          <p:cNvPr id="2" name="Title 1">
+            <a:extLst>
+              <a:ext uri="{FF2B5EF4-FFF2-40B4-BE49-F238E27FC236}">
+                <a16:creationId xmlns:a16="http://schemas.microsoft.com/office/drawing/2014/main" id="{870DCF92-EF91-4B14-813B-AB01571E4752}"/>
+              </a:ext>
+            </a:extLst>
+          </p:cNvPr>
+          <p:cNvSpPr>
+            <a:spLocks noGrp="1"/>
+          </p:cNvSpPr>
+          <p:nvPr>
+            <p:ph type="title"/>
+          </p:nvPr>
+        </p:nvSpPr>
+        <p:spPr/>
+        <p:txBody>
+          <a:bodyPr/>
+          <a:lstStyle/>
+          <a:p>
+            <a:r>
+              <a:rPr lang="en-US" dirty="0"/>
+              <a:t>Creating a Google Application</a:t>
+            </a:r>
+            <a:endParaRPr lang="en-CA" dirty="0"/>
+          </a:p>
+        </p:txBody>
+      </p:sp>
+      <p:pic>
+        <p:nvPicPr>
+          <p:cNvPr id="3" name="Content Placeholder 2">
+            <a:extLst>
+              <a:ext uri="{FF2B5EF4-FFF2-40B4-BE49-F238E27FC236}">
+                <a16:creationId xmlns:a16="http://schemas.microsoft.com/office/drawing/2014/main" id="{621A78BF-76CE-4070-B76E-DB69CFDF8B9D}"/>
+              </a:ext>
+            </a:extLst>
+          </p:cNvPr>
+          <p:cNvPicPr>
+            <a:picLocks noGrp="1" noChangeAspect="1"/>
+          </p:cNvPicPr>
+          <p:nvPr>
+            <p:ph idx="1"/>
+          </p:nvPr>
+        </p:nvPicPr>
+        <p:blipFill>
+          <a:blip r:embed="rId2"/>
+          <a:stretch>
+            <a:fillRect/>
+          </a:stretch>
+        </p:blipFill>
+        <p:spPr>
+          <a:xfrm>
+            <a:off x="1141416" y="1879566"/>
+            <a:ext cx="9407508" cy="4738494"/>
+          </a:xfrm>
+          <a:prstGeom prst="rect">
+            <a:avLst/>
+          </a:prstGeom>
+        </p:spPr>
+      </p:pic>
+      <p:sp>
+        <p:nvSpPr>
+          <p:cNvPr id="5" name="Rectangle 4">
+            <a:extLst>
+              <a:ext uri="{FF2B5EF4-FFF2-40B4-BE49-F238E27FC236}">
+                <a16:creationId xmlns:a16="http://schemas.microsoft.com/office/drawing/2014/main" id="{458F1169-789D-4D06-9B3A-099BDADD16C0}"/>
+              </a:ext>
+            </a:extLst>
+          </p:cNvPr>
+          <p:cNvSpPr/>
+          <p:nvPr/>
+        </p:nvSpPr>
+        <p:spPr>
+          <a:xfrm>
+            <a:off x="1141413" y="1505554"/>
+            <a:ext cx="7454284" cy="369332"/>
+          </a:xfrm>
+          <a:prstGeom prst="rect">
+            <a:avLst/>
+          </a:prstGeom>
+        </p:spPr>
+        <p:txBody>
+          <a:bodyPr wrap="square">
+            <a:spAutoFit/>
+          </a:bodyPr>
+          <a:lstStyle/>
+          <a:p>
+            <a:r>
+              <a:rPr lang="en-CA" dirty="0"/>
+              <a:t>Visit </a:t>
+            </a:r>
+            <a:r>
+              <a:rPr lang="en-CA" dirty="0">
+                <a:hlinkClick r:id="rId3"/>
+              </a:rPr>
+              <a:t>https://console.developers.google.com/projectselector/apis/library</a:t>
+            </a:r>
+            <a:r>
+              <a:rPr lang="en-CA" dirty="0"/>
+              <a:t> </a:t>
+            </a:r>
+          </a:p>
+        </p:txBody>
+      </p:sp>
+    </p:spTree>
+    <p:extLst>
+      <p:ext uri="{BB962C8B-B14F-4D97-AF65-F5344CB8AC3E}">
+        <p14:creationId xmlns:p14="http://schemas.microsoft.com/office/powerpoint/2010/main" val="1949340907"/>
+      </p:ext>
+    </p:extLst>
+  </p:cSld>
+  <p:clrMapOvr>
+    <a:masterClrMapping/>
+  </p:clrMapOvr>
+</p:sld>
+</file>
+
+<file path=ppt/slides/slide28.xml><?xml version="1.0" encoding="utf-8"?>
+<p:sld xmlns:a="http://schemas.openxmlformats.org/drawingml/2006/main" xmlns:r="http://schemas.openxmlformats.org/officeDocument/2006/relationships" xmlns:p="http://schemas.openxmlformats.org/presentationml/2006/main">
+  <p:cSld>
+    <p:spTree>
+      <p:nvGrpSpPr>
+        <p:cNvPr id="1" name=""/>
+        <p:cNvGrpSpPr/>
+        <p:nvPr/>
+      </p:nvGrpSpPr>
+      <p:grpSpPr>
+        <a:xfrm>
+          <a:off x="0" y="0"/>
+          <a:ext cx="0" cy="0"/>
+          <a:chOff x="0" y="0"/>
+          <a:chExt cx="0" cy="0"/>
+        </a:xfrm>
+      </p:grpSpPr>
+      <p:sp>
+        <p:nvSpPr>
+          <p:cNvPr id="2" name="Title 1">
+            <a:extLst>
+              <a:ext uri="{FF2B5EF4-FFF2-40B4-BE49-F238E27FC236}">
+                <a16:creationId xmlns:a16="http://schemas.microsoft.com/office/drawing/2014/main" id="{870DCF92-EF91-4B14-813B-AB01571E4752}"/>
+              </a:ext>
+            </a:extLst>
+          </p:cNvPr>
+          <p:cNvSpPr>
+            <a:spLocks noGrp="1"/>
+          </p:cNvSpPr>
+          <p:nvPr>
+            <p:ph type="title"/>
+          </p:nvPr>
+        </p:nvSpPr>
+        <p:spPr/>
+        <p:txBody>
+          <a:bodyPr/>
+          <a:lstStyle/>
+          <a:p>
+            <a:r>
+              <a:rPr lang="en-US" dirty="0"/>
+              <a:t>Creating a Google Application</a:t>
+            </a:r>
+            <a:endParaRPr lang="en-CA" dirty="0"/>
+          </a:p>
+        </p:txBody>
+      </p:sp>
+      <p:pic>
+        <p:nvPicPr>
+          <p:cNvPr id="3" name="Content Placeholder 2">
+            <a:extLst>
+              <a:ext uri="{FF2B5EF4-FFF2-40B4-BE49-F238E27FC236}">
+                <a16:creationId xmlns:a16="http://schemas.microsoft.com/office/drawing/2014/main" id="{621A78BF-76CE-4070-B76E-DB69CFDF8B9D}"/>
+              </a:ext>
+            </a:extLst>
+          </p:cNvPr>
+          <p:cNvPicPr>
+            <a:picLocks noGrp="1" noChangeAspect="1"/>
+          </p:cNvPicPr>
+          <p:nvPr>
+            <p:ph idx="1"/>
+          </p:nvPr>
+        </p:nvPicPr>
+        <p:blipFill>
+          <a:blip r:embed="rId2"/>
+          <a:stretch>
+            <a:fillRect/>
+          </a:stretch>
+        </p:blipFill>
+        <p:spPr>
+          <a:xfrm>
+            <a:off x="1141416" y="1879566"/>
+            <a:ext cx="9407508" cy="4738493"/>
+          </a:xfrm>
+          <a:prstGeom prst="rect">
+            <a:avLst/>
+          </a:prstGeom>
+        </p:spPr>
+      </p:pic>
+      <p:sp>
+        <p:nvSpPr>
+          <p:cNvPr id="5" name="Rectangle 4">
+            <a:extLst>
+              <a:ext uri="{FF2B5EF4-FFF2-40B4-BE49-F238E27FC236}">
+                <a16:creationId xmlns:a16="http://schemas.microsoft.com/office/drawing/2014/main" id="{458F1169-789D-4D06-9B3A-099BDADD16C0}"/>
+              </a:ext>
+            </a:extLst>
+          </p:cNvPr>
+          <p:cNvSpPr/>
+          <p:nvPr/>
+        </p:nvSpPr>
+        <p:spPr>
+          <a:xfrm>
+            <a:off x="1141413" y="1505554"/>
+            <a:ext cx="7454284" cy="369332"/>
+          </a:xfrm>
+          <a:prstGeom prst="rect">
+            <a:avLst/>
+          </a:prstGeom>
+        </p:spPr>
+        <p:txBody>
+          <a:bodyPr wrap="square">
+            <a:spAutoFit/>
+          </a:bodyPr>
+          <a:lstStyle/>
+          <a:p>
+            <a:r>
+              <a:rPr lang="en-CA" dirty="0"/>
+              <a:t>Visit </a:t>
+            </a:r>
+            <a:r>
+              <a:rPr lang="en-CA" dirty="0">
+                <a:hlinkClick r:id="rId3"/>
+              </a:rPr>
+              <a:t>https://console.developers.google.com/projectselector/apis/library</a:t>
+            </a:r>
+            <a:r>
+              <a:rPr lang="en-CA" dirty="0"/>
+              <a:t> </a:t>
+            </a:r>
+          </a:p>
+        </p:txBody>
+      </p:sp>
+    </p:spTree>
+    <p:extLst>
+      <p:ext uri="{BB962C8B-B14F-4D97-AF65-F5344CB8AC3E}">
+        <p14:creationId xmlns:p14="http://schemas.microsoft.com/office/powerpoint/2010/main" val="452770453"/>
+      </p:ext>
+    </p:extLst>
+  </p:cSld>
+  <p:clrMapOvr>
+    <a:masterClrMapping/>
+  </p:clrMapOvr>
+</p:sld>
+</file>
+
+<file path=ppt/slides/slide29.xml><?xml version="1.0" encoding="utf-8"?>
+<p:sld xmlns:a="http://schemas.openxmlformats.org/drawingml/2006/main" xmlns:r="http://schemas.openxmlformats.org/officeDocument/2006/relationships" xmlns:p="http://schemas.openxmlformats.org/presentationml/2006/main">
+  <p:cSld>
+    <p:spTree>
+      <p:nvGrpSpPr>
+        <p:cNvPr id="1" name=""/>
+        <p:cNvGrpSpPr/>
+        <p:nvPr/>
+      </p:nvGrpSpPr>
+      <p:grpSpPr>
+        <a:xfrm>
+          <a:off x="0" y="0"/>
+          <a:ext cx="0" cy="0"/>
+          <a:chOff x="0" y="0"/>
+          <a:chExt cx="0" cy="0"/>
+        </a:xfrm>
+      </p:grpSpPr>
+      <p:sp>
+        <p:nvSpPr>
+          <p:cNvPr id="2" name="Title 1">
+            <a:extLst>
+              <a:ext uri="{FF2B5EF4-FFF2-40B4-BE49-F238E27FC236}">
+                <a16:creationId xmlns:a16="http://schemas.microsoft.com/office/drawing/2014/main" id="{870DCF92-EF91-4B14-813B-AB01571E4752}"/>
+              </a:ext>
+            </a:extLst>
+          </p:cNvPr>
+          <p:cNvSpPr>
+            <a:spLocks noGrp="1"/>
+          </p:cNvSpPr>
+          <p:nvPr>
+            <p:ph type="title"/>
+          </p:nvPr>
+        </p:nvSpPr>
+        <p:spPr/>
+        <p:txBody>
+          <a:bodyPr/>
+          <a:lstStyle/>
+          <a:p>
+            <a:r>
+              <a:rPr lang="en-US" dirty="0"/>
+              <a:t>Creating a Google Application</a:t>
+            </a:r>
+            <a:endParaRPr lang="en-CA" dirty="0"/>
+          </a:p>
+        </p:txBody>
+      </p:sp>
+      <p:pic>
+        <p:nvPicPr>
+          <p:cNvPr id="3" name="Content Placeholder 2">
+            <a:extLst>
+              <a:ext uri="{FF2B5EF4-FFF2-40B4-BE49-F238E27FC236}">
+                <a16:creationId xmlns:a16="http://schemas.microsoft.com/office/drawing/2014/main" id="{621A78BF-76CE-4070-B76E-DB69CFDF8B9D}"/>
+              </a:ext>
+            </a:extLst>
+          </p:cNvPr>
+          <p:cNvPicPr>
+            <a:picLocks noGrp="1" noChangeAspect="1"/>
+          </p:cNvPicPr>
+          <p:nvPr>
+            <p:ph idx="1"/>
+          </p:nvPr>
+        </p:nvPicPr>
+        <p:blipFill>
+          <a:blip r:embed="rId2"/>
+          <a:stretch>
+            <a:fillRect/>
+          </a:stretch>
+        </p:blipFill>
+        <p:spPr>
+          <a:xfrm>
+            <a:off x="1141416" y="1879566"/>
+            <a:ext cx="9407507" cy="4738493"/>
+          </a:xfrm>
+          <a:prstGeom prst="rect">
+            <a:avLst/>
+          </a:prstGeom>
+        </p:spPr>
+      </p:pic>
+      <p:sp>
+        <p:nvSpPr>
+          <p:cNvPr id="5" name="Rectangle 4">
+            <a:extLst>
+              <a:ext uri="{FF2B5EF4-FFF2-40B4-BE49-F238E27FC236}">
+                <a16:creationId xmlns:a16="http://schemas.microsoft.com/office/drawing/2014/main" id="{458F1169-789D-4D06-9B3A-099BDADD16C0}"/>
+              </a:ext>
+            </a:extLst>
+          </p:cNvPr>
+          <p:cNvSpPr/>
+          <p:nvPr/>
+        </p:nvSpPr>
+        <p:spPr>
+          <a:xfrm>
+            <a:off x="1141413" y="1505554"/>
+            <a:ext cx="7454284" cy="369332"/>
+          </a:xfrm>
+          <a:prstGeom prst="rect">
+            <a:avLst/>
+          </a:prstGeom>
+        </p:spPr>
+        <p:txBody>
+          <a:bodyPr wrap="square">
+            <a:spAutoFit/>
+          </a:bodyPr>
+          <a:lstStyle/>
+          <a:p>
+            <a:r>
+              <a:rPr lang="en-CA" dirty="0"/>
+              <a:t>Visit </a:t>
+            </a:r>
+            <a:r>
+              <a:rPr lang="en-CA" dirty="0">
+                <a:hlinkClick r:id="rId3"/>
+              </a:rPr>
+              <a:t>https://console.developers.google.com/projectselector/apis/library</a:t>
+            </a:r>
+            <a:r>
+              <a:rPr lang="en-CA" dirty="0"/>
+              <a:t> </a:t>
+            </a:r>
+          </a:p>
+        </p:txBody>
+      </p:sp>
+    </p:spTree>
+    <p:extLst>
+      <p:ext uri="{BB962C8B-B14F-4D97-AF65-F5344CB8AC3E}">
+        <p14:creationId xmlns:p14="http://schemas.microsoft.com/office/powerpoint/2010/main" val="3063162331"/>
+      </p:ext>
+    </p:extLst>
+  </p:cSld>
+  <p:clrMapOvr>
+    <a:masterClrMapping/>
+  </p:clrMapOvr>
+</p:sld>
+</file>
+
+<file path=ppt/slides/slide3.xml><?xml version="1.0" encoding="utf-8"?>
+<p:sld xmlns:a="http://schemas.openxmlformats.org/drawingml/2006/main" xmlns:r="http://schemas.openxmlformats.org/officeDocument/2006/relationships" xmlns:p="http://schemas.openxmlformats.org/presentationml/2006/main">
+  <p:cSld>
+    <p:spTree>
+      <p:nvGrpSpPr>
+        <p:cNvPr id="1" name=""/>
+        <p:cNvGrpSpPr/>
+        <p:nvPr/>
+      </p:nvGrpSpPr>
+      <p:grpSpPr>
+        <a:xfrm>
+          <a:off x="0" y="0"/>
+          <a:ext cx="0" cy="0"/>
+          <a:chOff x="0" y="0"/>
+          <a:chExt cx="0" cy="0"/>
+        </a:xfrm>
+      </p:grpSpPr>
+      <p:sp>
+        <p:nvSpPr>
+          <p:cNvPr id="2" name="Title 1">
+            <a:extLst>
+              <a:ext uri="{FF2B5EF4-FFF2-40B4-BE49-F238E27FC236}">
+                <a16:creationId xmlns:a16="http://schemas.microsoft.com/office/drawing/2014/main" id="{870DCF92-EF91-4B14-813B-AB01571E4752}"/>
+              </a:ext>
+            </a:extLst>
+          </p:cNvPr>
+          <p:cNvSpPr>
+            <a:spLocks noGrp="1"/>
+          </p:cNvSpPr>
+          <p:nvPr>
+            <p:ph type="title"/>
+          </p:nvPr>
+        </p:nvSpPr>
+        <p:spPr/>
+        <p:txBody>
+          <a:bodyPr/>
+          <a:lstStyle/>
+          <a:p>
+            <a:r>
+              <a:rPr lang="en-US" dirty="0"/>
+              <a:t>Implementation of ASP.NET Core Web App</a:t>
+            </a:r>
+            <a:endParaRPr lang="en-CA" dirty="0"/>
+          </a:p>
+        </p:txBody>
+      </p:sp>
+      <p:pic>
+        <p:nvPicPr>
+          <p:cNvPr id="4" name="Content Placeholder 3">
+            <a:extLst>
+              <a:ext uri="{FF2B5EF4-FFF2-40B4-BE49-F238E27FC236}">
+                <a16:creationId xmlns:a16="http://schemas.microsoft.com/office/drawing/2014/main" id="{759AE50F-D9EA-44B4-BC26-1B0D181534EA}"/>
+              </a:ext>
+            </a:extLst>
+          </p:cNvPr>
+          <p:cNvPicPr>
+            <a:picLocks noGrp="1" noChangeAspect="1"/>
+          </p:cNvPicPr>
+          <p:nvPr>
+            <p:ph idx="1"/>
+          </p:nvPr>
+        </p:nvPicPr>
+        <p:blipFill>
+          <a:blip r:embed="rId2"/>
+          <a:stretch>
+            <a:fillRect/>
+          </a:stretch>
+        </p:blipFill>
+        <p:spPr>
+          <a:xfrm>
+            <a:off x="2532814" y="1648210"/>
+            <a:ext cx="7123195" cy="4943089"/>
+          </a:xfrm>
+          <a:prstGeom prst="rect">
+            <a:avLst/>
+          </a:prstGeom>
+        </p:spPr>
+      </p:pic>
+    </p:spTree>
+    <p:extLst>
+      <p:ext uri="{BB962C8B-B14F-4D97-AF65-F5344CB8AC3E}">
+        <p14:creationId xmlns:p14="http://schemas.microsoft.com/office/powerpoint/2010/main" val="3722905568"/>
+      </p:ext>
+    </p:extLst>
+  </p:cSld>
+  <p:clrMapOvr>
+    <a:masterClrMapping/>
+  </p:clrMapOvr>
+</p:sld>
+</file>
+
+<file path=ppt/slides/slide30.xml><?xml version="1.0" encoding="utf-8"?>
+<p:sld xmlns:a="http://schemas.openxmlformats.org/drawingml/2006/main" xmlns:r="http://schemas.openxmlformats.org/officeDocument/2006/relationships" xmlns:p="http://schemas.openxmlformats.org/presentationml/2006/main">
+  <p:cSld>
+    <p:spTree>
+      <p:nvGrpSpPr>
+        <p:cNvPr id="1" name=""/>
+        <p:cNvGrpSpPr/>
+        <p:nvPr/>
+      </p:nvGrpSpPr>
+      <p:grpSpPr>
+        <a:xfrm>
+          <a:off x="0" y="0"/>
+          <a:ext cx="0" cy="0"/>
+          <a:chOff x="0" y="0"/>
+          <a:chExt cx="0" cy="0"/>
+        </a:xfrm>
+      </p:grpSpPr>
+      <p:sp>
+        <p:nvSpPr>
+          <p:cNvPr id="2" name="Title 1">
+            <a:extLst>
+              <a:ext uri="{FF2B5EF4-FFF2-40B4-BE49-F238E27FC236}">
+                <a16:creationId xmlns:a16="http://schemas.microsoft.com/office/drawing/2014/main" id="{870DCF92-EF91-4B14-813B-AB01571E4752}"/>
+              </a:ext>
+            </a:extLst>
+          </p:cNvPr>
+          <p:cNvSpPr>
+            <a:spLocks noGrp="1"/>
+          </p:cNvSpPr>
+          <p:nvPr>
+            <p:ph type="title"/>
+          </p:nvPr>
+        </p:nvSpPr>
+        <p:spPr/>
+        <p:txBody>
+          <a:bodyPr/>
+          <a:lstStyle/>
+          <a:p>
+            <a:r>
+              <a:rPr lang="en-US" dirty="0"/>
+              <a:t>Creating a Google Application</a:t>
+            </a:r>
+            <a:endParaRPr lang="en-CA" dirty="0"/>
+          </a:p>
+        </p:txBody>
+      </p:sp>
+      <p:pic>
+        <p:nvPicPr>
+          <p:cNvPr id="3" name="Content Placeholder 2">
+            <a:extLst>
+              <a:ext uri="{FF2B5EF4-FFF2-40B4-BE49-F238E27FC236}">
+                <a16:creationId xmlns:a16="http://schemas.microsoft.com/office/drawing/2014/main" id="{621A78BF-76CE-4070-B76E-DB69CFDF8B9D}"/>
+              </a:ext>
+            </a:extLst>
+          </p:cNvPr>
+          <p:cNvPicPr>
+            <a:picLocks noGrp="1" noChangeAspect="1"/>
+          </p:cNvPicPr>
+          <p:nvPr>
+            <p:ph idx="1"/>
+          </p:nvPr>
+        </p:nvPicPr>
+        <p:blipFill>
+          <a:blip r:embed="rId2"/>
+          <a:stretch>
+            <a:fillRect/>
+          </a:stretch>
+        </p:blipFill>
+        <p:spPr>
+          <a:xfrm>
+            <a:off x="1141416" y="2049790"/>
+            <a:ext cx="9407507" cy="4398044"/>
+          </a:xfrm>
+          <a:prstGeom prst="rect">
+            <a:avLst/>
+          </a:prstGeom>
+        </p:spPr>
+      </p:pic>
+      <p:sp>
+        <p:nvSpPr>
+          <p:cNvPr id="5" name="Rectangle 4">
+            <a:extLst>
+              <a:ext uri="{FF2B5EF4-FFF2-40B4-BE49-F238E27FC236}">
+                <a16:creationId xmlns:a16="http://schemas.microsoft.com/office/drawing/2014/main" id="{458F1169-789D-4D06-9B3A-099BDADD16C0}"/>
+              </a:ext>
+            </a:extLst>
+          </p:cNvPr>
+          <p:cNvSpPr/>
+          <p:nvPr/>
+        </p:nvSpPr>
+        <p:spPr>
+          <a:xfrm>
+            <a:off x="1141413" y="1505554"/>
+            <a:ext cx="7454284" cy="369332"/>
+          </a:xfrm>
+          <a:prstGeom prst="rect">
+            <a:avLst/>
+          </a:prstGeom>
+        </p:spPr>
+        <p:txBody>
+          <a:bodyPr wrap="square">
+            <a:spAutoFit/>
+          </a:bodyPr>
+          <a:lstStyle/>
+          <a:p>
+            <a:r>
+              <a:rPr lang="en-CA" dirty="0"/>
+              <a:t>Visit </a:t>
+            </a:r>
+            <a:r>
+              <a:rPr lang="en-CA" dirty="0">
+                <a:hlinkClick r:id="rId3"/>
+              </a:rPr>
+              <a:t>https://console.developers.google.com/projectselector/apis/library</a:t>
+            </a:r>
+            <a:r>
+              <a:rPr lang="en-CA" dirty="0"/>
+              <a:t> </a:t>
+            </a:r>
+          </a:p>
+        </p:txBody>
+      </p:sp>
+    </p:spTree>
+    <p:extLst>
+      <p:ext uri="{BB962C8B-B14F-4D97-AF65-F5344CB8AC3E}">
+        <p14:creationId xmlns:p14="http://schemas.microsoft.com/office/powerpoint/2010/main" val="959340619"/>
+      </p:ext>
+    </p:extLst>
+  </p:cSld>
+  <p:clrMapOvr>
+    <a:masterClrMapping/>
+  </p:clrMapOvr>
+</p:sld>
+</file>
+
+<file path=ppt/slides/slide31.xml><?xml version="1.0" encoding="utf-8"?>
+<p:sld xmlns:a="http://schemas.openxmlformats.org/drawingml/2006/main" xmlns:r="http://schemas.openxmlformats.org/officeDocument/2006/relationships" xmlns:p="http://schemas.openxmlformats.org/presentationml/2006/main">
+  <p:cSld>
+    <p:spTree>
+      <p:nvGrpSpPr>
+        <p:cNvPr id="1" name=""/>
+        <p:cNvGrpSpPr/>
+        <p:nvPr/>
+      </p:nvGrpSpPr>
+      <p:grpSpPr>
+        <a:xfrm>
+          <a:off x="0" y="0"/>
+          <a:ext cx="0" cy="0"/>
+          <a:chOff x="0" y="0"/>
+          <a:chExt cx="0" cy="0"/>
+        </a:xfrm>
+      </p:grpSpPr>
+      <p:sp>
+        <p:nvSpPr>
+          <p:cNvPr id="2" name="Title 1">
+            <a:extLst>
+              <a:ext uri="{FF2B5EF4-FFF2-40B4-BE49-F238E27FC236}">
+                <a16:creationId xmlns:a16="http://schemas.microsoft.com/office/drawing/2014/main" id="{870DCF92-EF91-4B14-813B-AB01571E4752}"/>
+              </a:ext>
+            </a:extLst>
+          </p:cNvPr>
+          <p:cNvSpPr>
+            <a:spLocks noGrp="1"/>
+          </p:cNvSpPr>
+          <p:nvPr>
+            <p:ph type="title"/>
+          </p:nvPr>
+        </p:nvSpPr>
+        <p:spPr/>
+        <p:txBody>
+          <a:bodyPr/>
+          <a:lstStyle/>
+          <a:p>
+            <a:r>
+              <a:rPr lang="en-US" dirty="0"/>
+              <a:t>Configure Web App to use Google Auth</a:t>
+            </a:r>
+            <a:endParaRPr lang="en-CA" dirty="0"/>
+          </a:p>
+        </p:txBody>
+      </p:sp>
+      <p:pic>
+        <p:nvPicPr>
+          <p:cNvPr id="3" name="Content Placeholder 2">
+            <a:extLst>
+              <a:ext uri="{FF2B5EF4-FFF2-40B4-BE49-F238E27FC236}">
+                <a16:creationId xmlns:a16="http://schemas.microsoft.com/office/drawing/2014/main" id="{621A78BF-76CE-4070-B76E-DB69CFDF8B9D}"/>
+              </a:ext>
+            </a:extLst>
+          </p:cNvPr>
+          <p:cNvPicPr>
+            <a:picLocks noGrp="1" noChangeAspect="1"/>
+          </p:cNvPicPr>
+          <p:nvPr>
+            <p:ph idx="1"/>
+          </p:nvPr>
+        </p:nvPicPr>
+        <p:blipFill>
+          <a:blip r:embed="rId2"/>
+          <a:stretch>
+            <a:fillRect/>
+          </a:stretch>
+        </p:blipFill>
+        <p:spPr>
+          <a:xfrm>
+            <a:off x="1425754" y="1555290"/>
+            <a:ext cx="9337316" cy="5147351"/>
+          </a:xfrm>
+          <a:prstGeom prst="rect">
+            <a:avLst/>
+          </a:prstGeom>
+        </p:spPr>
+      </p:pic>
+    </p:spTree>
+    <p:extLst>
+      <p:ext uri="{BB962C8B-B14F-4D97-AF65-F5344CB8AC3E}">
+        <p14:creationId xmlns:p14="http://schemas.microsoft.com/office/powerpoint/2010/main" val="2632891017"/>
+      </p:ext>
+    </p:extLst>
+  </p:cSld>
+  <p:clrMapOvr>
+    <a:masterClrMapping/>
+  </p:clrMapOvr>
+</p:sld>
+</file>
+
+<file path=ppt/slides/slide32.xml><?xml version="1.0" encoding="utf-8"?>
+<p:sld xmlns:a="http://schemas.openxmlformats.org/drawingml/2006/main" xmlns:r="http://schemas.openxmlformats.org/officeDocument/2006/relationships" xmlns:p="http://schemas.openxmlformats.org/presentationml/2006/main">
+  <p:cSld>
+    <p:spTree>
+      <p:nvGrpSpPr>
+        <p:cNvPr id="1" name=""/>
+        <p:cNvGrpSpPr/>
+        <p:nvPr/>
+      </p:nvGrpSpPr>
+      <p:grpSpPr>
+        <a:xfrm>
+          <a:off x="0" y="0"/>
+          <a:ext cx="0" cy="0"/>
+          <a:chOff x="0" y="0"/>
+          <a:chExt cx="0" cy="0"/>
+        </a:xfrm>
+      </p:grpSpPr>
+      <p:sp>
+        <p:nvSpPr>
+          <p:cNvPr id="2" name="Title 1">
+            <a:extLst>
+              <a:ext uri="{FF2B5EF4-FFF2-40B4-BE49-F238E27FC236}">
+                <a16:creationId xmlns:a16="http://schemas.microsoft.com/office/drawing/2014/main" id="{870DCF92-EF91-4B14-813B-AB01571E4752}"/>
+              </a:ext>
+            </a:extLst>
+          </p:cNvPr>
+          <p:cNvSpPr>
+            <a:spLocks noGrp="1"/>
+          </p:cNvSpPr>
+          <p:nvPr>
+            <p:ph type="title"/>
+          </p:nvPr>
+        </p:nvSpPr>
+        <p:spPr/>
+        <p:txBody>
+          <a:bodyPr/>
+          <a:lstStyle/>
+          <a:p>
+            <a:r>
+              <a:rPr lang="en-US" dirty="0"/>
+              <a:t>Configure Web App to use Google Auth</a:t>
+            </a:r>
+            <a:endParaRPr lang="en-CA" dirty="0"/>
+          </a:p>
+        </p:txBody>
+      </p:sp>
+      <p:pic>
+        <p:nvPicPr>
+          <p:cNvPr id="3" name="Content Placeholder 2">
+            <a:extLst>
+              <a:ext uri="{FF2B5EF4-FFF2-40B4-BE49-F238E27FC236}">
+                <a16:creationId xmlns:a16="http://schemas.microsoft.com/office/drawing/2014/main" id="{621A78BF-76CE-4070-B76E-DB69CFDF8B9D}"/>
+              </a:ext>
+            </a:extLst>
+          </p:cNvPr>
+          <p:cNvPicPr>
+            <a:picLocks noGrp="1" noChangeAspect="1"/>
+          </p:cNvPicPr>
+          <p:nvPr>
+            <p:ph idx="1"/>
+          </p:nvPr>
+        </p:nvPicPr>
+        <p:blipFill>
+          <a:blip r:embed="rId2"/>
+          <a:stretch>
+            <a:fillRect/>
+          </a:stretch>
+        </p:blipFill>
+        <p:spPr>
+          <a:xfrm>
+            <a:off x="1425754" y="1555290"/>
+            <a:ext cx="9337316" cy="5147350"/>
+          </a:xfrm>
+          <a:prstGeom prst="rect">
+            <a:avLst/>
+          </a:prstGeom>
+        </p:spPr>
+      </p:pic>
+    </p:spTree>
+    <p:extLst>
+      <p:ext uri="{BB962C8B-B14F-4D97-AF65-F5344CB8AC3E}">
+        <p14:creationId xmlns:p14="http://schemas.microsoft.com/office/powerpoint/2010/main" val="1404624610"/>
+      </p:ext>
+    </p:extLst>
+  </p:cSld>
+  <p:clrMapOvr>
+    <a:masterClrMapping/>
+  </p:clrMapOvr>
+</p:sld>
+</file>
+
+<file path=ppt/slides/slide33.xml><?xml version="1.0" encoding="utf-8"?>
+<p:sld xmlns:a="http://schemas.openxmlformats.org/drawingml/2006/main" xmlns:r="http://schemas.openxmlformats.org/officeDocument/2006/relationships" xmlns:p="http://schemas.openxmlformats.org/presentationml/2006/main">
+  <p:cSld>
+    <p:spTree>
+      <p:nvGrpSpPr>
+        <p:cNvPr id="1" name=""/>
+        <p:cNvGrpSpPr/>
+        <p:nvPr/>
+      </p:nvGrpSpPr>
+      <p:grpSpPr>
+        <a:xfrm>
+          <a:off x="0" y="0"/>
+          <a:ext cx="0" cy="0"/>
+          <a:chOff x="0" y="0"/>
+          <a:chExt cx="0" cy="0"/>
+        </a:xfrm>
+      </p:grpSpPr>
+      <p:sp>
+        <p:nvSpPr>
+          <p:cNvPr id="2" name="Title 1">
+            <a:extLst>
+              <a:ext uri="{FF2B5EF4-FFF2-40B4-BE49-F238E27FC236}">
+                <a16:creationId xmlns:a16="http://schemas.microsoft.com/office/drawing/2014/main" id="{870DCF92-EF91-4B14-813B-AB01571E4752}"/>
+              </a:ext>
+            </a:extLst>
+          </p:cNvPr>
+          <p:cNvSpPr>
+            <a:spLocks noGrp="1"/>
+          </p:cNvSpPr>
+          <p:nvPr>
+            <p:ph type="title"/>
+          </p:nvPr>
+        </p:nvSpPr>
+        <p:spPr/>
+        <p:txBody>
+          <a:bodyPr/>
+          <a:lstStyle/>
+          <a:p>
+            <a:r>
+              <a:rPr lang="en-US" dirty="0"/>
+              <a:t>Configure Web App to use Google Auth</a:t>
+            </a:r>
+            <a:endParaRPr lang="en-CA" dirty="0"/>
+          </a:p>
+        </p:txBody>
+      </p:sp>
+      <p:pic>
+        <p:nvPicPr>
+          <p:cNvPr id="3" name="Content Placeholder 2">
+            <a:extLst>
+              <a:ext uri="{FF2B5EF4-FFF2-40B4-BE49-F238E27FC236}">
+                <a16:creationId xmlns:a16="http://schemas.microsoft.com/office/drawing/2014/main" id="{621A78BF-76CE-4070-B76E-DB69CFDF8B9D}"/>
+              </a:ext>
+            </a:extLst>
+          </p:cNvPr>
+          <p:cNvPicPr>
+            <a:picLocks noGrp="1" noChangeAspect="1"/>
+          </p:cNvPicPr>
+          <p:nvPr>
+            <p:ph idx="1"/>
+          </p:nvPr>
+        </p:nvPicPr>
+        <p:blipFill>
+          <a:blip r:embed="rId2"/>
+          <a:stretch>
+            <a:fillRect/>
+          </a:stretch>
+        </p:blipFill>
+        <p:spPr>
+          <a:xfrm>
+            <a:off x="1425754" y="1555290"/>
+            <a:ext cx="9337315" cy="5147350"/>
+          </a:xfrm>
+          <a:prstGeom prst="rect">
+            <a:avLst/>
+          </a:prstGeom>
+        </p:spPr>
+      </p:pic>
+    </p:spTree>
+    <p:extLst>
+      <p:ext uri="{BB962C8B-B14F-4D97-AF65-F5344CB8AC3E}">
+        <p14:creationId xmlns:p14="http://schemas.microsoft.com/office/powerpoint/2010/main" val="737979630"/>
+      </p:ext>
+    </p:extLst>
+  </p:cSld>
+  <p:clrMapOvr>
+    <a:masterClrMapping/>
+  </p:clrMapOvr>
+</p:sld>
+</file>
+
+<file path=ppt/slides/slide34.xml><?xml version="1.0" encoding="utf-8"?>
+<p:sld xmlns:a="http://schemas.openxmlformats.org/drawingml/2006/main" xmlns:r="http://schemas.openxmlformats.org/officeDocument/2006/relationships" xmlns:p="http://schemas.openxmlformats.org/presentationml/2006/main">
+  <p:cSld>
+    <p:spTree>
+      <p:nvGrpSpPr>
+        <p:cNvPr id="1" name=""/>
+        <p:cNvGrpSpPr/>
+        <p:nvPr/>
+      </p:nvGrpSpPr>
+      <p:grpSpPr>
+        <a:xfrm>
+          <a:off x="0" y="0"/>
+          <a:ext cx="0" cy="0"/>
+          <a:chOff x="0" y="0"/>
+          <a:chExt cx="0" cy="0"/>
+        </a:xfrm>
+      </p:grpSpPr>
+      <p:sp>
+        <p:nvSpPr>
+          <p:cNvPr id="2" name="Title 1">
+            <a:extLst>
+              <a:ext uri="{FF2B5EF4-FFF2-40B4-BE49-F238E27FC236}">
+                <a16:creationId xmlns:a16="http://schemas.microsoft.com/office/drawing/2014/main" id="{870DCF92-EF91-4B14-813B-AB01571E4752}"/>
+              </a:ext>
+            </a:extLst>
+          </p:cNvPr>
+          <p:cNvSpPr>
+            <a:spLocks noGrp="1"/>
+          </p:cNvSpPr>
+          <p:nvPr>
+            <p:ph type="title"/>
+          </p:nvPr>
+        </p:nvSpPr>
+        <p:spPr/>
+        <p:txBody>
+          <a:bodyPr/>
+          <a:lstStyle/>
+          <a:p>
+            <a:r>
+              <a:rPr lang="en-US" dirty="0"/>
+              <a:t>Configure Web App to use Google Auth</a:t>
+            </a:r>
+            <a:endParaRPr lang="en-CA" dirty="0"/>
+          </a:p>
+        </p:txBody>
+      </p:sp>
+      <p:pic>
+        <p:nvPicPr>
+          <p:cNvPr id="3" name="Content Placeholder 2">
+            <a:extLst>
+              <a:ext uri="{FF2B5EF4-FFF2-40B4-BE49-F238E27FC236}">
+                <a16:creationId xmlns:a16="http://schemas.microsoft.com/office/drawing/2014/main" id="{621A78BF-76CE-4070-B76E-DB69CFDF8B9D}"/>
+              </a:ext>
+            </a:extLst>
+          </p:cNvPr>
+          <p:cNvPicPr>
+            <a:picLocks noGrp="1" noChangeAspect="1"/>
+          </p:cNvPicPr>
+          <p:nvPr>
+            <p:ph idx="1"/>
+          </p:nvPr>
+        </p:nvPicPr>
+        <p:blipFill>
+          <a:blip r:embed="rId2"/>
+          <a:stretch>
+            <a:fillRect/>
+          </a:stretch>
+        </p:blipFill>
+        <p:spPr>
+          <a:xfrm>
+            <a:off x="3561404" y="1555290"/>
+            <a:ext cx="5066014" cy="5147350"/>
+          </a:xfrm>
+          <a:prstGeom prst="rect">
+            <a:avLst/>
+          </a:prstGeom>
+        </p:spPr>
+      </p:pic>
+    </p:spTree>
+    <p:extLst>
+      <p:ext uri="{BB962C8B-B14F-4D97-AF65-F5344CB8AC3E}">
+        <p14:creationId xmlns:p14="http://schemas.microsoft.com/office/powerpoint/2010/main" val="4054572077"/>
+      </p:ext>
+    </p:extLst>
+  </p:cSld>
+  <p:clrMapOvr>
+    <a:masterClrMapping/>
+  </p:clrMapOvr>
+</p:sld>
+</file>
+
+<file path=ppt/slides/slide35.xml><?xml version="1.0" encoding="utf-8"?>
+<p:sld xmlns:a="http://schemas.openxmlformats.org/drawingml/2006/main" xmlns:r="http://schemas.openxmlformats.org/officeDocument/2006/relationships" xmlns:p="http://schemas.openxmlformats.org/presentationml/2006/main">
+  <p:cSld>
+    <p:spTree>
+      <p:nvGrpSpPr>
+        <p:cNvPr id="1" name=""/>
+        <p:cNvGrpSpPr/>
+        <p:nvPr/>
+      </p:nvGrpSpPr>
+      <p:grpSpPr>
+        <a:xfrm>
+          <a:off x="0" y="0"/>
+          <a:ext cx="0" cy="0"/>
+          <a:chOff x="0" y="0"/>
+          <a:chExt cx="0" cy="0"/>
+        </a:xfrm>
+      </p:grpSpPr>
+      <p:sp>
+        <p:nvSpPr>
+          <p:cNvPr id="2" name="Title 1">
+            <a:extLst>
+              <a:ext uri="{FF2B5EF4-FFF2-40B4-BE49-F238E27FC236}">
+                <a16:creationId xmlns:a16="http://schemas.microsoft.com/office/drawing/2014/main" id="{870DCF92-EF91-4B14-813B-AB01571E4752}"/>
+              </a:ext>
+            </a:extLst>
+          </p:cNvPr>
+          <p:cNvSpPr>
+            <a:spLocks noGrp="1"/>
+          </p:cNvSpPr>
+          <p:nvPr>
+            <p:ph type="title"/>
+          </p:nvPr>
+        </p:nvSpPr>
+        <p:spPr/>
+        <p:txBody>
+          <a:bodyPr/>
+          <a:lstStyle/>
+          <a:p>
+            <a:r>
+              <a:rPr lang="en-US" dirty="0"/>
+              <a:t>Configure Web App to use Google Auth</a:t>
+            </a:r>
+            <a:endParaRPr lang="en-CA" dirty="0"/>
+          </a:p>
+        </p:txBody>
+      </p:sp>
+      <p:pic>
+        <p:nvPicPr>
+          <p:cNvPr id="3" name="Content Placeholder 2">
+            <a:extLst>
+              <a:ext uri="{FF2B5EF4-FFF2-40B4-BE49-F238E27FC236}">
+                <a16:creationId xmlns:a16="http://schemas.microsoft.com/office/drawing/2014/main" id="{621A78BF-76CE-4070-B76E-DB69CFDF8B9D}"/>
+              </a:ext>
+            </a:extLst>
+          </p:cNvPr>
+          <p:cNvPicPr>
+            <a:picLocks noGrp="1" noChangeAspect="1"/>
+          </p:cNvPicPr>
+          <p:nvPr>
+            <p:ph idx="1"/>
+          </p:nvPr>
+        </p:nvPicPr>
+        <p:blipFill>
+          <a:blip r:embed="rId2"/>
+          <a:stretch>
+            <a:fillRect/>
+          </a:stretch>
+        </p:blipFill>
+        <p:spPr>
+          <a:xfrm>
+            <a:off x="1425754" y="1555290"/>
+            <a:ext cx="9337315" cy="5147349"/>
+          </a:xfrm>
+          <a:prstGeom prst="rect">
+            <a:avLst/>
+          </a:prstGeom>
+        </p:spPr>
+      </p:pic>
+    </p:spTree>
+    <p:extLst>
+      <p:ext uri="{BB962C8B-B14F-4D97-AF65-F5344CB8AC3E}">
+        <p14:creationId xmlns:p14="http://schemas.microsoft.com/office/powerpoint/2010/main" val="2920320019"/>
+      </p:ext>
+    </p:extLst>
+  </p:cSld>
+  <p:clrMapOvr>
+    <a:masterClrMapping/>
+  </p:clrMapOvr>
+</p:sld>
+</file>
+
+<file path=ppt/slides/slide36.xml><?xml version="1.0" encoding="utf-8"?>
+<p:sld xmlns:a="http://schemas.openxmlformats.org/drawingml/2006/main" xmlns:r="http://schemas.openxmlformats.org/officeDocument/2006/relationships" xmlns:p="http://schemas.openxmlformats.org/presentationml/2006/main">
+  <p:cSld>
+    <p:spTree>
+      <p:nvGrpSpPr>
+        <p:cNvPr id="1" name=""/>
+        <p:cNvGrpSpPr/>
+        <p:nvPr/>
+      </p:nvGrpSpPr>
+      <p:grpSpPr>
+        <a:xfrm>
+          <a:off x="0" y="0"/>
+          <a:ext cx="0" cy="0"/>
+          <a:chOff x="0" y="0"/>
+          <a:chExt cx="0" cy="0"/>
+        </a:xfrm>
+      </p:grpSpPr>
+      <p:sp>
+        <p:nvSpPr>
+          <p:cNvPr id="2" name="Title 1">
+            <a:extLst>
+              <a:ext uri="{FF2B5EF4-FFF2-40B4-BE49-F238E27FC236}">
+                <a16:creationId xmlns:a16="http://schemas.microsoft.com/office/drawing/2014/main" id="{870DCF92-EF91-4B14-813B-AB01571E4752}"/>
+              </a:ext>
+            </a:extLst>
+          </p:cNvPr>
+          <p:cNvSpPr>
+            <a:spLocks noGrp="1"/>
+          </p:cNvSpPr>
+          <p:nvPr>
+            <p:ph type="title"/>
+          </p:nvPr>
+        </p:nvSpPr>
+        <p:spPr/>
+        <p:txBody>
+          <a:bodyPr/>
+          <a:lstStyle/>
+          <a:p>
+            <a:r>
+              <a:rPr lang="en-US" dirty="0"/>
+              <a:t>Configure Web App to use Google Auth</a:t>
+            </a:r>
+            <a:endParaRPr lang="en-CA" dirty="0"/>
+          </a:p>
+        </p:txBody>
+      </p:sp>
+      <p:pic>
+        <p:nvPicPr>
+          <p:cNvPr id="3" name="Content Placeholder 2">
+            <a:extLst>
+              <a:ext uri="{FF2B5EF4-FFF2-40B4-BE49-F238E27FC236}">
+                <a16:creationId xmlns:a16="http://schemas.microsoft.com/office/drawing/2014/main" id="{621A78BF-76CE-4070-B76E-DB69CFDF8B9D}"/>
+              </a:ext>
+            </a:extLst>
+          </p:cNvPr>
+          <p:cNvPicPr>
+            <a:picLocks noGrp="1" noChangeAspect="1"/>
+          </p:cNvPicPr>
+          <p:nvPr>
+            <p:ph idx="1"/>
+          </p:nvPr>
+        </p:nvPicPr>
+        <p:blipFill>
+          <a:blip r:embed="rId2"/>
+          <a:stretch>
+            <a:fillRect/>
+          </a:stretch>
+        </p:blipFill>
+        <p:spPr>
+          <a:xfrm>
+            <a:off x="1425755" y="1555290"/>
+            <a:ext cx="9337313" cy="5147349"/>
+          </a:xfrm>
+          <a:prstGeom prst="rect">
+            <a:avLst/>
+          </a:prstGeom>
+        </p:spPr>
+      </p:pic>
+    </p:spTree>
+    <p:extLst>
+      <p:ext uri="{BB962C8B-B14F-4D97-AF65-F5344CB8AC3E}">
+        <p14:creationId xmlns:p14="http://schemas.microsoft.com/office/powerpoint/2010/main" val="3480785103"/>
+      </p:ext>
+    </p:extLst>
+  </p:cSld>
+  <p:clrMapOvr>
+    <a:masterClrMapping/>
+  </p:clrMapOvr>
+</p:sld>
+</file>
+
+<file path=ppt/slides/slide37.xml><?xml version="1.0" encoding="utf-8"?>
+<p:sld xmlns:a="http://schemas.openxmlformats.org/drawingml/2006/main" xmlns:r="http://schemas.openxmlformats.org/officeDocument/2006/relationships" xmlns:p="http://schemas.openxmlformats.org/presentationml/2006/main">
+  <p:cSld>
+    <p:spTree>
+      <p:nvGrpSpPr>
+        <p:cNvPr id="1" name=""/>
+        <p:cNvGrpSpPr/>
+        <p:nvPr/>
+      </p:nvGrpSpPr>
+      <p:grpSpPr>
+        <a:xfrm>
+          <a:off x="0" y="0"/>
+          <a:ext cx="0" cy="0"/>
+          <a:chOff x="0" y="0"/>
+          <a:chExt cx="0" cy="0"/>
+        </a:xfrm>
+      </p:grpSpPr>
+      <p:sp>
+        <p:nvSpPr>
+          <p:cNvPr id="2" name="Title 1">
+            <a:extLst>
+              <a:ext uri="{FF2B5EF4-FFF2-40B4-BE49-F238E27FC236}">
+                <a16:creationId xmlns:a16="http://schemas.microsoft.com/office/drawing/2014/main" id="{870DCF92-EF91-4B14-813B-AB01571E4752}"/>
+              </a:ext>
+            </a:extLst>
+          </p:cNvPr>
+          <p:cNvSpPr>
+            <a:spLocks noGrp="1"/>
+          </p:cNvSpPr>
+          <p:nvPr>
+            <p:ph type="title"/>
+          </p:nvPr>
+        </p:nvSpPr>
+        <p:spPr/>
+        <p:txBody>
+          <a:bodyPr/>
+          <a:lstStyle/>
+          <a:p>
+            <a:r>
+              <a:rPr lang="en-US" dirty="0"/>
+              <a:t>Configure Web App to use Google Auth</a:t>
+            </a:r>
+            <a:endParaRPr lang="en-CA" dirty="0"/>
+          </a:p>
+        </p:txBody>
+      </p:sp>
+      <p:pic>
+        <p:nvPicPr>
+          <p:cNvPr id="3" name="Content Placeholder 2">
+            <a:extLst>
+              <a:ext uri="{FF2B5EF4-FFF2-40B4-BE49-F238E27FC236}">
+                <a16:creationId xmlns:a16="http://schemas.microsoft.com/office/drawing/2014/main" id="{621A78BF-76CE-4070-B76E-DB69CFDF8B9D}"/>
+              </a:ext>
+            </a:extLst>
+          </p:cNvPr>
+          <p:cNvPicPr>
+            <a:picLocks noGrp="1" noChangeAspect="1"/>
+          </p:cNvPicPr>
+          <p:nvPr>
+            <p:ph idx="1"/>
+          </p:nvPr>
+        </p:nvPicPr>
+        <p:blipFill>
+          <a:blip r:embed="rId2"/>
+          <a:stretch>
+            <a:fillRect/>
+          </a:stretch>
+        </p:blipFill>
+        <p:spPr>
+          <a:xfrm>
+            <a:off x="1659264" y="1874886"/>
+            <a:ext cx="8870295" cy="4889898"/>
+          </a:xfrm>
+          <a:prstGeom prst="rect">
+            <a:avLst/>
+          </a:prstGeom>
+        </p:spPr>
+      </p:pic>
+      <p:sp>
+        <p:nvSpPr>
+          <p:cNvPr id="5" name="Rectangle 4">
+            <a:extLst>
+              <a:ext uri="{FF2B5EF4-FFF2-40B4-BE49-F238E27FC236}">
+                <a16:creationId xmlns:a16="http://schemas.microsoft.com/office/drawing/2014/main" id="{458F1169-789D-4D06-9B3A-099BDADD16C0}"/>
+              </a:ext>
+            </a:extLst>
+          </p:cNvPr>
+          <p:cNvSpPr/>
+          <p:nvPr/>
+        </p:nvSpPr>
+        <p:spPr>
+          <a:xfrm>
+            <a:off x="1141413" y="1505554"/>
+            <a:ext cx="7454284" cy="369332"/>
+          </a:xfrm>
+          <a:prstGeom prst="rect">
+            <a:avLst/>
+          </a:prstGeom>
+        </p:spPr>
+        <p:txBody>
+          <a:bodyPr wrap="square">
+            <a:spAutoFit/>
+          </a:bodyPr>
+          <a:lstStyle/>
+          <a:p>
+            <a:r>
+              <a:rPr lang="en-CA" dirty="0"/>
+              <a:t>A </a:t>
+            </a:r>
+            <a:r>
+              <a:rPr lang="en-CA" b="1" dirty="0" err="1"/>
+              <a:t>secrets.json</a:t>
+            </a:r>
+            <a:r>
+              <a:rPr lang="en-CA" dirty="0"/>
+              <a:t> file will open. Add the following code to it:</a:t>
+            </a:r>
+          </a:p>
+        </p:txBody>
+      </p:sp>
+    </p:spTree>
+    <p:extLst>
+      <p:ext uri="{BB962C8B-B14F-4D97-AF65-F5344CB8AC3E}">
+        <p14:creationId xmlns:p14="http://schemas.microsoft.com/office/powerpoint/2010/main" val="3845289007"/>
+      </p:ext>
+    </p:extLst>
+  </p:cSld>
+  <p:clrMapOvr>
+    <a:masterClrMapping/>
+  </p:clrMapOvr>
+</p:sld>
+</file>
+
+<file path=ppt/slides/slide38.xml><?xml version="1.0" encoding="utf-8"?>
+<p:sld xmlns:a="http://schemas.openxmlformats.org/drawingml/2006/main" xmlns:r="http://schemas.openxmlformats.org/officeDocument/2006/relationships" xmlns:p="http://schemas.openxmlformats.org/presentationml/2006/main">
+  <p:cSld>
+    <p:spTree>
+      <p:nvGrpSpPr>
+        <p:cNvPr id="1" name=""/>
+        <p:cNvGrpSpPr/>
+        <p:nvPr/>
+      </p:nvGrpSpPr>
+      <p:grpSpPr>
+        <a:xfrm>
+          <a:off x="0" y="0"/>
+          <a:ext cx="0" cy="0"/>
+          <a:chOff x="0" y="0"/>
+          <a:chExt cx="0" cy="0"/>
+        </a:xfrm>
+      </p:grpSpPr>
+      <p:sp>
+        <p:nvSpPr>
+          <p:cNvPr id="2" name="Title 1">
+            <a:extLst>
+              <a:ext uri="{FF2B5EF4-FFF2-40B4-BE49-F238E27FC236}">
+                <a16:creationId xmlns:a16="http://schemas.microsoft.com/office/drawing/2014/main" id="{870DCF92-EF91-4B14-813B-AB01571E4752}"/>
+              </a:ext>
+            </a:extLst>
+          </p:cNvPr>
+          <p:cNvSpPr>
+            <a:spLocks noGrp="1"/>
+          </p:cNvSpPr>
+          <p:nvPr>
+            <p:ph type="title"/>
+          </p:nvPr>
+        </p:nvSpPr>
+        <p:spPr/>
+        <p:txBody>
+          <a:bodyPr/>
+          <a:lstStyle/>
+          <a:p>
+            <a:r>
+              <a:rPr lang="en-US" dirty="0"/>
+              <a:t>Configure Web App to use Google Auth</a:t>
+            </a:r>
+            <a:endParaRPr lang="en-CA" dirty="0"/>
+          </a:p>
+        </p:txBody>
+      </p:sp>
+      <p:pic>
+        <p:nvPicPr>
+          <p:cNvPr id="3" name="Content Placeholder 2">
+            <a:extLst>
+              <a:ext uri="{FF2B5EF4-FFF2-40B4-BE49-F238E27FC236}">
+                <a16:creationId xmlns:a16="http://schemas.microsoft.com/office/drawing/2014/main" id="{621A78BF-76CE-4070-B76E-DB69CFDF8B9D}"/>
+              </a:ext>
+            </a:extLst>
+          </p:cNvPr>
+          <p:cNvPicPr>
+            <a:picLocks noGrp="1" noChangeAspect="1"/>
+          </p:cNvPicPr>
+          <p:nvPr>
+            <p:ph idx="1"/>
+          </p:nvPr>
+        </p:nvPicPr>
+        <p:blipFill>
+          <a:blip r:embed="rId2"/>
+          <a:stretch>
+            <a:fillRect/>
+          </a:stretch>
+        </p:blipFill>
+        <p:spPr>
+          <a:xfrm>
+            <a:off x="1425755" y="1555290"/>
+            <a:ext cx="9337313" cy="5147348"/>
+          </a:xfrm>
+          <a:prstGeom prst="rect">
+            <a:avLst/>
+          </a:prstGeom>
+        </p:spPr>
+      </p:pic>
+    </p:spTree>
+    <p:extLst>
+      <p:ext uri="{BB962C8B-B14F-4D97-AF65-F5344CB8AC3E}">
+        <p14:creationId xmlns:p14="http://schemas.microsoft.com/office/powerpoint/2010/main" val="1011990139"/>
+      </p:ext>
+    </p:extLst>
+  </p:cSld>
+  <p:clrMapOvr>
+    <a:masterClrMapping/>
+  </p:clrMapOvr>
+</p:sld>
+</file>
+
+<file path=ppt/slides/slide39.xml><?xml version="1.0" encoding="utf-8"?>
+<p:sld xmlns:a="http://schemas.openxmlformats.org/drawingml/2006/main" xmlns:r="http://schemas.openxmlformats.org/officeDocument/2006/relationships" xmlns:p="http://schemas.openxmlformats.org/presentationml/2006/main">
+  <p:cSld>
+    <p:spTree>
+      <p:nvGrpSpPr>
+        <p:cNvPr id="1" name=""/>
+        <p:cNvGrpSpPr/>
+        <p:nvPr/>
+      </p:nvGrpSpPr>
+      <p:grpSpPr>
+        <a:xfrm>
+          <a:off x="0" y="0"/>
+          <a:ext cx="0" cy="0"/>
+          <a:chOff x="0" y="0"/>
+          <a:chExt cx="0" cy="0"/>
+        </a:xfrm>
+      </p:grpSpPr>
+      <p:sp>
+        <p:nvSpPr>
+          <p:cNvPr id="2" name="Title 1">
+            <a:extLst>
+              <a:ext uri="{FF2B5EF4-FFF2-40B4-BE49-F238E27FC236}">
+                <a16:creationId xmlns:a16="http://schemas.microsoft.com/office/drawing/2014/main" id="{870DCF92-EF91-4B14-813B-AB01571E4752}"/>
+              </a:ext>
+            </a:extLst>
+          </p:cNvPr>
+          <p:cNvSpPr>
+            <a:spLocks noGrp="1"/>
+          </p:cNvSpPr>
+          <p:nvPr>
+            <p:ph type="title"/>
+          </p:nvPr>
+        </p:nvSpPr>
+        <p:spPr/>
+        <p:txBody>
+          <a:bodyPr/>
+          <a:lstStyle/>
+          <a:p>
+            <a:r>
+              <a:rPr lang="en-US" dirty="0"/>
+              <a:t>Configure Web App to use Google Auth</a:t>
+            </a:r>
+            <a:endParaRPr lang="en-CA" dirty="0"/>
+          </a:p>
+        </p:txBody>
+      </p:sp>
+      <p:pic>
+        <p:nvPicPr>
+          <p:cNvPr id="3" name="Content Placeholder 2">
+            <a:extLst>
+              <a:ext uri="{FF2B5EF4-FFF2-40B4-BE49-F238E27FC236}">
+                <a16:creationId xmlns:a16="http://schemas.microsoft.com/office/drawing/2014/main" id="{621A78BF-76CE-4070-B76E-DB69CFDF8B9D}"/>
+              </a:ext>
+            </a:extLst>
+          </p:cNvPr>
+          <p:cNvPicPr>
+            <a:picLocks noGrp="1" noChangeAspect="1"/>
+          </p:cNvPicPr>
+          <p:nvPr>
+            <p:ph idx="1"/>
+          </p:nvPr>
+        </p:nvPicPr>
+        <p:blipFill>
+          <a:blip r:embed="rId2"/>
+          <a:stretch>
+            <a:fillRect/>
+          </a:stretch>
+        </p:blipFill>
+        <p:spPr>
+          <a:xfrm>
+            <a:off x="1425755" y="1777395"/>
+            <a:ext cx="9337313" cy="4703137"/>
+          </a:xfrm>
+          <a:prstGeom prst="rect">
+            <a:avLst/>
+          </a:prstGeom>
+        </p:spPr>
+      </p:pic>
+    </p:spTree>
+    <p:extLst>
+      <p:ext uri="{BB962C8B-B14F-4D97-AF65-F5344CB8AC3E}">
+        <p14:creationId xmlns:p14="http://schemas.microsoft.com/office/powerpoint/2010/main" val="916830159"/>
+      </p:ext>
+    </p:extLst>
+  </p:cSld>
+  <p:clrMapOvr>
+    <a:masterClrMapping/>
+  </p:clrMapOvr>
+</p:sld>
+</file>
+
+<file path=ppt/slides/slide4.xml><?xml version="1.0" encoding="utf-8"?>
+<p:sld xmlns:a="http://schemas.openxmlformats.org/drawingml/2006/main" xmlns:r="http://schemas.openxmlformats.org/officeDocument/2006/relationships" xmlns:p="http://schemas.openxmlformats.org/presentationml/2006/main">
+  <p:cSld>
+    <p:spTree>
+      <p:nvGrpSpPr>
+        <p:cNvPr id="1" name=""/>
+        <p:cNvGrpSpPr/>
+        <p:nvPr/>
+      </p:nvGrpSpPr>
+      <p:grpSpPr>
+        <a:xfrm>
+          <a:off x="0" y="0"/>
+          <a:ext cx="0" cy="0"/>
+          <a:chOff x="0" y="0"/>
+          <a:chExt cx="0" cy="0"/>
+        </a:xfrm>
+      </p:grpSpPr>
+      <p:sp>
+        <p:nvSpPr>
+          <p:cNvPr id="2" name="Title 1">
+            <a:extLst>
+              <a:ext uri="{FF2B5EF4-FFF2-40B4-BE49-F238E27FC236}">
+                <a16:creationId xmlns:a16="http://schemas.microsoft.com/office/drawing/2014/main" id="{870DCF92-EF91-4B14-813B-AB01571E4752}"/>
+              </a:ext>
+            </a:extLst>
+          </p:cNvPr>
+          <p:cNvSpPr>
+            <a:spLocks noGrp="1"/>
+          </p:cNvSpPr>
+          <p:nvPr>
+            <p:ph type="title"/>
+          </p:nvPr>
+        </p:nvSpPr>
+        <p:spPr/>
+        <p:txBody>
+          <a:bodyPr/>
+          <a:lstStyle/>
+          <a:p>
+            <a:r>
+              <a:rPr lang="en-US" dirty="0"/>
+              <a:t>Implementation of ASP.NET Core Web App</a:t>
+            </a:r>
+            <a:endParaRPr lang="en-CA" dirty="0"/>
+          </a:p>
+        </p:txBody>
+      </p:sp>
+      <p:pic>
+        <p:nvPicPr>
+          <p:cNvPr id="4" name="Content Placeholder 3">
+            <a:extLst>
+              <a:ext uri="{FF2B5EF4-FFF2-40B4-BE49-F238E27FC236}">
+                <a16:creationId xmlns:a16="http://schemas.microsoft.com/office/drawing/2014/main" id="{759AE50F-D9EA-44B4-BC26-1B0D181534EA}"/>
+              </a:ext>
+            </a:extLst>
+          </p:cNvPr>
+          <p:cNvPicPr>
+            <a:picLocks noGrp="1" noChangeAspect="1"/>
+          </p:cNvPicPr>
+          <p:nvPr>
+            <p:ph idx="1"/>
+          </p:nvPr>
+        </p:nvPicPr>
+        <p:blipFill>
+          <a:blip r:embed="rId2"/>
+          <a:stretch>
+            <a:fillRect/>
+          </a:stretch>
+        </p:blipFill>
+        <p:spPr>
+          <a:xfrm>
+            <a:off x="2581511" y="1648210"/>
+            <a:ext cx="7025800" cy="4943089"/>
+          </a:xfrm>
+          <a:prstGeom prst="rect">
+            <a:avLst/>
+          </a:prstGeom>
+        </p:spPr>
+      </p:pic>
+    </p:spTree>
+    <p:extLst>
+      <p:ext uri="{BB962C8B-B14F-4D97-AF65-F5344CB8AC3E}">
+        <p14:creationId xmlns:p14="http://schemas.microsoft.com/office/powerpoint/2010/main" val="3416504597"/>
+      </p:ext>
+    </p:extLst>
+  </p:cSld>
+  <p:clrMapOvr>
+    <a:masterClrMapping/>
+  </p:clrMapOvr>
+</p:sld>
+</file>
+
+<file path=ppt/slides/slide40.xml><?xml version="1.0" encoding="utf-8"?>
+<p:sld xmlns:a="http://schemas.openxmlformats.org/drawingml/2006/main" xmlns:r="http://schemas.openxmlformats.org/officeDocument/2006/relationships" xmlns:p="http://schemas.openxmlformats.org/presentationml/2006/main">
+  <p:cSld>
+    <p:spTree>
+      <p:nvGrpSpPr>
+        <p:cNvPr id="1" name=""/>
+        <p:cNvGrpSpPr/>
+        <p:nvPr/>
+      </p:nvGrpSpPr>
+      <p:grpSpPr>
+        <a:xfrm>
+          <a:off x="0" y="0"/>
+          <a:ext cx="0" cy="0"/>
+          <a:chOff x="0" y="0"/>
+          <a:chExt cx="0" cy="0"/>
+        </a:xfrm>
+      </p:grpSpPr>
+      <p:sp>
+        <p:nvSpPr>
+          <p:cNvPr id="2" name="Title 1">
+            <a:extLst>
+              <a:ext uri="{FF2B5EF4-FFF2-40B4-BE49-F238E27FC236}">
+                <a16:creationId xmlns:a16="http://schemas.microsoft.com/office/drawing/2014/main" id="{870DCF92-EF91-4B14-813B-AB01571E4752}"/>
+              </a:ext>
+            </a:extLst>
+          </p:cNvPr>
+          <p:cNvSpPr>
+            <a:spLocks noGrp="1"/>
+          </p:cNvSpPr>
+          <p:nvPr>
+            <p:ph type="title"/>
+          </p:nvPr>
+        </p:nvSpPr>
+        <p:spPr/>
+        <p:txBody>
+          <a:bodyPr/>
+          <a:lstStyle/>
+          <a:p>
+            <a:r>
+              <a:rPr lang="en-US" dirty="0"/>
+              <a:t>Configure Web App to use Google Auth</a:t>
+            </a:r>
+            <a:endParaRPr lang="en-CA" dirty="0"/>
+          </a:p>
+        </p:txBody>
+      </p:sp>
+      <p:pic>
+        <p:nvPicPr>
+          <p:cNvPr id="3" name="Content Placeholder 2">
+            <a:extLst>
+              <a:ext uri="{FF2B5EF4-FFF2-40B4-BE49-F238E27FC236}">
+                <a16:creationId xmlns:a16="http://schemas.microsoft.com/office/drawing/2014/main" id="{621A78BF-76CE-4070-B76E-DB69CFDF8B9D}"/>
+              </a:ext>
+            </a:extLst>
+          </p:cNvPr>
+          <p:cNvPicPr>
+            <a:picLocks noGrp="1" noChangeAspect="1"/>
+          </p:cNvPicPr>
+          <p:nvPr>
+            <p:ph idx="1"/>
+          </p:nvPr>
+        </p:nvPicPr>
+        <p:blipFill>
+          <a:blip r:embed="rId2"/>
+          <a:stretch>
+            <a:fillRect/>
+          </a:stretch>
+        </p:blipFill>
+        <p:spPr>
+          <a:xfrm>
+            <a:off x="1425755" y="1777395"/>
+            <a:ext cx="9337313" cy="4703136"/>
+          </a:xfrm>
+          <a:prstGeom prst="rect">
+            <a:avLst/>
+          </a:prstGeom>
+        </p:spPr>
+      </p:pic>
+    </p:spTree>
+    <p:extLst>
+      <p:ext uri="{BB962C8B-B14F-4D97-AF65-F5344CB8AC3E}">
+        <p14:creationId xmlns:p14="http://schemas.microsoft.com/office/powerpoint/2010/main" val="3072608953"/>
+      </p:ext>
+    </p:extLst>
+  </p:cSld>
+  <p:clrMapOvr>
+    <a:masterClrMapping/>
+  </p:clrMapOvr>
+</p:sld>
+</file>
+
+<file path=ppt/slides/slide41.xml><?xml version="1.0" encoding="utf-8"?>
+<p:sld xmlns:a="http://schemas.openxmlformats.org/drawingml/2006/main" xmlns:r="http://schemas.openxmlformats.org/officeDocument/2006/relationships" xmlns:p="http://schemas.openxmlformats.org/presentationml/2006/main">
+  <p:cSld>
+    <p:spTree>
+      <p:nvGrpSpPr>
+        <p:cNvPr id="1" name=""/>
+        <p:cNvGrpSpPr/>
+        <p:nvPr/>
+      </p:nvGrpSpPr>
+      <p:grpSpPr>
+        <a:xfrm>
+          <a:off x="0" y="0"/>
+          <a:ext cx="0" cy="0"/>
+          <a:chOff x="0" y="0"/>
+          <a:chExt cx="0" cy="0"/>
+        </a:xfrm>
+      </p:grpSpPr>
+      <p:sp>
+        <p:nvSpPr>
+          <p:cNvPr id="2" name="Title 1">
+            <a:extLst>
+              <a:ext uri="{FF2B5EF4-FFF2-40B4-BE49-F238E27FC236}">
+                <a16:creationId xmlns:a16="http://schemas.microsoft.com/office/drawing/2014/main" id="{870DCF92-EF91-4B14-813B-AB01571E4752}"/>
+              </a:ext>
+            </a:extLst>
+          </p:cNvPr>
+          <p:cNvSpPr>
+            <a:spLocks noGrp="1"/>
+          </p:cNvSpPr>
+          <p:nvPr>
+            <p:ph type="title"/>
+          </p:nvPr>
+        </p:nvSpPr>
+        <p:spPr/>
+        <p:txBody>
+          <a:bodyPr/>
+          <a:lstStyle/>
+          <a:p>
+            <a:r>
+              <a:rPr lang="en-US" dirty="0"/>
+              <a:t>Configure Web App to use Google Auth</a:t>
+            </a:r>
+            <a:endParaRPr lang="en-CA" dirty="0"/>
+          </a:p>
+        </p:txBody>
+      </p:sp>
+      <p:pic>
+        <p:nvPicPr>
+          <p:cNvPr id="3" name="Content Placeholder 2">
+            <a:extLst>
+              <a:ext uri="{FF2B5EF4-FFF2-40B4-BE49-F238E27FC236}">
+                <a16:creationId xmlns:a16="http://schemas.microsoft.com/office/drawing/2014/main" id="{621A78BF-76CE-4070-B76E-DB69CFDF8B9D}"/>
+              </a:ext>
+            </a:extLst>
+          </p:cNvPr>
+          <p:cNvPicPr>
+            <a:picLocks noGrp="1" noChangeAspect="1"/>
+          </p:cNvPicPr>
+          <p:nvPr>
+            <p:ph idx="1"/>
+          </p:nvPr>
+        </p:nvPicPr>
+        <p:blipFill>
+          <a:blip r:embed="rId2"/>
+          <a:stretch>
+            <a:fillRect/>
+          </a:stretch>
+        </p:blipFill>
+        <p:spPr>
+          <a:xfrm>
+            <a:off x="1425756" y="1777395"/>
+            <a:ext cx="9337311" cy="4703136"/>
+          </a:xfrm>
+          <a:prstGeom prst="rect">
+            <a:avLst/>
+          </a:prstGeom>
+        </p:spPr>
+      </p:pic>
+    </p:spTree>
+    <p:extLst>
+      <p:ext uri="{BB962C8B-B14F-4D97-AF65-F5344CB8AC3E}">
+        <p14:creationId xmlns:p14="http://schemas.microsoft.com/office/powerpoint/2010/main" val="4037968522"/>
+      </p:ext>
+    </p:extLst>
+  </p:cSld>
+  <p:clrMapOvr>
+    <a:masterClrMapping/>
+  </p:clrMapOvr>
+</p:sld>
+</file>
+
+<file path=ppt/slides/slide42.xml><?xml version="1.0" encoding="utf-8"?>
+<p:sld xmlns:a="http://schemas.openxmlformats.org/drawingml/2006/main" xmlns:r="http://schemas.openxmlformats.org/officeDocument/2006/relationships" xmlns:p="http://schemas.openxmlformats.org/presentationml/2006/main">
+  <p:cSld>
+    <p:spTree>
+      <p:nvGrpSpPr>
+        <p:cNvPr id="1" name=""/>
+        <p:cNvGrpSpPr/>
+        <p:nvPr/>
+      </p:nvGrpSpPr>
+      <p:grpSpPr>
+        <a:xfrm>
+          <a:off x="0" y="0"/>
+          <a:ext cx="0" cy="0"/>
+          <a:chOff x="0" y="0"/>
+          <a:chExt cx="0" cy="0"/>
+        </a:xfrm>
+      </p:grpSpPr>
+      <p:sp>
+        <p:nvSpPr>
+          <p:cNvPr id="2" name="Title 1">
+            <a:extLst>
+              <a:ext uri="{FF2B5EF4-FFF2-40B4-BE49-F238E27FC236}">
+                <a16:creationId xmlns:a16="http://schemas.microsoft.com/office/drawing/2014/main" id="{870DCF92-EF91-4B14-813B-AB01571E4752}"/>
+              </a:ext>
+            </a:extLst>
+          </p:cNvPr>
+          <p:cNvSpPr>
+            <a:spLocks noGrp="1"/>
+          </p:cNvSpPr>
+          <p:nvPr>
+            <p:ph type="title"/>
+          </p:nvPr>
+        </p:nvSpPr>
+        <p:spPr/>
+        <p:txBody>
+          <a:bodyPr/>
+          <a:lstStyle/>
+          <a:p>
+            <a:r>
+              <a:rPr lang="en-US" dirty="0"/>
+              <a:t>Configure Web App to use Google Auth</a:t>
+            </a:r>
+            <a:endParaRPr lang="en-CA" dirty="0"/>
+          </a:p>
+        </p:txBody>
+      </p:sp>
+      <p:pic>
+        <p:nvPicPr>
+          <p:cNvPr id="3" name="Content Placeholder 2">
+            <a:extLst>
+              <a:ext uri="{FF2B5EF4-FFF2-40B4-BE49-F238E27FC236}">
+                <a16:creationId xmlns:a16="http://schemas.microsoft.com/office/drawing/2014/main" id="{621A78BF-76CE-4070-B76E-DB69CFDF8B9D}"/>
+              </a:ext>
+            </a:extLst>
+          </p:cNvPr>
+          <p:cNvPicPr>
+            <a:picLocks noGrp="1" noChangeAspect="1"/>
+          </p:cNvPicPr>
+          <p:nvPr>
+            <p:ph idx="1"/>
+          </p:nvPr>
+        </p:nvPicPr>
+        <p:blipFill>
+          <a:blip r:embed="rId2"/>
+          <a:stretch>
+            <a:fillRect/>
+          </a:stretch>
+        </p:blipFill>
+        <p:spPr>
+          <a:xfrm>
+            <a:off x="1425756" y="1777395"/>
+            <a:ext cx="9337311" cy="4703135"/>
+          </a:xfrm>
+          <a:prstGeom prst="rect">
+            <a:avLst/>
+          </a:prstGeom>
+        </p:spPr>
+      </p:pic>
+    </p:spTree>
+    <p:extLst>
+      <p:ext uri="{BB962C8B-B14F-4D97-AF65-F5344CB8AC3E}">
+        <p14:creationId xmlns:p14="http://schemas.microsoft.com/office/powerpoint/2010/main" val="2889803758"/>
+      </p:ext>
+    </p:extLst>
+  </p:cSld>
+  <p:clrMapOvr>
+    <a:masterClrMapping/>
+  </p:clrMapOvr>
+</p:sld>
+</file>
+
+<file path=ppt/slides/slide43.xml><?xml version="1.0" encoding="utf-8"?>
+<p:sld xmlns:a="http://schemas.openxmlformats.org/drawingml/2006/main" xmlns:r="http://schemas.openxmlformats.org/officeDocument/2006/relationships" xmlns:p="http://schemas.openxmlformats.org/presentationml/2006/main">
+  <p:cSld>
+    <p:spTree>
+      <p:nvGrpSpPr>
+        <p:cNvPr id="1" name=""/>
+        <p:cNvGrpSpPr/>
+        <p:nvPr/>
+      </p:nvGrpSpPr>
+      <p:grpSpPr>
+        <a:xfrm>
+          <a:off x="0" y="0"/>
+          <a:ext cx="0" cy="0"/>
+          <a:chOff x="0" y="0"/>
+          <a:chExt cx="0" cy="0"/>
+        </a:xfrm>
+      </p:grpSpPr>
+      <p:sp>
+        <p:nvSpPr>
+          <p:cNvPr id="2" name="Title 1">
+            <a:extLst>
+              <a:ext uri="{FF2B5EF4-FFF2-40B4-BE49-F238E27FC236}">
+                <a16:creationId xmlns:a16="http://schemas.microsoft.com/office/drawing/2014/main" id="{870DCF92-EF91-4B14-813B-AB01571E4752}"/>
+              </a:ext>
+            </a:extLst>
+          </p:cNvPr>
+          <p:cNvSpPr>
+            <a:spLocks noGrp="1"/>
+          </p:cNvSpPr>
+          <p:nvPr>
+            <p:ph type="title"/>
+          </p:nvPr>
+        </p:nvSpPr>
+        <p:spPr/>
+        <p:txBody>
+          <a:bodyPr/>
+          <a:lstStyle/>
+          <a:p>
+            <a:r>
+              <a:rPr lang="en-US" dirty="0"/>
+              <a:t>Configure Web App to use Google Auth</a:t>
+            </a:r>
+            <a:endParaRPr lang="en-CA" dirty="0"/>
+          </a:p>
+        </p:txBody>
+      </p:sp>
+      <p:pic>
+        <p:nvPicPr>
+          <p:cNvPr id="3" name="Content Placeholder 2">
+            <a:extLst>
+              <a:ext uri="{FF2B5EF4-FFF2-40B4-BE49-F238E27FC236}">
+                <a16:creationId xmlns:a16="http://schemas.microsoft.com/office/drawing/2014/main" id="{621A78BF-76CE-4070-B76E-DB69CFDF8B9D}"/>
+              </a:ext>
+            </a:extLst>
+          </p:cNvPr>
+          <p:cNvPicPr>
+            <a:picLocks noGrp="1" noChangeAspect="1"/>
+          </p:cNvPicPr>
+          <p:nvPr>
+            <p:ph idx="1"/>
+          </p:nvPr>
+        </p:nvPicPr>
+        <p:blipFill>
+          <a:blip r:embed="rId2"/>
+          <a:stretch>
+            <a:fillRect/>
+          </a:stretch>
+        </p:blipFill>
+        <p:spPr>
+          <a:xfrm>
+            <a:off x="1828658" y="1777395"/>
+            <a:ext cx="8531507" cy="4703135"/>
+          </a:xfrm>
+          <a:prstGeom prst="rect">
+            <a:avLst/>
+          </a:prstGeom>
+        </p:spPr>
+      </p:pic>
+    </p:spTree>
+    <p:extLst>
+      <p:ext uri="{BB962C8B-B14F-4D97-AF65-F5344CB8AC3E}">
+        <p14:creationId xmlns:p14="http://schemas.microsoft.com/office/powerpoint/2010/main" val="83259935"/>
+      </p:ext>
+    </p:extLst>
+  </p:cSld>
+  <p:clrMapOvr>
+    <a:masterClrMapping/>
+  </p:clrMapOvr>
+</p:sld>
+</file>
+
+<file path=ppt/slides/slide44.xml><?xml version="1.0" encoding="utf-8"?>
+<p:sld xmlns:a="http://schemas.openxmlformats.org/drawingml/2006/main" xmlns:r="http://schemas.openxmlformats.org/officeDocument/2006/relationships" xmlns:p="http://schemas.openxmlformats.org/presentationml/2006/main">
+  <p:cSld>
+    <p:spTree>
+      <p:nvGrpSpPr>
+        <p:cNvPr id="1" name=""/>
+        <p:cNvGrpSpPr/>
+        <p:nvPr/>
+      </p:nvGrpSpPr>
+      <p:grpSpPr>
+        <a:xfrm>
+          <a:off x="0" y="0"/>
+          <a:ext cx="0" cy="0"/>
+          <a:chOff x="0" y="0"/>
+          <a:chExt cx="0" cy="0"/>
+        </a:xfrm>
+      </p:grpSpPr>
+      <p:sp>
+        <p:nvSpPr>
+          <p:cNvPr id="2" name="Title 1">
+            <a:extLst>
+              <a:ext uri="{FF2B5EF4-FFF2-40B4-BE49-F238E27FC236}">
+                <a16:creationId xmlns:a16="http://schemas.microsoft.com/office/drawing/2014/main" id="{870DCF92-EF91-4B14-813B-AB01571E4752}"/>
+              </a:ext>
+            </a:extLst>
+          </p:cNvPr>
+          <p:cNvSpPr>
+            <a:spLocks noGrp="1"/>
+          </p:cNvSpPr>
+          <p:nvPr>
+            <p:ph type="title"/>
+          </p:nvPr>
+        </p:nvSpPr>
+        <p:spPr/>
+        <p:txBody>
+          <a:bodyPr/>
+          <a:lstStyle/>
+          <a:p>
+            <a:r>
+              <a:rPr lang="en-US" dirty="0"/>
+              <a:t>Simple Authentication with ASP.NET Core</a:t>
+            </a:r>
+            <a:endParaRPr lang="en-CA" dirty="0"/>
+          </a:p>
+        </p:txBody>
+      </p:sp>
+      <p:pic>
+        <p:nvPicPr>
+          <p:cNvPr id="3" name="Content Placeholder 2">
+            <a:extLst>
+              <a:ext uri="{FF2B5EF4-FFF2-40B4-BE49-F238E27FC236}">
+                <a16:creationId xmlns:a16="http://schemas.microsoft.com/office/drawing/2014/main" id="{621A78BF-76CE-4070-B76E-DB69CFDF8B9D}"/>
+              </a:ext>
+            </a:extLst>
+          </p:cNvPr>
+          <p:cNvPicPr>
+            <a:picLocks noGrp="1" noChangeAspect="1"/>
+          </p:cNvPicPr>
+          <p:nvPr>
+            <p:ph idx="1"/>
+          </p:nvPr>
+        </p:nvPicPr>
+        <p:blipFill>
+          <a:blip r:embed="rId2"/>
+          <a:stretch>
+            <a:fillRect/>
+          </a:stretch>
+        </p:blipFill>
+        <p:spPr>
+          <a:xfrm>
+            <a:off x="1828658" y="1980333"/>
+            <a:ext cx="8531507" cy="4297258"/>
+          </a:xfrm>
+          <a:prstGeom prst="rect">
+            <a:avLst/>
+          </a:prstGeom>
+        </p:spPr>
+      </p:pic>
+    </p:spTree>
+    <p:extLst>
+      <p:ext uri="{BB962C8B-B14F-4D97-AF65-F5344CB8AC3E}">
+        <p14:creationId xmlns:p14="http://schemas.microsoft.com/office/powerpoint/2010/main" val="2295672417"/>
+      </p:ext>
+    </p:extLst>
+  </p:cSld>
+  <p:clrMapOvr>
+    <a:masterClrMapping/>
+  </p:clrMapOvr>
+</p:sld>
+</file>
+
+<file path=ppt/slides/slide45.xml><?xml version="1.0" encoding="utf-8"?>
+<p:sld xmlns:a="http://schemas.openxmlformats.org/drawingml/2006/main" xmlns:r="http://schemas.openxmlformats.org/officeDocument/2006/relationships" xmlns:p="http://schemas.openxmlformats.org/presentationml/2006/main">
+  <p:cSld>
+    <p:spTree>
+      <p:nvGrpSpPr>
+        <p:cNvPr id="1" name=""/>
+        <p:cNvGrpSpPr/>
+        <p:nvPr/>
+      </p:nvGrpSpPr>
+      <p:grpSpPr>
+        <a:xfrm>
+          <a:off x="0" y="0"/>
+          <a:ext cx="0" cy="0"/>
+          <a:chOff x="0" y="0"/>
+          <a:chExt cx="0" cy="0"/>
+        </a:xfrm>
+      </p:grpSpPr>
+      <p:sp>
+        <p:nvSpPr>
+          <p:cNvPr id="2" name="Title 1">
+            <a:extLst>
+              <a:ext uri="{FF2B5EF4-FFF2-40B4-BE49-F238E27FC236}">
+                <a16:creationId xmlns:a16="http://schemas.microsoft.com/office/drawing/2014/main" id="{870DCF92-EF91-4B14-813B-AB01571E4752}"/>
+              </a:ext>
+            </a:extLst>
+          </p:cNvPr>
+          <p:cNvSpPr>
+            <a:spLocks noGrp="1"/>
+          </p:cNvSpPr>
+          <p:nvPr>
+            <p:ph type="title"/>
+          </p:nvPr>
+        </p:nvSpPr>
+        <p:spPr/>
+        <p:txBody>
+          <a:bodyPr/>
+          <a:lstStyle/>
+          <a:p>
+            <a:r>
+              <a:rPr lang="en-US" dirty="0"/>
+              <a:t>Simple Authentication with ASP.NET Core</a:t>
+            </a:r>
+            <a:endParaRPr lang="en-CA" dirty="0"/>
+          </a:p>
+        </p:txBody>
+      </p:sp>
+      <p:pic>
+        <p:nvPicPr>
+          <p:cNvPr id="3" name="Content Placeholder 2">
+            <a:extLst>
+              <a:ext uri="{FF2B5EF4-FFF2-40B4-BE49-F238E27FC236}">
+                <a16:creationId xmlns:a16="http://schemas.microsoft.com/office/drawing/2014/main" id="{621A78BF-76CE-4070-B76E-DB69CFDF8B9D}"/>
+              </a:ext>
+            </a:extLst>
+          </p:cNvPr>
+          <p:cNvPicPr>
+            <a:picLocks noGrp="1" noChangeAspect="1"/>
+          </p:cNvPicPr>
+          <p:nvPr>
+            <p:ph idx="1"/>
+          </p:nvPr>
+        </p:nvPicPr>
+        <p:blipFill>
+          <a:blip r:embed="rId2"/>
+          <a:stretch>
+            <a:fillRect/>
+          </a:stretch>
+        </p:blipFill>
+        <p:spPr>
+          <a:xfrm>
+            <a:off x="1828658" y="1980333"/>
+            <a:ext cx="8531506" cy="4297258"/>
+          </a:xfrm>
+          <a:prstGeom prst="rect">
+            <a:avLst/>
+          </a:prstGeom>
+        </p:spPr>
+      </p:pic>
+    </p:spTree>
+    <p:extLst>
+      <p:ext uri="{BB962C8B-B14F-4D97-AF65-F5344CB8AC3E}">
+        <p14:creationId xmlns:p14="http://schemas.microsoft.com/office/powerpoint/2010/main" val="1326765979"/>
+      </p:ext>
+    </p:extLst>
+  </p:cSld>
+  <p:clrMapOvr>
+    <a:masterClrMapping/>
+  </p:clrMapOvr>
+</p:sld>
+</file>
+
+<file path=ppt/slides/slide46.xml><?xml version="1.0" encoding="utf-8"?>
+<p:sld xmlns:a="http://schemas.openxmlformats.org/drawingml/2006/main" xmlns:r="http://schemas.openxmlformats.org/officeDocument/2006/relationships" xmlns:p="http://schemas.openxmlformats.org/presentationml/2006/main">
+  <p:cSld>
+    <p:spTree>
+      <p:nvGrpSpPr>
+        <p:cNvPr id="1" name=""/>
+        <p:cNvGrpSpPr/>
+        <p:nvPr/>
+      </p:nvGrpSpPr>
+      <p:grpSpPr>
+        <a:xfrm>
+          <a:off x="0" y="0"/>
+          <a:ext cx="0" cy="0"/>
+          <a:chOff x="0" y="0"/>
+          <a:chExt cx="0" cy="0"/>
+        </a:xfrm>
+      </p:grpSpPr>
+      <p:sp>
+        <p:nvSpPr>
+          <p:cNvPr id="2" name="Title 1">
+            <a:extLst>
+              <a:ext uri="{FF2B5EF4-FFF2-40B4-BE49-F238E27FC236}">
+                <a16:creationId xmlns:a16="http://schemas.microsoft.com/office/drawing/2014/main" id="{870DCF92-EF91-4B14-813B-AB01571E4752}"/>
+              </a:ext>
+            </a:extLst>
+          </p:cNvPr>
+          <p:cNvSpPr>
+            <a:spLocks noGrp="1"/>
+          </p:cNvSpPr>
+          <p:nvPr>
+            <p:ph type="title"/>
+          </p:nvPr>
+        </p:nvSpPr>
+        <p:spPr/>
+        <p:txBody>
+          <a:bodyPr/>
+          <a:lstStyle/>
+          <a:p>
+            <a:r>
+              <a:rPr lang="en-US" dirty="0"/>
+              <a:t>Simple Authentication with ASP.NET Core</a:t>
+            </a:r>
+            <a:endParaRPr lang="en-CA" dirty="0"/>
+          </a:p>
+        </p:txBody>
+      </p:sp>
+      <p:pic>
+        <p:nvPicPr>
+          <p:cNvPr id="3" name="Content Placeholder 2">
+            <a:extLst>
+              <a:ext uri="{FF2B5EF4-FFF2-40B4-BE49-F238E27FC236}">
+                <a16:creationId xmlns:a16="http://schemas.microsoft.com/office/drawing/2014/main" id="{621A78BF-76CE-4070-B76E-DB69CFDF8B9D}"/>
+              </a:ext>
+            </a:extLst>
+          </p:cNvPr>
+          <p:cNvPicPr>
+            <a:picLocks noGrp="1" noChangeAspect="1"/>
+          </p:cNvPicPr>
+          <p:nvPr>
+            <p:ph idx="1"/>
+          </p:nvPr>
+        </p:nvPicPr>
+        <p:blipFill>
+          <a:blip r:embed="rId2"/>
+          <a:stretch>
+            <a:fillRect/>
+          </a:stretch>
+        </p:blipFill>
+        <p:spPr>
+          <a:xfrm>
+            <a:off x="1828658" y="2196754"/>
+            <a:ext cx="8531506" cy="3864416"/>
+          </a:xfrm>
+          <a:prstGeom prst="rect">
+            <a:avLst/>
+          </a:prstGeom>
+        </p:spPr>
+      </p:pic>
+    </p:spTree>
+    <p:extLst>
+      <p:ext uri="{BB962C8B-B14F-4D97-AF65-F5344CB8AC3E}">
+        <p14:creationId xmlns:p14="http://schemas.microsoft.com/office/powerpoint/2010/main" val="1757114645"/>
+      </p:ext>
+    </p:extLst>
+  </p:cSld>
+  <p:clrMapOvr>
+    <a:masterClrMapping/>
+  </p:clrMapOvr>
+</p:sld>
+</file>
+
+<file path=ppt/slides/slide5.xml><?xml version="1.0" encoding="utf-8"?>
+<p:sld xmlns:a="http://schemas.openxmlformats.org/drawingml/2006/main" xmlns:r="http://schemas.openxmlformats.org/officeDocument/2006/relationships" xmlns:p="http://schemas.openxmlformats.org/presentationml/2006/main">
+  <p:cSld>
+    <p:spTree>
+      <p:nvGrpSpPr>
+        <p:cNvPr id="1" name=""/>
+        <p:cNvGrpSpPr/>
+        <p:nvPr/>
+      </p:nvGrpSpPr>
+      <p:grpSpPr>
+        <a:xfrm>
+          <a:off x="0" y="0"/>
+          <a:ext cx="0" cy="0"/>
+          <a:chOff x="0" y="0"/>
+          <a:chExt cx="0" cy="0"/>
+        </a:xfrm>
+      </p:grpSpPr>
+      <p:sp>
+        <p:nvSpPr>
+          <p:cNvPr id="2" name="Title 1">
+            <a:extLst>
+              <a:ext uri="{FF2B5EF4-FFF2-40B4-BE49-F238E27FC236}">
+                <a16:creationId xmlns:a16="http://schemas.microsoft.com/office/drawing/2014/main" id="{870DCF92-EF91-4B14-813B-AB01571E4752}"/>
+              </a:ext>
+            </a:extLst>
+          </p:cNvPr>
+          <p:cNvSpPr>
+            <a:spLocks noGrp="1"/>
+          </p:cNvSpPr>
+          <p:nvPr>
+            <p:ph type="title"/>
+          </p:nvPr>
+        </p:nvSpPr>
+        <p:spPr/>
+        <p:txBody>
+          <a:bodyPr/>
+          <a:lstStyle/>
+          <a:p>
+            <a:r>
+              <a:rPr lang="en-US" dirty="0"/>
+              <a:t>Implementation of ASP.NET Core Web App</a:t>
+            </a:r>
+            <a:endParaRPr lang="en-CA" dirty="0"/>
+          </a:p>
+        </p:txBody>
+      </p:sp>
+      <p:pic>
+        <p:nvPicPr>
+          <p:cNvPr id="4" name="Content Placeholder 3">
+            <a:extLst>
+              <a:ext uri="{FF2B5EF4-FFF2-40B4-BE49-F238E27FC236}">
+                <a16:creationId xmlns:a16="http://schemas.microsoft.com/office/drawing/2014/main" id="{759AE50F-D9EA-44B4-BC26-1B0D181534EA}"/>
+              </a:ext>
+            </a:extLst>
+          </p:cNvPr>
+          <p:cNvPicPr>
+            <a:picLocks noGrp="1" noChangeAspect="1"/>
+          </p:cNvPicPr>
+          <p:nvPr>
+            <p:ph idx="1"/>
+          </p:nvPr>
+        </p:nvPicPr>
+        <p:blipFill>
+          <a:blip r:embed="rId2"/>
+          <a:stretch>
+            <a:fillRect/>
+          </a:stretch>
+        </p:blipFill>
+        <p:spPr>
+          <a:xfrm>
+            <a:off x="2613983" y="1648210"/>
+            <a:ext cx="6960856" cy="4943089"/>
+          </a:xfrm>
+          <a:prstGeom prst="rect">
+            <a:avLst/>
+          </a:prstGeom>
+        </p:spPr>
+      </p:pic>
+    </p:spTree>
+    <p:extLst>
+      <p:ext uri="{BB962C8B-B14F-4D97-AF65-F5344CB8AC3E}">
+        <p14:creationId xmlns:p14="http://schemas.microsoft.com/office/powerpoint/2010/main" val="2676629704"/>
+      </p:ext>
+    </p:extLst>
+  </p:cSld>
+  <p:clrMapOvr>
+    <a:masterClrMapping/>
+  </p:clrMapOvr>
+</p:sld>
+</file>
+
+<file path=ppt/slides/slide6.xml><?xml version="1.0" encoding="utf-8"?>
+<p:sld xmlns:a="http://schemas.openxmlformats.org/drawingml/2006/main" xmlns:r="http://schemas.openxmlformats.org/officeDocument/2006/relationships" xmlns:p="http://schemas.openxmlformats.org/presentationml/2006/main">
+  <p:cSld>
+    <p:spTree>
+      <p:nvGrpSpPr>
+        <p:cNvPr id="1" name=""/>
+        <p:cNvGrpSpPr/>
+        <p:nvPr/>
+      </p:nvGrpSpPr>
+      <p:grpSpPr>
+        <a:xfrm>
+          <a:off x="0" y="0"/>
+          <a:ext cx="0" cy="0"/>
+          <a:chOff x="0" y="0"/>
+          <a:chExt cx="0" cy="0"/>
+        </a:xfrm>
+      </p:grpSpPr>
+      <p:sp>
+        <p:nvSpPr>
+          <p:cNvPr id="2" name="Title 1">
+            <a:extLst>
+              <a:ext uri="{FF2B5EF4-FFF2-40B4-BE49-F238E27FC236}">
+                <a16:creationId xmlns:a16="http://schemas.microsoft.com/office/drawing/2014/main" id="{870DCF92-EF91-4B14-813B-AB01571E4752}"/>
+              </a:ext>
+            </a:extLst>
+          </p:cNvPr>
+          <p:cNvSpPr>
+            <a:spLocks noGrp="1"/>
+          </p:cNvSpPr>
+          <p:nvPr>
+            <p:ph type="title"/>
+          </p:nvPr>
+        </p:nvSpPr>
+        <p:spPr/>
+        <p:txBody>
+          <a:bodyPr/>
+          <a:lstStyle/>
+          <a:p>
+            <a:r>
+              <a:rPr lang="en-US" dirty="0"/>
+              <a:t>Implementation of ASP.NET Core Web App</a:t>
+            </a:r>
+            <a:endParaRPr lang="en-CA" dirty="0"/>
+          </a:p>
+        </p:txBody>
+      </p:sp>
+      <p:pic>
+        <p:nvPicPr>
+          <p:cNvPr id="4" name="Content Placeholder 3">
+            <a:extLst>
+              <a:ext uri="{FF2B5EF4-FFF2-40B4-BE49-F238E27FC236}">
+                <a16:creationId xmlns:a16="http://schemas.microsoft.com/office/drawing/2014/main" id="{759AE50F-D9EA-44B4-BC26-1B0D181534EA}"/>
+              </a:ext>
+            </a:extLst>
+          </p:cNvPr>
+          <p:cNvPicPr>
+            <a:picLocks noGrp="1" noChangeAspect="1"/>
+          </p:cNvPicPr>
+          <p:nvPr>
+            <p:ph idx="1"/>
+          </p:nvPr>
+        </p:nvPicPr>
+        <p:blipFill>
+          <a:blip r:embed="rId2"/>
+          <a:stretch>
+            <a:fillRect/>
+          </a:stretch>
+        </p:blipFill>
+        <p:spPr>
+          <a:xfrm>
+            <a:off x="2613983" y="1671056"/>
+            <a:ext cx="6960856" cy="4897396"/>
+          </a:xfrm>
+          <a:prstGeom prst="rect">
+            <a:avLst/>
+          </a:prstGeom>
+        </p:spPr>
+      </p:pic>
+    </p:spTree>
+    <p:extLst>
+      <p:ext uri="{BB962C8B-B14F-4D97-AF65-F5344CB8AC3E}">
+        <p14:creationId xmlns:p14="http://schemas.microsoft.com/office/powerpoint/2010/main" val="837544810"/>
+      </p:ext>
+    </p:extLst>
+  </p:cSld>
+  <p:clrMapOvr>
+    <a:masterClrMapping/>
+  </p:clrMapOvr>
+</p:sld>
+</file>
+
+<file path=ppt/slides/slide7.xml><?xml version="1.0" encoding="utf-8"?>
+<p:sld xmlns:a="http://schemas.openxmlformats.org/drawingml/2006/main" xmlns:r="http://schemas.openxmlformats.org/officeDocument/2006/relationships" xmlns:p="http://schemas.openxmlformats.org/presentationml/2006/main">
+  <p:cSld>
+    <p:spTree>
+      <p:nvGrpSpPr>
+        <p:cNvPr id="1" name=""/>
+        <p:cNvGrpSpPr/>
+        <p:nvPr/>
+      </p:nvGrpSpPr>
+      <p:grpSpPr>
+        <a:xfrm>
+          <a:off x="0" y="0"/>
+          <a:ext cx="0" cy="0"/>
+          <a:chOff x="0" y="0"/>
+          <a:chExt cx="0" cy="0"/>
+        </a:xfrm>
+      </p:grpSpPr>
+      <p:sp>
+        <p:nvSpPr>
+          <p:cNvPr id="2" name="Title 1">
+            <a:extLst>
+              <a:ext uri="{FF2B5EF4-FFF2-40B4-BE49-F238E27FC236}">
+                <a16:creationId xmlns:a16="http://schemas.microsoft.com/office/drawing/2014/main" id="{870DCF92-EF91-4B14-813B-AB01571E4752}"/>
+              </a:ext>
+            </a:extLst>
+          </p:cNvPr>
+          <p:cNvSpPr>
+            <a:spLocks noGrp="1"/>
+          </p:cNvSpPr>
+          <p:nvPr>
+            <p:ph type="title"/>
+          </p:nvPr>
+        </p:nvSpPr>
+        <p:spPr/>
+        <p:txBody>
+          <a:bodyPr/>
+          <a:lstStyle/>
+          <a:p>
+            <a:r>
+              <a:rPr lang="en-US" dirty="0"/>
+              <a:t>Implementation of ASP.NET Core Web App</a:t>
+            </a:r>
+            <a:endParaRPr lang="en-CA" dirty="0"/>
+          </a:p>
+        </p:txBody>
+      </p:sp>
+      <p:pic>
+        <p:nvPicPr>
+          <p:cNvPr id="4" name="Content Placeholder 3">
+            <a:extLst>
+              <a:ext uri="{FF2B5EF4-FFF2-40B4-BE49-F238E27FC236}">
+                <a16:creationId xmlns:a16="http://schemas.microsoft.com/office/drawing/2014/main" id="{759AE50F-D9EA-44B4-BC26-1B0D181534EA}"/>
+              </a:ext>
+            </a:extLst>
+          </p:cNvPr>
+          <p:cNvPicPr>
+            <a:picLocks noGrp="1" noChangeAspect="1"/>
+          </p:cNvPicPr>
+          <p:nvPr>
+            <p:ph idx="1"/>
+          </p:nvPr>
+        </p:nvPicPr>
+        <p:blipFill>
+          <a:blip r:embed="rId2"/>
+          <a:stretch>
+            <a:fillRect/>
+          </a:stretch>
+        </p:blipFill>
+        <p:spPr>
+          <a:xfrm>
+            <a:off x="1555304" y="1626309"/>
+            <a:ext cx="9078216" cy="4917366"/>
+          </a:xfrm>
+          <a:prstGeom prst="rect">
+            <a:avLst/>
+          </a:prstGeom>
+        </p:spPr>
+      </p:pic>
+    </p:spTree>
+    <p:extLst>
+      <p:ext uri="{BB962C8B-B14F-4D97-AF65-F5344CB8AC3E}">
+        <p14:creationId xmlns:p14="http://schemas.microsoft.com/office/powerpoint/2010/main" val="721192289"/>
+      </p:ext>
+    </p:extLst>
+  </p:cSld>
+  <p:clrMapOvr>
+    <a:masterClrMapping/>
+  </p:clrMapOvr>
+</p:sld>
+</file>
+
+<file path=ppt/slides/slide8.xml><?xml version="1.0" encoding="utf-8"?>
+<p:sld xmlns:a="http://schemas.openxmlformats.org/drawingml/2006/main" xmlns:r="http://schemas.openxmlformats.org/officeDocument/2006/relationships" xmlns:p="http://schemas.openxmlformats.org/presentationml/2006/main">
+  <p:cSld>
+    <p:spTree>
+      <p:nvGrpSpPr>
+        <p:cNvPr id="1" name=""/>
+        <p:cNvGrpSpPr/>
+        <p:nvPr/>
+      </p:nvGrpSpPr>
+      <p:grpSpPr>
+        <a:xfrm>
+          <a:off x="0" y="0"/>
+          <a:ext cx="0" cy="0"/>
+          <a:chOff x="0" y="0"/>
+          <a:chExt cx="0" cy="0"/>
+        </a:xfrm>
+      </p:grpSpPr>
+      <p:sp>
+        <p:nvSpPr>
+          <p:cNvPr id="2" name="Title 1">
+            <a:extLst>
+              <a:ext uri="{FF2B5EF4-FFF2-40B4-BE49-F238E27FC236}">
+                <a16:creationId xmlns:a16="http://schemas.microsoft.com/office/drawing/2014/main" id="{870DCF92-EF91-4B14-813B-AB01571E4752}"/>
+              </a:ext>
+            </a:extLst>
+          </p:cNvPr>
+          <p:cNvSpPr>
+            <a:spLocks noGrp="1"/>
+          </p:cNvSpPr>
+          <p:nvPr>
+            <p:ph type="title"/>
+          </p:nvPr>
+        </p:nvSpPr>
+        <p:spPr/>
+        <p:txBody>
+          <a:bodyPr/>
+          <a:lstStyle/>
+          <a:p>
+            <a:r>
+              <a:rPr lang="en-US" dirty="0"/>
+              <a:t>Enabling SSL</a:t>
+            </a:r>
+            <a:endParaRPr lang="en-CA" dirty="0"/>
+          </a:p>
+        </p:txBody>
+      </p:sp>
+      <p:pic>
+        <p:nvPicPr>
+          <p:cNvPr id="4" name="Content Placeholder 3">
+            <a:extLst>
+              <a:ext uri="{FF2B5EF4-FFF2-40B4-BE49-F238E27FC236}">
+                <a16:creationId xmlns:a16="http://schemas.microsoft.com/office/drawing/2014/main" id="{759AE50F-D9EA-44B4-BC26-1B0D181534EA}"/>
+              </a:ext>
+            </a:extLst>
+          </p:cNvPr>
+          <p:cNvPicPr>
+            <a:picLocks noGrp="1" noChangeAspect="1"/>
+          </p:cNvPicPr>
+          <p:nvPr>
+            <p:ph idx="1"/>
+          </p:nvPr>
+        </p:nvPicPr>
+        <p:blipFill>
+          <a:blip r:embed="rId2"/>
+          <a:stretch>
+            <a:fillRect/>
+          </a:stretch>
+        </p:blipFill>
+        <p:spPr>
+          <a:xfrm>
+            <a:off x="1555305" y="1626309"/>
+            <a:ext cx="9078214" cy="4917366"/>
+          </a:xfrm>
+          <a:prstGeom prst="rect">
+            <a:avLst/>
+          </a:prstGeom>
+        </p:spPr>
+      </p:pic>
+    </p:spTree>
+    <p:extLst>
+      <p:ext uri="{BB962C8B-B14F-4D97-AF65-F5344CB8AC3E}">
+        <p14:creationId xmlns:p14="http://schemas.microsoft.com/office/powerpoint/2010/main" val="3974561087"/>
+      </p:ext>
+    </p:extLst>
+  </p:cSld>
+  <p:clrMapOvr>
+    <a:masterClrMapping/>
+  </p:clrMapOvr>
+</p:sld>
+</file>
+
+<file path=ppt/slides/slide9.xml><?xml version="1.0" encoding="utf-8"?>
+<p:sld xmlns:a="http://schemas.openxmlformats.org/drawingml/2006/main" xmlns:r="http://schemas.openxmlformats.org/officeDocument/2006/relationships" xmlns:p="http://schemas.openxmlformats.org/presentationml/2006/main">
+  <p:cSld>
+    <p:spTree>
+      <p:nvGrpSpPr>
+        <p:cNvPr id="1" name=""/>
+        <p:cNvGrpSpPr/>
+        <p:nvPr/>
+      </p:nvGrpSpPr>
+      <p:grpSpPr>
+        <a:xfrm>
+          <a:off x="0" y="0"/>
+          <a:ext cx="0" cy="0"/>
+          <a:chOff x="0" y="0"/>
+          <a:chExt cx="0" cy="0"/>
+        </a:xfrm>
+      </p:grpSpPr>
+      <p:sp>
+        <p:nvSpPr>
+          <p:cNvPr id="2" name="Title 1">
+            <a:extLst>
+              <a:ext uri="{FF2B5EF4-FFF2-40B4-BE49-F238E27FC236}">
+                <a16:creationId xmlns:a16="http://schemas.microsoft.com/office/drawing/2014/main" id="{870DCF92-EF91-4B14-813B-AB01571E4752}"/>
+              </a:ext>
+            </a:extLst>
+          </p:cNvPr>
+          <p:cNvSpPr>
+            <a:spLocks noGrp="1"/>
+          </p:cNvSpPr>
+          <p:nvPr>
+            <p:ph type="title"/>
+          </p:nvPr>
+        </p:nvSpPr>
+        <p:spPr/>
+        <p:txBody>
+          <a:bodyPr/>
+          <a:lstStyle/>
+          <a:p>
+            <a:r>
+              <a:rPr lang="en-US" dirty="0"/>
+              <a:t>Enabling SSL</a:t>
+            </a:r>
+            <a:endParaRPr lang="en-CA" dirty="0"/>
+          </a:p>
+        </p:txBody>
+      </p:sp>
+      <p:pic>
+        <p:nvPicPr>
+          <p:cNvPr id="4" name="Content Placeholder 3">
+            <a:extLst>
+              <a:ext uri="{FF2B5EF4-FFF2-40B4-BE49-F238E27FC236}">
+                <a16:creationId xmlns:a16="http://schemas.microsoft.com/office/drawing/2014/main" id="{759AE50F-D9EA-44B4-BC26-1B0D181534EA}"/>
+              </a:ext>
+            </a:extLst>
+          </p:cNvPr>
+          <p:cNvPicPr>
+            <a:picLocks noGrp="1" noChangeAspect="1"/>
+          </p:cNvPicPr>
+          <p:nvPr>
+            <p:ph idx="1"/>
+          </p:nvPr>
+        </p:nvPicPr>
+        <p:blipFill>
+          <a:blip r:embed="rId2"/>
+          <a:stretch>
+            <a:fillRect/>
+          </a:stretch>
+        </p:blipFill>
+        <p:spPr>
+          <a:xfrm>
+            <a:off x="1555305" y="1667535"/>
+            <a:ext cx="9078213" cy="4834913"/>
+          </a:xfrm>
+          <a:prstGeom prst="rect">
+            <a:avLst/>
+          </a:prstGeom>
+        </p:spPr>
+      </p:pic>
+    </p:spTree>
+    <p:extLst>
+      <p:ext uri="{BB962C8B-B14F-4D97-AF65-F5344CB8AC3E}">
+        <p14:creationId xmlns:p14="http://schemas.microsoft.com/office/powerpoint/2010/main" val="3022828834"/>
       </p:ext>
     </p:extLst>
   </p:cSld>
